--- a/Lógica e Programação/Módulo 01 - HTML e CSS/Aula 11 - Introdução ao FlexBox/Flex Box.pptx
+++ b/Lógica e Programação/Módulo 01 - HTML e CSS/Aula 11 - Introdução ao FlexBox/Flex Box.pptx
@@ -5,10 +5,10 @@
     <p:sldMasterId id="2147483677" r:id="rId1"/>
   </p:sldMasterIdLst>
   <p:notesMasterIdLst>
-    <p:notesMasterId r:id="rId19"/>
+    <p:notesMasterId r:id="rId31"/>
   </p:notesMasterIdLst>
   <p:handoutMasterIdLst>
-    <p:handoutMasterId r:id="rId20"/>
+    <p:handoutMasterId r:id="rId32"/>
   </p:handoutMasterIdLst>
   <p:sldIdLst>
     <p:sldId id="256" r:id="rId2"/>
@@ -17,17 +17,29 @@
     <p:sldId id="260" r:id="rId5"/>
     <p:sldId id="261" r:id="rId6"/>
     <p:sldId id="262" r:id="rId7"/>
-    <p:sldId id="263" r:id="rId8"/>
-    <p:sldId id="264" r:id="rId9"/>
-    <p:sldId id="265" r:id="rId10"/>
-    <p:sldId id="266" r:id="rId11"/>
-    <p:sldId id="267" r:id="rId12"/>
-    <p:sldId id="268" r:id="rId13"/>
-    <p:sldId id="269" r:id="rId14"/>
-    <p:sldId id="270" r:id="rId15"/>
-    <p:sldId id="271" r:id="rId16"/>
-    <p:sldId id="272" r:id="rId17"/>
-    <p:sldId id="273" r:id="rId18"/>
+    <p:sldId id="274" r:id="rId8"/>
+    <p:sldId id="263" r:id="rId9"/>
+    <p:sldId id="264" r:id="rId10"/>
+    <p:sldId id="265" r:id="rId11"/>
+    <p:sldId id="266" r:id="rId12"/>
+    <p:sldId id="275" r:id="rId13"/>
+    <p:sldId id="267" r:id="rId14"/>
+    <p:sldId id="268" r:id="rId15"/>
+    <p:sldId id="269" r:id="rId16"/>
+    <p:sldId id="270" r:id="rId17"/>
+    <p:sldId id="271" r:id="rId18"/>
+    <p:sldId id="272" r:id="rId19"/>
+    <p:sldId id="273" r:id="rId20"/>
+    <p:sldId id="276" r:id="rId21"/>
+    <p:sldId id="277" r:id="rId22"/>
+    <p:sldId id="278" r:id="rId23"/>
+    <p:sldId id="279" r:id="rId24"/>
+    <p:sldId id="281" r:id="rId25"/>
+    <p:sldId id="280" r:id="rId26"/>
+    <p:sldId id="282" r:id="rId27"/>
+    <p:sldId id="283" r:id="rId28"/>
+    <p:sldId id="284" r:id="rId29"/>
+    <p:sldId id="285" r:id="rId30"/>
   </p:sldIdLst>
   <p:sldSz cx="12192000" cy="6858000"/>
   <p:notesSz cx="6888163" cy="10020300"/>
@@ -3984,6 +3996,189 @@
           <p:cNvPr id="2" name="Título 1">
             <a:extLst>
               <a:ext uri="{FF2B5EF4-FFF2-40B4-BE49-F238E27FC236}">
+                <a16:creationId xmlns:a16="http://schemas.microsoft.com/office/drawing/2014/main" id="{CF1C60B9-2EC4-47BF-B582-B5ABBE035D64}"/>
+              </a:ext>
+            </a:extLst>
+          </p:cNvPr>
+          <p:cNvSpPr>
+            <a:spLocks noGrp="1"/>
+          </p:cNvSpPr>
+          <p:nvPr>
+            <p:ph type="title"/>
+          </p:nvPr>
+        </p:nvSpPr>
+        <p:spPr/>
+        <p:txBody>
+          <a:bodyPr/>
+          <a:lstStyle/>
+          <a:p>
+            <a:r>
+              <a:rPr lang="pt-BR" dirty="0"/>
+              <a:t>Eixos (</a:t>
+            </a:r>
+            <a:r>
+              <a:rPr lang="pt-BR" dirty="0" err="1"/>
+              <a:t>Axis</a:t>
+            </a:r>
+            <a:r>
+              <a:rPr lang="pt-BR" dirty="0"/>
+              <a:t>) em cada direção</a:t>
+            </a:r>
+          </a:p>
+        </p:txBody>
+      </p:sp>
+      <p:pic>
+        <p:nvPicPr>
+          <p:cNvPr id="3" name="Imagem 2">
+            <a:extLst>
+              <a:ext uri="{FF2B5EF4-FFF2-40B4-BE49-F238E27FC236}">
+                <a16:creationId xmlns:a16="http://schemas.microsoft.com/office/drawing/2014/main" id="{D8063282-2273-410F-A94D-BC1B5059BBF6}"/>
+              </a:ext>
+            </a:extLst>
+          </p:cNvPr>
+          <p:cNvPicPr>
+            <a:picLocks noChangeAspect="1"/>
+          </p:cNvPicPr>
+          <p:nvPr/>
+        </p:nvPicPr>
+        <p:blipFill>
+          <a:blip r:embed="rId2"/>
+          <a:stretch>
+            <a:fillRect/>
+          </a:stretch>
+        </p:blipFill>
+        <p:spPr>
+          <a:xfrm>
+            <a:off x="1092494" y="3903191"/>
+            <a:ext cx="10007012" cy="2041616"/>
+          </a:xfrm>
+          <a:prstGeom prst="rect">
+            <a:avLst/>
+          </a:prstGeom>
+        </p:spPr>
+      </p:pic>
+      <p:sp>
+        <p:nvSpPr>
+          <p:cNvPr id="53" name="Espaço Reservado para Conteúdo 2">
+            <a:extLst>
+              <a:ext uri="{FF2B5EF4-FFF2-40B4-BE49-F238E27FC236}">
+                <a16:creationId xmlns:a16="http://schemas.microsoft.com/office/drawing/2014/main" id="{8D01EDAF-5FC2-488B-BEED-38E7DB56DD31}"/>
+              </a:ext>
+            </a:extLst>
+          </p:cNvPr>
+          <p:cNvSpPr>
+            <a:spLocks noGrp="1"/>
+          </p:cNvSpPr>
+          <p:nvPr>
+            <p:ph idx="1"/>
+          </p:nvPr>
+        </p:nvSpPr>
+        <p:spPr>
+          <a:xfrm>
+            <a:off x="592347" y="1844675"/>
+            <a:ext cx="11007306" cy="1516834"/>
+          </a:xfrm>
+        </p:spPr>
+        <p:txBody>
+          <a:bodyPr/>
+          <a:lstStyle/>
+          <a:p>
+            <a:r>
+              <a:rPr lang="pt-BR" dirty="0"/>
+              <a:t>No </a:t>
+            </a:r>
+            <a:r>
+              <a:rPr lang="pt-BR" dirty="0" err="1"/>
+              <a:t>Flexbox</a:t>
+            </a:r>
+            <a:r>
+              <a:rPr lang="pt-BR" dirty="0"/>
+              <a:t>, os elementos são organizados em dois eixos principais:</a:t>
+            </a:r>
+          </a:p>
+          <a:p>
+            <a:pPr marL="1028700" lvl="1" indent="-342900"/>
+            <a:r>
+              <a:rPr lang="pt-BR" dirty="0"/>
+              <a:t>Eixo Principal (</a:t>
+            </a:r>
+            <a:r>
+              <a:rPr lang="pt-BR" dirty="0" err="1"/>
+              <a:t>Main</a:t>
+            </a:r>
+            <a:r>
+              <a:rPr lang="pt-BR" dirty="0"/>
+              <a:t> </a:t>
+            </a:r>
+            <a:r>
+              <a:rPr lang="pt-BR" dirty="0" err="1"/>
+              <a:t>Axis</a:t>
+            </a:r>
+            <a:r>
+              <a:rPr lang="pt-BR" dirty="0"/>
+              <a:t>): definido pelo </a:t>
+            </a:r>
+            <a:r>
+              <a:rPr lang="pt-BR" dirty="0" err="1"/>
+              <a:t>flex-direction</a:t>
+            </a:r>
+            <a:r>
+              <a:rPr lang="pt-BR" dirty="0"/>
+              <a:t>, determina como os itens serão distribuídos.</a:t>
+            </a:r>
+          </a:p>
+          <a:p>
+            <a:pPr marL="1028700" lvl="1" indent="-342900"/>
+            <a:r>
+              <a:rPr lang="pt-BR" dirty="0"/>
+              <a:t>Eixo Secundário (Cross </a:t>
+            </a:r>
+            <a:r>
+              <a:rPr lang="pt-BR" dirty="0" err="1"/>
+              <a:t>Axis</a:t>
+            </a:r>
+            <a:r>
+              <a:rPr lang="pt-BR" dirty="0"/>
+              <a:t>): é sempre perpendicular ao eixo principal e controla o alinhamento dos itens.</a:t>
+            </a:r>
+          </a:p>
+        </p:txBody>
+      </p:sp>
+    </p:spTree>
+    <p:extLst>
+      <p:ext uri="{BB962C8B-B14F-4D97-AF65-F5344CB8AC3E}">
+        <p14:creationId xmlns:p14="http://schemas.microsoft.com/office/powerpoint/2010/main" val="554284135"/>
+      </p:ext>
+    </p:extLst>
+  </p:cSld>
+  <p:clrMapOvr>
+    <a:masterClrMapping/>
+  </p:clrMapOvr>
+</p:sld>
+</file>
+
+<file path=ppt/slides/slide11.xml><?xml version="1.0" encoding="utf-8"?>
+<p:sld xmlns:a="http://schemas.openxmlformats.org/drawingml/2006/main" xmlns:r="http://schemas.openxmlformats.org/officeDocument/2006/relationships" xmlns:p="http://schemas.openxmlformats.org/presentationml/2006/main">
+  <p:cSld>
+    <p:spTree>
+      <p:nvGrpSpPr>
+        <p:cNvPr id="1" name=""/>
+        <p:cNvGrpSpPr/>
+        <p:nvPr/>
+      </p:nvGrpSpPr>
+      <p:grpSpPr>
+        <a:xfrm>
+          <a:off x="0" y="0"/>
+          <a:ext cx="0" cy="0"/>
+          <a:chOff x="0" y="0"/>
+          <a:chExt cx="0" cy="0"/>
+        </a:xfrm>
+      </p:grpSpPr>
+      <p:sp>
+        <p:nvSpPr>
+          <p:cNvPr id="2" name="Título 1">
+            <a:extLst>
+              <a:ext uri="{FF2B5EF4-FFF2-40B4-BE49-F238E27FC236}">
                 <a16:creationId xmlns:a16="http://schemas.microsoft.com/office/drawing/2014/main" id="{1A77FC49-76A7-45D3-B289-D20E515CE3FD}"/>
               </a:ext>
             </a:extLst>
@@ -5216,7 +5411,7 @@
 </p:sld>
 </file>
 
-<file path=ppt/slides/slide11.xml><?xml version="1.0" encoding="utf-8"?>
+<file path=ppt/slides/slide12.xml><?xml version="1.0" encoding="utf-8"?>
 <p:sld xmlns:a="http://schemas.openxmlformats.org/drawingml/2006/main" xmlns:r="http://schemas.openxmlformats.org/officeDocument/2006/relationships" xmlns:p="http://schemas.openxmlformats.org/presentationml/2006/main">
   <p:cSld>
     <p:spTree>
@@ -5238,6 +5433,612 @@
           <p:cNvPr id="2" name="Título 1">
             <a:extLst>
               <a:ext uri="{FF2B5EF4-FFF2-40B4-BE49-F238E27FC236}">
+                <a16:creationId xmlns:a16="http://schemas.microsoft.com/office/drawing/2014/main" id="{1A77FC49-76A7-45D3-B289-D20E515CE3FD}"/>
+              </a:ext>
+            </a:extLst>
+          </p:cNvPr>
+          <p:cNvSpPr>
+            <a:spLocks noGrp="1"/>
+          </p:cNvSpPr>
+          <p:nvPr>
+            <p:ph type="title"/>
+          </p:nvPr>
+        </p:nvSpPr>
+        <p:spPr/>
+        <p:txBody>
+          <a:bodyPr/>
+          <a:lstStyle/>
+          <a:p>
+            <a:r>
+              <a:rPr lang="pt-BR" dirty="0"/>
+              <a:t>Sintaxe Flex-</a:t>
+            </a:r>
+            <a:r>
+              <a:rPr lang="pt-BR" dirty="0" err="1"/>
+              <a:t>Wrap</a:t>
+            </a:r>
+            <a:endParaRPr lang="pt-BR" dirty="0"/>
+          </a:p>
+        </p:txBody>
+      </p:sp>
+      <p:sp>
+        <p:nvSpPr>
+          <p:cNvPr id="3" name="Espaço Reservado para Conteúdo 2">
+            <a:extLst>
+              <a:ext uri="{FF2B5EF4-FFF2-40B4-BE49-F238E27FC236}">
+                <a16:creationId xmlns:a16="http://schemas.microsoft.com/office/drawing/2014/main" id="{039D6E85-15CC-456A-A19F-81BC776250CC}"/>
+              </a:ext>
+            </a:extLst>
+          </p:cNvPr>
+          <p:cNvSpPr>
+            <a:spLocks noGrp="1"/>
+          </p:cNvSpPr>
+          <p:nvPr>
+            <p:ph idx="1"/>
+          </p:nvPr>
+        </p:nvSpPr>
+        <p:spPr>
+          <a:xfrm>
+            <a:off x="592347" y="1844675"/>
+            <a:ext cx="11007306" cy="2082891"/>
+          </a:xfrm>
+        </p:spPr>
+        <p:txBody>
+          <a:bodyPr/>
+          <a:lstStyle/>
+          <a:p>
+            <a:r>
+              <a:rPr lang="pt-BR" dirty="0"/>
+              <a:t>O </a:t>
+            </a:r>
+            <a:r>
+              <a:rPr lang="pt-BR" dirty="0" err="1"/>
+              <a:t>flex-wrap</a:t>
+            </a:r>
+            <a:r>
+              <a:rPr lang="pt-BR" dirty="0"/>
+              <a:t> define se os itens dentro de um contêiner devem quebrar linha quando não houver espaço suficiente ou se devem permanecer em uma única linha.</a:t>
+            </a:r>
+          </a:p>
+        </p:txBody>
+      </p:sp>
+      <p:sp>
+        <p:nvSpPr>
+          <p:cNvPr id="30" name="CaixaDeTexto 29">
+            <a:extLst>
+              <a:ext uri="{FF2B5EF4-FFF2-40B4-BE49-F238E27FC236}">
+                <a16:creationId xmlns:a16="http://schemas.microsoft.com/office/drawing/2014/main" id="{DF939177-F0DC-44BC-B03E-2821C003E28F}"/>
+              </a:ext>
+            </a:extLst>
+          </p:cNvPr>
+          <p:cNvSpPr txBox="1"/>
+          <p:nvPr/>
+        </p:nvSpPr>
+        <p:spPr>
+          <a:xfrm>
+            <a:off x="592347" y="3244334"/>
+            <a:ext cx="1323975" cy="369332"/>
+          </a:xfrm>
+          <a:prstGeom prst="rect">
+            <a:avLst/>
+          </a:prstGeom>
+          <a:noFill/>
+        </p:spPr>
+        <p:txBody>
+          <a:bodyPr wrap="square" rtlCol="0">
+            <a:spAutoFit/>
+          </a:bodyPr>
+          <a:lstStyle/>
+          <a:p>
+            <a:r>
+              <a:rPr lang="pt-BR" dirty="0">
+                <a:latin typeface="Times New Roman" panose="02020603050405020304" pitchFamily="18" charset="0"/>
+                <a:cs typeface="Times New Roman" panose="02020603050405020304" pitchFamily="18" charset="0"/>
+              </a:rPr>
+              <a:t>Sintaxe:</a:t>
+            </a:r>
+          </a:p>
+        </p:txBody>
+      </p:sp>
+      <p:sp>
+        <p:nvSpPr>
+          <p:cNvPr id="31" name="CaixaDeTexto 30">
+            <a:extLst>
+              <a:ext uri="{FF2B5EF4-FFF2-40B4-BE49-F238E27FC236}">
+                <a16:creationId xmlns:a16="http://schemas.microsoft.com/office/drawing/2014/main" id="{A01E9324-76A3-4890-99F4-9A4AD4B372A5}"/>
+              </a:ext>
+            </a:extLst>
+          </p:cNvPr>
+          <p:cNvSpPr txBox="1"/>
+          <p:nvPr/>
+        </p:nvSpPr>
+        <p:spPr>
+          <a:xfrm>
+            <a:off x="6347640" y="3244334"/>
+            <a:ext cx="2808779" cy="369332"/>
+          </a:xfrm>
+          <a:prstGeom prst="rect">
+            <a:avLst/>
+          </a:prstGeom>
+          <a:noFill/>
+        </p:spPr>
+        <p:txBody>
+          <a:bodyPr wrap="square" rtlCol="0">
+            <a:spAutoFit/>
+          </a:bodyPr>
+          <a:lstStyle/>
+          <a:p>
+            <a:r>
+              <a:rPr lang="pt-BR" dirty="0">
+                <a:latin typeface="Times New Roman" panose="02020603050405020304" pitchFamily="18" charset="0"/>
+                <a:cs typeface="Times New Roman" panose="02020603050405020304" pitchFamily="18" charset="0"/>
+              </a:rPr>
+              <a:t>Opções de </a:t>
+            </a:r>
+            <a:r>
+              <a:rPr lang="pt-BR" dirty="0" err="1">
+                <a:latin typeface="Times New Roman" panose="02020603050405020304" pitchFamily="18" charset="0"/>
+                <a:cs typeface="Times New Roman" panose="02020603050405020304" pitchFamily="18" charset="0"/>
+              </a:rPr>
+              <a:t>flex-wrap</a:t>
+            </a:r>
+            <a:endParaRPr lang="pt-BR" dirty="0">
+              <a:latin typeface="Times New Roman" panose="02020603050405020304" pitchFamily="18" charset="0"/>
+              <a:cs typeface="Times New Roman" panose="02020603050405020304" pitchFamily="18" charset="0"/>
+            </a:endParaRPr>
+          </a:p>
+        </p:txBody>
+      </p:sp>
+      <p:sp>
+        <p:nvSpPr>
+          <p:cNvPr id="4" name="Retângulo 3">
+            <a:extLst>
+              <a:ext uri="{FF2B5EF4-FFF2-40B4-BE49-F238E27FC236}">
+                <a16:creationId xmlns:a16="http://schemas.microsoft.com/office/drawing/2014/main" id="{A636A787-876A-433F-905A-E0BEFD6D25D9}"/>
+              </a:ext>
+            </a:extLst>
+          </p:cNvPr>
+          <p:cNvSpPr/>
+          <p:nvPr/>
+        </p:nvSpPr>
+        <p:spPr>
+          <a:xfrm>
+            <a:off x="592347" y="3927566"/>
+            <a:ext cx="4267200" cy="2010807"/>
+          </a:xfrm>
+          <a:prstGeom prst="rect">
+            <a:avLst/>
+          </a:prstGeom>
+        </p:spPr>
+        <p:txBody>
+          <a:bodyPr wrap="square">
+            <a:spAutoFit/>
+          </a:bodyPr>
+          <a:lstStyle/>
+          <a:p>
+            <a:pPr>
+              <a:spcBef>
+                <a:spcPts val="150"/>
+              </a:spcBef>
+              <a:spcAft>
+                <a:spcPts val="150"/>
+              </a:spcAft>
+            </a:pPr>
+            <a:r>
+              <a:rPr lang="pt-BR" dirty="0">
+                <a:solidFill>
+                  <a:srgbClr val="800000"/>
+                </a:solidFill>
+                <a:latin typeface="Consolas" panose="020B0609020204030204" pitchFamily="49" charset="0"/>
+              </a:rPr>
+              <a:t>.container</a:t>
+            </a:r>
+            <a:r>
+              <a:rPr lang="pt-BR" dirty="0">
+                <a:solidFill>
+                  <a:srgbClr val="000000"/>
+                </a:solidFill>
+                <a:latin typeface="Consolas" panose="020B0609020204030204" pitchFamily="49" charset="0"/>
+              </a:rPr>
+              <a:t> {</a:t>
+            </a:r>
+          </a:p>
+          <a:p>
+            <a:pPr indent="457200">
+              <a:spcBef>
+                <a:spcPts val="150"/>
+              </a:spcBef>
+              <a:spcAft>
+                <a:spcPts val="150"/>
+              </a:spcAft>
+            </a:pPr>
+            <a:r>
+              <a:rPr lang="pt-BR" dirty="0" err="1">
+                <a:solidFill>
+                  <a:srgbClr val="E50000"/>
+                </a:solidFill>
+                <a:latin typeface="Consolas" panose="020B0609020204030204" pitchFamily="49" charset="0"/>
+              </a:rPr>
+              <a:t>border</a:t>
+            </a:r>
+            <a:r>
+              <a:rPr lang="pt-BR" dirty="0">
+                <a:solidFill>
+                  <a:srgbClr val="000000"/>
+                </a:solidFill>
+                <a:latin typeface="Consolas" panose="020B0609020204030204" pitchFamily="49" charset="0"/>
+              </a:rPr>
+              <a:t>: </a:t>
+            </a:r>
+            <a:r>
+              <a:rPr lang="pt-BR" dirty="0">
+                <a:solidFill>
+                  <a:srgbClr val="098658"/>
+                </a:solidFill>
+                <a:latin typeface="Consolas" panose="020B0609020204030204" pitchFamily="49" charset="0"/>
+              </a:rPr>
+              <a:t>0.5px</a:t>
+            </a:r>
+            <a:r>
+              <a:rPr lang="pt-BR" dirty="0">
+                <a:solidFill>
+                  <a:srgbClr val="000000"/>
+                </a:solidFill>
+                <a:latin typeface="Consolas" panose="020B0609020204030204" pitchFamily="49" charset="0"/>
+              </a:rPr>
+              <a:t> </a:t>
+            </a:r>
+            <a:r>
+              <a:rPr lang="pt-BR" dirty="0" err="1">
+                <a:solidFill>
+                  <a:srgbClr val="0451A5"/>
+                </a:solidFill>
+                <a:latin typeface="Consolas" panose="020B0609020204030204" pitchFamily="49" charset="0"/>
+              </a:rPr>
+              <a:t>solid</a:t>
+            </a:r>
+            <a:r>
+              <a:rPr lang="pt-BR" dirty="0">
+                <a:solidFill>
+                  <a:srgbClr val="000000"/>
+                </a:solidFill>
+                <a:latin typeface="Consolas" panose="020B0609020204030204" pitchFamily="49" charset="0"/>
+              </a:rPr>
+              <a:t> </a:t>
+            </a:r>
+            <a:r>
+              <a:rPr lang="pt-BR" dirty="0" err="1">
+                <a:solidFill>
+                  <a:srgbClr val="0451A5"/>
+                </a:solidFill>
+                <a:latin typeface="Consolas" panose="020B0609020204030204" pitchFamily="49" charset="0"/>
+              </a:rPr>
+              <a:t>black</a:t>
+            </a:r>
+            <a:r>
+              <a:rPr lang="pt-BR" dirty="0">
+                <a:solidFill>
+                  <a:srgbClr val="000000"/>
+                </a:solidFill>
+                <a:latin typeface="Consolas" panose="020B0609020204030204" pitchFamily="49" charset="0"/>
+              </a:rPr>
+              <a:t>;</a:t>
+            </a:r>
+          </a:p>
+          <a:p>
+            <a:pPr indent="457200">
+              <a:spcBef>
+                <a:spcPts val="150"/>
+              </a:spcBef>
+              <a:spcAft>
+                <a:spcPts val="150"/>
+              </a:spcAft>
+            </a:pPr>
+            <a:r>
+              <a:rPr lang="pt-BR" dirty="0">
+                <a:solidFill>
+                  <a:srgbClr val="E50000"/>
+                </a:solidFill>
+                <a:latin typeface="Consolas" panose="020B0609020204030204" pitchFamily="49" charset="0"/>
+              </a:rPr>
+              <a:t>display</a:t>
+            </a:r>
+            <a:r>
+              <a:rPr lang="pt-BR" dirty="0">
+                <a:solidFill>
+                  <a:srgbClr val="000000"/>
+                </a:solidFill>
+                <a:latin typeface="Consolas" panose="020B0609020204030204" pitchFamily="49" charset="0"/>
+              </a:rPr>
+              <a:t>: </a:t>
+            </a:r>
+            <a:r>
+              <a:rPr lang="pt-BR" dirty="0" err="1">
+                <a:solidFill>
+                  <a:srgbClr val="0451A5"/>
+                </a:solidFill>
+                <a:latin typeface="Consolas" panose="020B0609020204030204" pitchFamily="49" charset="0"/>
+              </a:rPr>
+              <a:t>flex</a:t>
+            </a:r>
+            <a:r>
+              <a:rPr lang="pt-BR" dirty="0">
+                <a:solidFill>
+                  <a:srgbClr val="000000"/>
+                </a:solidFill>
+                <a:latin typeface="Consolas" panose="020B0609020204030204" pitchFamily="49" charset="0"/>
+              </a:rPr>
+              <a:t>;</a:t>
+            </a:r>
+          </a:p>
+          <a:p>
+            <a:pPr indent="457200">
+              <a:spcBef>
+                <a:spcPts val="150"/>
+              </a:spcBef>
+              <a:spcAft>
+                <a:spcPts val="150"/>
+              </a:spcAft>
+            </a:pPr>
+            <a:r>
+              <a:rPr lang="pt-BR" dirty="0" err="1">
+                <a:solidFill>
+                  <a:srgbClr val="E50000"/>
+                </a:solidFill>
+                <a:latin typeface="Consolas" panose="020B0609020204030204" pitchFamily="49" charset="0"/>
+              </a:rPr>
+              <a:t>flex-direction</a:t>
+            </a:r>
+            <a:r>
+              <a:rPr lang="pt-BR" dirty="0">
+                <a:solidFill>
+                  <a:srgbClr val="000000"/>
+                </a:solidFill>
+                <a:latin typeface="Consolas" panose="020B0609020204030204" pitchFamily="49" charset="0"/>
+              </a:rPr>
+              <a:t>: </a:t>
+            </a:r>
+            <a:r>
+              <a:rPr lang="pt-BR" dirty="0" err="1">
+                <a:solidFill>
+                  <a:srgbClr val="0451A5"/>
+                </a:solidFill>
+                <a:latin typeface="Consolas" panose="020B0609020204030204" pitchFamily="49" charset="0"/>
+              </a:rPr>
+              <a:t>row</a:t>
+            </a:r>
+            <a:r>
+              <a:rPr lang="pt-BR" dirty="0">
+                <a:solidFill>
+                  <a:srgbClr val="000000"/>
+                </a:solidFill>
+                <a:latin typeface="Consolas" panose="020B0609020204030204" pitchFamily="49" charset="0"/>
+              </a:rPr>
+              <a:t>;</a:t>
+            </a:r>
+          </a:p>
+          <a:p>
+            <a:pPr indent="457200">
+              <a:spcBef>
+                <a:spcPts val="150"/>
+              </a:spcBef>
+              <a:spcAft>
+                <a:spcPts val="150"/>
+              </a:spcAft>
+            </a:pPr>
+            <a:r>
+              <a:rPr lang="pt-BR" dirty="0" err="1">
+                <a:solidFill>
+                  <a:srgbClr val="E50000"/>
+                </a:solidFill>
+                <a:latin typeface="Consolas" panose="020B0609020204030204" pitchFamily="49" charset="0"/>
+              </a:rPr>
+              <a:t>flex-wrap</a:t>
+            </a:r>
+            <a:r>
+              <a:rPr lang="pt-BR" dirty="0">
+                <a:solidFill>
+                  <a:srgbClr val="000000"/>
+                </a:solidFill>
+                <a:latin typeface="Consolas" panose="020B0609020204030204" pitchFamily="49" charset="0"/>
+              </a:rPr>
+              <a:t>: </a:t>
+            </a:r>
+            <a:r>
+              <a:rPr lang="pt-BR" dirty="0" err="1">
+                <a:solidFill>
+                  <a:srgbClr val="0451A5"/>
+                </a:solidFill>
+                <a:latin typeface="Consolas" panose="020B0609020204030204" pitchFamily="49" charset="0"/>
+              </a:rPr>
+              <a:t>wrap</a:t>
+            </a:r>
+            <a:r>
+              <a:rPr lang="pt-BR" dirty="0">
+                <a:solidFill>
+                  <a:srgbClr val="000000"/>
+                </a:solidFill>
+                <a:latin typeface="Consolas" panose="020B0609020204030204" pitchFamily="49" charset="0"/>
+              </a:rPr>
+              <a:t>;</a:t>
+            </a:r>
+          </a:p>
+          <a:p>
+            <a:pPr>
+              <a:spcBef>
+                <a:spcPts val="150"/>
+              </a:spcBef>
+              <a:spcAft>
+                <a:spcPts val="150"/>
+              </a:spcAft>
+            </a:pPr>
+            <a:r>
+              <a:rPr lang="pt-BR" dirty="0">
+                <a:solidFill>
+                  <a:srgbClr val="000000"/>
+                </a:solidFill>
+                <a:latin typeface="Consolas" panose="020B0609020204030204" pitchFamily="49" charset="0"/>
+              </a:rPr>
+              <a:t>}</a:t>
+            </a:r>
+          </a:p>
+        </p:txBody>
+      </p:sp>
+      <p:sp>
+        <p:nvSpPr>
+          <p:cNvPr id="10" name="Retângulo 9">
+            <a:extLst>
+              <a:ext uri="{FF2B5EF4-FFF2-40B4-BE49-F238E27FC236}">
+                <a16:creationId xmlns:a16="http://schemas.microsoft.com/office/drawing/2014/main" id="{26FE05E8-D073-4921-863F-8B78AF5E73C9}"/>
+              </a:ext>
+            </a:extLst>
+          </p:cNvPr>
+          <p:cNvSpPr/>
+          <p:nvPr/>
+        </p:nvSpPr>
+        <p:spPr>
+          <a:xfrm>
+            <a:off x="6347640" y="3927566"/>
+            <a:ext cx="3312059" cy="646331"/>
+          </a:xfrm>
+          <a:prstGeom prst="rect">
+            <a:avLst/>
+          </a:prstGeom>
+        </p:spPr>
+        <p:txBody>
+          <a:bodyPr wrap="square">
+            <a:spAutoFit/>
+          </a:bodyPr>
+          <a:lstStyle/>
+          <a:p>
+            <a:r>
+              <a:rPr lang="pt-BR" dirty="0" err="1">
+                <a:solidFill>
+                  <a:srgbClr val="E50000"/>
+                </a:solidFill>
+                <a:latin typeface="Consolas" panose="020B0609020204030204" pitchFamily="49" charset="0"/>
+              </a:rPr>
+              <a:t>flex-wrap</a:t>
+            </a:r>
+            <a:r>
+              <a:rPr lang="pt-BR" dirty="0">
+                <a:solidFill>
+                  <a:srgbClr val="000000"/>
+                </a:solidFill>
+                <a:latin typeface="Consolas" panose="020B0609020204030204" pitchFamily="49" charset="0"/>
+              </a:rPr>
+              <a:t>: </a:t>
+            </a:r>
+            <a:r>
+              <a:rPr lang="pt-BR" dirty="0" err="1">
+                <a:solidFill>
+                  <a:srgbClr val="0451A5"/>
+                </a:solidFill>
+                <a:latin typeface="Consolas" panose="020B0609020204030204" pitchFamily="49" charset="0"/>
+              </a:rPr>
+              <a:t>nowrap</a:t>
+            </a:r>
+            <a:r>
+              <a:rPr lang="pt-BR" dirty="0">
+                <a:solidFill>
+                  <a:srgbClr val="000000"/>
+                </a:solidFill>
+                <a:latin typeface="Consolas" panose="020B0609020204030204" pitchFamily="49" charset="0"/>
+              </a:rPr>
+              <a:t>;</a:t>
+            </a:r>
+          </a:p>
+          <a:p>
+            <a:r>
+              <a:rPr lang="pt-BR" dirty="0" err="1">
+                <a:solidFill>
+                  <a:srgbClr val="E50000"/>
+                </a:solidFill>
+                <a:latin typeface="Consolas" panose="020B0609020204030204" pitchFamily="49" charset="0"/>
+              </a:rPr>
+              <a:t>flex-wrap</a:t>
+            </a:r>
+            <a:r>
+              <a:rPr lang="pt-BR" dirty="0">
+                <a:solidFill>
+                  <a:srgbClr val="000000"/>
+                </a:solidFill>
+                <a:latin typeface="Consolas" panose="020B0609020204030204" pitchFamily="49" charset="0"/>
+              </a:rPr>
+              <a:t>: </a:t>
+            </a:r>
+            <a:r>
+              <a:rPr lang="pt-BR" dirty="0" err="1">
+                <a:solidFill>
+                  <a:srgbClr val="0451A5"/>
+                </a:solidFill>
+                <a:latin typeface="Consolas" panose="020B0609020204030204" pitchFamily="49" charset="0"/>
+              </a:rPr>
+              <a:t>wrap</a:t>
+            </a:r>
+            <a:r>
+              <a:rPr lang="pt-BR" dirty="0">
+                <a:solidFill>
+                  <a:srgbClr val="0451A5"/>
+                </a:solidFill>
+                <a:latin typeface="Consolas" panose="020B0609020204030204" pitchFamily="49" charset="0"/>
+              </a:rPr>
+              <a:t>-reverse</a:t>
+            </a:r>
+            <a:r>
+              <a:rPr lang="pt-BR" dirty="0">
+                <a:solidFill>
+                  <a:srgbClr val="000000"/>
+                </a:solidFill>
+                <a:latin typeface="Consolas" panose="020B0609020204030204" pitchFamily="49" charset="0"/>
+              </a:rPr>
+              <a:t>;</a:t>
+            </a:r>
+            <a:endParaRPr lang="pt-BR" b="0" dirty="0">
+              <a:solidFill>
+                <a:srgbClr val="000000"/>
+              </a:solidFill>
+              <a:effectLst/>
+              <a:latin typeface="Consolas" panose="020B0609020204030204" pitchFamily="49" charset="0"/>
+            </a:endParaRPr>
+          </a:p>
+        </p:txBody>
+      </p:sp>
+    </p:spTree>
+    <p:extLst>
+      <p:ext uri="{BB962C8B-B14F-4D97-AF65-F5344CB8AC3E}">
+        <p14:creationId xmlns:p14="http://schemas.microsoft.com/office/powerpoint/2010/main" val="1248780846"/>
+      </p:ext>
+    </p:extLst>
+  </p:cSld>
+  <p:clrMapOvr>
+    <a:masterClrMapping/>
+  </p:clrMapOvr>
+</p:sld>
+</file>
+
+<file path=ppt/slides/slide13.xml><?xml version="1.0" encoding="utf-8"?>
+<p:sld xmlns:a="http://schemas.openxmlformats.org/drawingml/2006/main" xmlns:r="http://schemas.openxmlformats.org/officeDocument/2006/relationships" xmlns:p="http://schemas.openxmlformats.org/presentationml/2006/main">
+  <p:cSld>
+    <p:spTree>
+      <p:nvGrpSpPr>
+        <p:cNvPr id="1" name=""/>
+        <p:cNvGrpSpPr/>
+        <p:nvPr/>
+      </p:nvGrpSpPr>
+      <p:grpSpPr>
+        <a:xfrm>
+          <a:off x="0" y="0"/>
+          <a:ext cx="0" cy="0"/>
+          <a:chOff x="0" y="0"/>
+          <a:chExt cx="0" cy="0"/>
+        </a:xfrm>
+      </p:grpSpPr>
+      <p:sp>
+        <p:nvSpPr>
+          <p:cNvPr id="2" name="Título 1">
+            <a:extLst>
+              <a:ext uri="{FF2B5EF4-FFF2-40B4-BE49-F238E27FC236}">
                 <a16:creationId xmlns:a16="http://schemas.microsoft.com/office/drawing/2014/main" id="{4922D81B-5BF7-4D23-8682-63AD434F6FB3}"/>
               </a:ext>
             </a:extLst>
@@ -5634,7 +6435,7 @@
 </p:sld>
 </file>
 
-<file path=ppt/slides/slide12.xml><?xml version="1.0" encoding="utf-8"?>
+<file path=ppt/slides/slide14.xml><?xml version="1.0" encoding="utf-8"?>
 <p:sld xmlns:a="http://schemas.openxmlformats.org/drawingml/2006/main" xmlns:r="http://schemas.openxmlformats.org/officeDocument/2006/relationships" xmlns:p="http://schemas.openxmlformats.org/presentationml/2006/main">
   <p:cSld>
     <p:spTree>
@@ -7027,7 +7828,7 @@
 </p:sld>
 </file>
 
-<file path=ppt/slides/slide13.xml><?xml version="1.0" encoding="utf-8"?>
+<file path=ppt/slides/slide15.xml><?xml version="1.0" encoding="utf-8"?>
 <p:sld xmlns:a="http://schemas.openxmlformats.org/drawingml/2006/main" xmlns:r="http://schemas.openxmlformats.org/officeDocument/2006/relationships" xmlns:p="http://schemas.openxmlformats.org/presentationml/2006/main">
   <p:cSld>
     <p:spTree>
@@ -8530,7 +9331,7 @@
 </p:sld>
 </file>
 
-<file path=ppt/slides/slide14.xml><?xml version="1.0" encoding="utf-8"?>
+<file path=ppt/slides/slide16.xml><?xml version="1.0" encoding="utf-8"?>
 <p:sld xmlns:a="http://schemas.openxmlformats.org/drawingml/2006/main" xmlns:r="http://schemas.openxmlformats.org/officeDocument/2006/relationships" xmlns:p="http://schemas.openxmlformats.org/presentationml/2006/main">
   <p:cSld>
     <p:spTree>
@@ -9322,7 +10123,7 @@
 </p:sld>
 </file>
 
-<file path=ppt/slides/slide15.xml><?xml version="1.0" encoding="utf-8"?>
+<file path=ppt/slides/slide17.xml><?xml version="1.0" encoding="utf-8"?>
 <p:sld xmlns:a="http://schemas.openxmlformats.org/drawingml/2006/main" xmlns:r="http://schemas.openxmlformats.org/officeDocument/2006/relationships" xmlns:p="http://schemas.openxmlformats.org/presentationml/2006/main">
   <p:cSld>
     <p:spTree>
@@ -10238,7 +11039,7 @@
 </p:sld>
 </file>
 
-<file path=ppt/slides/slide16.xml><?xml version="1.0" encoding="utf-8"?>
+<file path=ppt/slides/slide18.xml><?xml version="1.0" encoding="utf-8"?>
 <p:sld xmlns:a="http://schemas.openxmlformats.org/drawingml/2006/main" xmlns:r="http://schemas.openxmlformats.org/officeDocument/2006/relationships" xmlns:p="http://schemas.openxmlformats.org/presentationml/2006/main">
   <p:cSld>
     <p:spTree>
@@ -11161,7 +11962,7 @@
 </p:sld>
 </file>
 
-<file path=ppt/slides/slide17.xml><?xml version="1.0" encoding="utf-8"?>
+<file path=ppt/slides/slide19.xml><?xml version="1.0" encoding="utf-8"?>
 <p:sld xmlns:a="http://schemas.openxmlformats.org/drawingml/2006/main" xmlns:r="http://schemas.openxmlformats.org/officeDocument/2006/relationships" xmlns:p="http://schemas.openxmlformats.org/presentationml/2006/main">
   <p:cSld>
     <p:spTree>
@@ -12014,12 +12815,423 @@
           </a:p>
         </p:txBody>
       </p:sp>
+      <p:sp>
+        <p:nvSpPr>
+          <p:cNvPr id="4" name="Retângulo: Cantos Arredondados 3">
+            <a:extLst>
+              <a:ext uri="{FF2B5EF4-FFF2-40B4-BE49-F238E27FC236}">
+                <a16:creationId xmlns:a16="http://schemas.microsoft.com/office/drawing/2014/main" id="{4FBBDFEF-8913-43CE-9BCB-D2078583A537}"/>
+              </a:ext>
+            </a:extLst>
+          </p:cNvPr>
+          <p:cNvSpPr/>
+          <p:nvPr/>
+        </p:nvSpPr>
+        <p:spPr>
+          <a:xfrm>
+            <a:off x="2967038" y="4516345"/>
+            <a:ext cx="6286162" cy="1440000"/>
+          </a:xfrm>
+          <a:prstGeom prst="roundRect">
+            <a:avLst>
+              <a:gd name="adj" fmla="val 8805"/>
+            </a:avLst>
+          </a:prstGeom>
+          <a:solidFill>
+            <a:schemeClr val="bg1"/>
+          </a:solidFill>
+          <a:ln w="19050">
+            <a:solidFill>
+              <a:schemeClr val="tx1">
+                <a:lumMod val="95000"/>
+                <a:lumOff val="5000"/>
+              </a:schemeClr>
+            </a:solidFill>
+          </a:ln>
+        </p:spPr>
+        <p:style>
+          <a:lnRef idx="2">
+            <a:schemeClr val="accent1">
+              <a:shade val="50000"/>
+            </a:schemeClr>
+          </a:lnRef>
+          <a:fillRef idx="1">
+            <a:schemeClr val="accent1"/>
+          </a:fillRef>
+          <a:effectRef idx="0">
+            <a:schemeClr val="accent1"/>
+          </a:effectRef>
+          <a:fontRef idx="minor">
+            <a:schemeClr val="lt1"/>
+          </a:fontRef>
+        </p:style>
+        <p:txBody>
+          <a:bodyPr rtlCol="0" anchor="ctr"/>
+          <a:lstStyle/>
+          <a:p>
+            <a:pPr algn="ctr"/>
+            <a:endParaRPr lang="pt-BR"/>
+          </a:p>
+        </p:txBody>
+      </p:sp>
+      <p:sp>
+        <p:nvSpPr>
+          <p:cNvPr id="5" name="Retângulo: Cantos Arredondados 4">
+            <a:extLst>
+              <a:ext uri="{FF2B5EF4-FFF2-40B4-BE49-F238E27FC236}">
+                <a16:creationId xmlns:a16="http://schemas.microsoft.com/office/drawing/2014/main" id="{429A7828-4F71-4CC4-AE36-9C43D7865B82}"/>
+              </a:ext>
+            </a:extLst>
+          </p:cNvPr>
+          <p:cNvSpPr/>
+          <p:nvPr/>
+        </p:nvSpPr>
+        <p:spPr>
+          <a:xfrm>
+            <a:off x="3363683" y="4696345"/>
+            <a:ext cx="1080000" cy="1080000"/>
+          </a:xfrm>
+          <a:prstGeom prst="roundRect">
+            <a:avLst>
+              <a:gd name="adj" fmla="val 8805"/>
+            </a:avLst>
+          </a:prstGeom>
+          <a:solidFill>
+            <a:srgbClr val="043073"/>
+          </a:solidFill>
+          <a:ln w="19050">
+            <a:solidFill>
+              <a:schemeClr val="tx1">
+                <a:lumMod val="95000"/>
+                <a:lumOff val="5000"/>
+              </a:schemeClr>
+            </a:solidFill>
+          </a:ln>
+        </p:spPr>
+        <p:style>
+          <a:lnRef idx="2">
+            <a:schemeClr val="accent1">
+              <a:shade val="50000"/>
+            </a:schemeClr>
+          </a:lnRef>
+          <a:fillRef idx="1">
+            <a:schemeClr val="accent1"/>
+          </a:fillRef>
+          <a:effectRef idx="0">
+            <a:schemeClr val="accent1"/>
+          </a:effectRef>
+          <a:fontRef idx="minor">
+            <a:schemeClr val="lt1"/>
+          </a:fontRef>
+        </p:style>
+        <p:txBody>
+          <a:bodyPr rtlCol="0" anchor="ctr"/>
+          <a:lstStyle/>
+          <a:p>
+            <a:pPr algn="ctr"/>
+            <a:endParaRPr lang="pt-BR"/>
+          </a:p>
+        </p:txBody>
+      </p:sp>
+      <p:sp>
+        <p:nvSpPr>
+          <p:cNvPr id="6" name="Retângulo: Cantos Arredondados 5">
+            <a:extLst>
+              <a:ext uri="{FF2B5EF4-FFF2-40B4-BE49-F238E27FC236}">
+                <a16:creationId xmlns:a16="http://schemas.microsoft.com/office/drawing/2014/main" id="{D68A810D-554F-4647-A960-A5E692728D1F}"/>
+              </a:ext>
+            </a:extLst>
+          </p:cNvPr>
+          <p:cNvSpPr/>
+          <p:nvPr/>
+        </p:nvSpPr>
+        <p:spPr>
+          <a:xfrm>
+            <a:off x="4830322" y="4696345"/>
+            <a:ext cx="1080000" cy="1080000"/>
+          </a:xfrm>
+          <a:prstGeom prst="roundRect">
+            <a:avLst>
+              <a:gd name="adj" fmla="val 8805"/>
+            </a:avLst>
+          </a:prstGeom>
+          <a:solidFill>
+            <a:srgbClr val="043073"/>
+          </a:solidFill>
+          <a:ln w="19050">
+            <a:solidFill>
+              <a:schemeClr val="tx1">
+                <a:lumMod val="95000"/>
+                <a:lumOff val="5000"/>
+              </a:schemeClr>
+            </a:solidFill>
+          </a:ln>
+        </p:spPr>
+        <p:style>
+          <a:lnRef idx="2">
+            <a:schemeClr val="accent1">
+              <a:shade val="50000"/>
+            </a:schemeClr>
+          </a:lnRef>
+          <a:fillRef idx="1">
+            <a:schemeClr val="accent1"/>
+          </a:fillRef>
+          <a:effectRef idx="0">
+            <a:schemeClr val="accent1"/>
+          </a:effectRef>
+          <a:fontRef idx="minor">
+            <a:schemeClr val="lt1"/>
+          </a:fontRef>
+        </p:style>
+        <p:txBody>
+          <a:bodyPr rtlCol="0" anchor="ctr"/>
+          <a:lstStyle/>
+          <a:p>
+            <a:pPr algn="ctr"/>
+            <a:endParaRPr lang="pt-BR"/>
+          </a:p>
+        </p:txBody>
+      </p:sp>
+      <p:sp>
+        <p:nvSpPr>
+          <p:cNvPr id="7" name="Retângulo: Cantos Arredondados 6">
+            <a:extLst>
+              <a:ext uri="{FF2B5EF4-FFF2-40B4-BE49-F238E27FC236}">
+                <a16:creationId xmlns:a16="http://schemas.microsoft.com/office/drawing/2014/main" id="{E13B91AC-4007-4B81-89E8-B9D35A32E7FC}"/>
+              </a:ext>
+            </a:extLst>
+          </p:cNvPr>
+          <p:cNvSpPr/>
+          <p:nvPr/>
+        </p:nvSpPr>
+        <p:spPr>
+          <a:xfrm>
+            <a:off x="6308442" y="4696345"/>
+            <a:ext cx="1080000" cy="1080000"/>
+          </a:xfrm>
+          <a:prstGeom prst="roundRect">
+            <a:avLst>
+              <a:gd name="adj" fmla="val 8805"/>
+            </a:avLst>
+          </a:prstGeom>
+          <a:solidFill>
+            <a:srgbClr val="043073"/>
+          </a:solidFill>
+          <a:ln w="19050">
+            <a:solidFill>
+              <a:schemeClr val="tx1">
+                <a:lumMod val="95000"/>
+                <a:lumOff val="5000"/>
+              </a:schemeClr>
+            </a:solidFill>
+          </a:ln>
+        </p:spPr>
+        <p:style>
+          <a:lnRef idx="2">
+            <a:schemeClr val="accent1">
+              <a:shade val="50000"/>
+            </a:schemeClr>
+          </a:lnRef>
+          <a:fillRef idx="1">
+            <a:schemeClr val="accent1"/>
+          </a:fillRef>
+          <a:effectRef idx="0">
+            <a:schemeClr val="accent1"/>
+          </a:effectRef>
+          <a:fontRef idx="minor">
+            <a:schemeClr val="lt1"/>
+          </a:fontRef>
+        </p:style>
+        <p:txBody>
+          <a:bodyPr rtlCol="0" anchor="ctr"/>
+          <a:lstStyle/>
+          <a:p>
+            <a:pPr algn="ctr"/>
+            <a:endParaRPr lang="pt-BR"/>
+          </a:p>
+        </p:txBody>
+      </p:sp>
+      <p:sp>
+        <p:nvSpPr>
+          <p:cNvPr id="8" name="Retângulo: Cantos Arredondados 7">
+            <a:extLst>
+              <a:ext uri="{FF2B5EF4-FFF2-40B4-BE49-F238E27FC236}">
+                <a16:creationId xmlns:a16="http://schemas.microsoft.com/office/drawing/2014/main" id="{70CB0554-5828-4510-ACA4-FAA2D05546C9}"/>
+              </a:ext>
+            </a:extLst>
+          </p:cNvPr>
+          <p:cNvSpPr/>
+          <p:nvPr/>
+        </p:nvSpPr>
+        <p:spPr>
+          <a:xfrm>
+            <a:off x="7780821" y="4696345"/>
+            <a:ext cx="1080000" cy="1080000"/>
+          </a:xfrm>
+          <a:prstGeom prst="roundRect">
+            <a:avLst>
+              <a:gd name="adj" fmla="val 8805"/>
+            </a:avLst>
+          </a:prstGeom>
+          <a:solidFill>
+            <a:srgbClr val="043073"/>
+          </a:solidFill>
+          <a:ln w="19050">
+            <a:solidFill>
+              <a:schemeClr val="tx1">
+                <a:lumMod val="95000"/>
+                <a:lumOff val="5000"/>
+              </a:schemeClr>
+            </a:solidFill>
+          </a:ln>
+        </p:spPr>
+        <p:style>
+          <a:lnRef idx="2">
+            <a:schemeClr val="accent1">
+              <a:shade val="50000"/>
+            </a:schemeClr>
+          </a:lnRef>
+          <a:fillRef idx="1">
+            <a:schemeClr val="accent1"/>
+          </a:fillRef>
+          <a:effectRef idx="0">
+            <a:schemeClr val="accent1"/>
+          </a:effectRef>
+          <a:fontRef idx="minor">
+            <a:schemeClr val="lt1"/>
+          </a:fontRef>
+        </p:style>
+        <p:txBody>
+          <a:bodyPr rtlCol="0" anchor="ctr"/>
+          <a:lstStyle/>
+          <a:p>
+            <a:pPr algn="ctr"/>
+            <a:endParaRPr lang="pt-BR"/>
+          </a:p>
+        </p:txBody>
+      </p:sp>
+    </p:spTree>
+    <p:extLst>
+      <p:ext uri="{BB962C8B-B14F-4D97-AF65-F5344CB8AC3E}">
+        <p14:creationId xmlns:p14="http://schemas.microsoft.com/office/powerpoint/2010/main" val="1078860903"/>
+      </p:ext>
+    </p:extLst>
+  </p:cSld>
+  <p:clrMapOvr>
+    <a:masterClrMapping/>
+  </p:clrMapOvr>
+</p:sld>
+</file>
+
+<file path=ppt/slides/slide20.xml><?xml version="1.0" encoding="utf-8"?>
+<p:sld xmlns:a="http://schemas.openxmlformats.org/drawingml/2006/main" xmlns:r="http://schemas.openxmlformats.org/officeDocument/2006/relationships" xmlns:p="http://schemas.openxmlformats.org/presentationml/2006/main">
+  <p:cSld>
+    <p:spTree>
+      <p:nvGrpSpPr>
+        <p:cNvPr id="1" name=""/>
+        <p:cNvGrpSpPr/>
+        <p:nvPr/>
+      </p:nvGrpSpPr>
+      <p:grpSpPr>
+        <a:xfrm>
+          <a:off x="0" y="0"/>
+          <a:ext cx="0" cy="0"/>
+          <a:chOff x="0" y="0"/>
+          <a:chExt cx="0" cy="0"/>
+        </a:xfrm>
+      </p:grpSpPr>
+      <p:sp>
+        <p:nvSpPr>
+          <p:cNvPr id="2" name="Título 1">
+            <a:extLst>
+              <a:ext uri="{FF2B5EF4-FFF2-40B4-BE49-F238E27FC236}">
+                <a16:creationId xmlns:a16="http://schemas.microsoft.com/office/drawing/2014/main" id="{A4C4A5C0-EBC1-4033-8F83-51C6C185AC73}"/>
+              </a:ext>
+            </a:extLst>
+          </p:cNvPr>
+          <p:cNvSpPr>
+            <a:spLocks noGrp="1"/>
+          </p:cNvSpPr>
+          <p:nvPr>
+            <p:ph type="title"/>
+          </p:nvPr>
+        </p:nvSpPr>
+        <p:spPr/>
+        <p:txBody>
+          <a:bodyPr/>
+          <a:lstStyle/>
+          <a:p>
+            <a:r>
+              <a:rPr lang="pt-BR" dirty="0" err="1"/>
+              <a:t>Align-content</a:t>
+            </a:r>
+            <a:endParaRPr lang="pt-BR" dirty="0"/>
+          </a:p>
+        </p:txBody>
+      </p:sp>
+      <p:sp>
+        <p:nvSpPr>
+          <p:cNvPr id="3" name="Espaço Reservado para Conteúdo 2">
+            <a:extLst>
+              <a:ext uri="{FF2B5EF4-FFF2-40B4-BE49-F238E27FC236}">
+                <a16:creationId xmlns:a16="http://schemas.microsoft.com/office/drawing/2014/main" id="{63CA9389-47C8-412F-B30D-D03429268A25}"/>
+              </a:ext>
+            </a:extLst>
+          </p:cNvPr>
+          <p:cNvSpPr>
+            <a:spLocks noGrp="1"/>
+          </p:cNvSpPr>
+          <p:nvPr>
+            <p:ph idx="1"/>
+          </p:nvPr>
+        </p:nvSpPr>
+        <p:spPr>
+          <a:xfrm>
+            <a:off x="592347" y="1844675"/>
+            <a:ext cx="11007306" cy="1133656"/>
+          </a:xfrm>
+        </p:spPr>
+        <p:txBody>
+          <a:bodyPr/>
+          <a:lstStyle/>
+          <a:p>
+            <a:r>
+              <a:rPr lang="pt-BR" dirty="0"/>
+              <a:t>O </a:t>
+            </a:r>
+            <a:r>
+              <a:rPr lang="pt-BR" dirty="0" err="1"/>
+              <a:t>align-content</a:t>
+            </a:r>
+            <a:r>
+              <a:rPr lang="pt-BR" dirty="0"/>
+              <a:t> controla o espaçamento entre várias linhas dentro de um container flexível, atuando no eixo secundário. Ele só funciona quando </a:t>
+            </a:r>
+            <a:r>
+              <a:rPr lang="pt-BR" dirty="0" err="1"/>
+              <a:t>flex-wrap</a:t>
+            </a:r>
+            <a:r>
+              <a:rPr lang="pt-BR" dirty="0"/>
+              <a:t>: </a:t>
+            </a:r>
+            <a:r>
+              <a:rPr lang="pt-BR" dirty="0" err="1"/>
+              <a:t>wrap</a:t>
+            </a:r>
+            <a:r>
+              <a:rPr lang="pt-BR" dirty="0"/>
+              <a:t>; está ativado e há múltiplas linhas de itens.</a:t>
+            </a:r>
+          </a:p>
+        </p:txBody>
+      </p:sp>
       <p:grpSp>
         <p:nvGrpSpPr>
-          <p:cNvPr id="18" name="Agrupar 17">
-            <a:extLst>
-              <a:ext uri="{FF2B5EF4-FFF2-40B4-BE49-F238E27FC236}">
-                <a16:creationId xmlns:a16="http://schemas.microsoft.com/office/drawing/2014/main" id="{4E40397F-6F62-45AF-9224-C8FE22C44658}"/>
+          <p:cNvPr id="20" name="Agrupar 19">
+            <a:extLst>
+              <a:ext uri="{FF2B5EF4-FFF2-40B4-BE49-F238E27FC236}">
+                <a16:creationId xmlns:a16="http://schemas.microsoft.com/office/drawing/2014/main" id="{134A678A-FE55-4F61-B55F-835E4CBC2A46}"/>
               </a:ext>
             </a:extLst>
           </p:cNvPr>
@@ -12028,18 +13240,18 @@
         </p:nvGrpSpPr>
         <p:grpSpPr>
           <a:xfrm>
-            <a:off x="2967038" y="4516345"/>
-            <a:ext cx="6286162" cy="1440000"/>
-            <a:chOff x="2967038" y="4516345"/>
-            <a:chExt cx="6286162" cy="1440000"/>
+            <a:off x="634568" y="2978331"/>
+            <a:ext cx="2384249" cy="3547777"/>
+            <a:chOff x="634568" y="2978331"/>
+            <a:chExt cx="2384249" cy="3547777"/>
           </a:xfrm>
         </p:grpSpPr>
         <p:sp>
           <p:nvSpPr>
-            <p:cNvPr id="4" name="Retângulo: Cantos Arredondados 3">
+            <p:cNvPr id="10" name="Retângulo: Cantos Arredondados 9">
               <a:extLst>
                 <a:ext uri="{FF2B5EF4-FFF2-40B4-BE49-F238E27FC236}">
-                  <a16:creationId xmlns:a16="http://schemas.microsoft.com/office/drawing/2014/main" id="{4FBBDFEF-8913-43CE-9BCB-D2078583A537}"/>
+                  <a16:creationId xmlns:a16="http://schemas.microsoft.com/office/drawing/2014/main" id="{30DCB37B-1C35-4A83-8033-4A14BD29D171}"/>
                 </a:ext>
               </a:extLst>
             </p:cNvPr>
@@ -12047,9 +13259,9 @@
             <p:nvPr/>
           </p:nvSpPr>
           <p:spPr>
-            <a:xfrm>
-              <a:off x="2967038" y="4516345"/>
-              <a:ext cx="6286162" cy="1440000"/>
+            <a:xfrm rot="16200000">
+              <a:off x="588817" y="3684494"/>
+              <a:ext cx="3060000" cy="1800000"/>
             </a:xfrm>
             <a:prstGeom prst="roundRect">
               <a:avLst>
@@ -12089,16 +13301,16 @@
             <a:lstStyle/>
             <a:p>
               <a:pPr algn="ctr"/>
-              <a:endParaRPr lang="pt-BR"/>
+              <a:endParaRPr lang="pt-BR" dirty="0"/>
             </a:p>
           </p:txBody>
         </p:sp>
         <p:sp>
           <p:nvSpPr>
-            <p:cNvPr id="5" name="Retângulo: Cantos Arredondados 4">
+            <p:cNvPr id="11" name="Retângulo: Cantos Arredondados 10">
               <a:extLst>
                 <a:ext uri="{FF2B5EF4-FFF2-40B4-BE49-F238E27FC236}">
-                  <a16:creationId xmlns:a16="http://schemas.microsoft.com/office/drawing/2014/main" id="{429A7828-4F71-4CC4-AE36-9C43D7865B82}"/>
+                  <a16:creationId xmlns:a16="http://schemas.microsoft.com/office/drawing/2014/main" id="{2FA1C784-28E1-4988-8B3E-28A19F5EE1EE}"/>
                 </a:ext>
               </a:extLst>
             </p:cNvPr>
@@ -12107,8 +13319,8 @@
           </p:nvSpPr>
           <p:spPr>
             <a:xfrm>
-              <a:off x="3363683" y="4696345"/>
-              <a:ext cx="1080000" cy="1080000"/>
+              <a:off x="1374557" y="4608148"/>
+              <a:ext cx="666389" cy="1440000"/>
             </a:xfrm>
             <a:prstGeom prst="roundRect">
               <a:avLst>
@@ -12148,16 +13360,19 @@
             <a:lstStyle/>
             <a:p>
               <a:pPr algn="ctr"/>
-              <a:endParaRPr lang="pt-BR"/>
+              <a:r>
+                <a:rPr lang="pt-BR" dirty="0"/>
+                <a:t>3</a:t>
+              </a:r>
             </a:p>
           </p:txBody>
         </p:sp>
         <p:sp>
           <p:nvSpPr>
-            <p:cNvPr id="6" name="Retângulo: Cantos Arredondados 5">
+            <p:cNvPr id="13" name="Retângulo: Cantos Arredondados 12">
               <a:extLst>
                 <a:ext uri="{FF2B5EF4-FFF2-40B4-BE49-F238E27FC236}">
-                  <a16:creationId xmlns:a16="http://schemas.microsoft.com/office/drawing/2014/main" id="{D68A810D-554F-4647-A960-A5E692728D1F}"/>
+                  <a16:creationId xmlns:a16="http://schemas.microsoft.com/office/drawing/2014/main" id="{6CBB3620-8D9B-4E24-9A34-441C5556450B}"/>
                 </a:ext>
               </a:extLst>
             </p:cNvPr>
@@ -12166,8 +13381,8 @@
           </p:nvSpPr>
           <p:spPr>
             <a:xfrm>
-              <a:off x="4830322" y="4696345"/>
-              <a:ext cx="1080000" cy="1080000"/>
+              <a:off x="1374557" y="3101801"/>
+              <a:ext cx="666389" cy="1440000"/>
             </a:xfrm>
             <a:prstGeom prst="roundRect">
               <a:avLst>
@@ -12207,16 +13422,114 @@
             <a:lstStyle/>
             <a:p>
               <a:pPr algn="ctr"/>
-              <a:endParaRPr lang="pt-BR"/>
+              <a:r>
+                <a:rPr lang="pt-BR" dirty="0"/>
+                <a:t>1</a:t>
+              </a:r>
+            </a:p>
+          </p:txBody>
+        </p:sp>
+        <p:cxnSp>
+          <p:nvCxnSpPr>
+            <p:cNvPr id="7" name="Conector de Seta Reta 6">
+              <a:extLst>
+                <a:ext uri="{FF2B5EF4-FFF2-40B4-BE49-F238E27FC236}">
+                  <a16:creationId xmlns:a16="http://schemas.microsoft.com/office/drawing/2014/main" id="{04424F69-A55F-4492-9FD1-878CD1A0BBBE}"/>
+                </a:ext>
+              </a:extLst>
+            </p:cNvPr>
+            <p:cNvCxnSpPr>
+              <a:cxnSpLocks/>
+            </p:cNvCxnSpPr>
+            <p:nvPr/>
+          </p:nvCxnSpPr>
+          <p:spPr>
+            <a:xfrm rot="5400000" flipV="1">
+              <a:off x="-592140" y="4598331"/>
+              <a:ext cx="3240000" cy="0"/>
+            </a:xfrm>
+            <a:prstGeom prst="straightConnector1">
+              <a:avLst/>
+            </a:prstGeom>
+            <a:ln w="38100">
+              <a:solidFill>
+                <a:schemeClr val="accent2">
+                  <a:lumMod val="75000"/>
+                </a:schemeClr>
+              </a:solidFill>
+              <a:tailEnd type="triangle"/>
+            </a:ln>
+          </p:spPr>
+          <p:style>
+            <a:lnRef idx="1">
+              <a:schemeClr val="accent1"/>
+            </a:lnRef>
+            <a:fillRef idx="0">
+              <a:schemeClr val="accent1"/>
+            </a:fillRef>
+            <a:effectRef idx="0">
+              <a:schemeClr val="accent1"/>
+            </a:effectRef>
+            <a:fontRef idx="minor">
+              <a:schemeClr val="tx1"/>
+            </a:fontRef>
+          </p:style>
+        </p:cxnSp>
+        <p:sp>
+          <p:nvSpPr>
+            <p:cNvPr id="8" name="CaixaDeTexto 7">
+              <a:extLst>
+                <a:ext uri="{FF2B5EF4-FFF2-40B4-BE49-F238E27FC236}">
+                  <a16:creationId xmlns:a16="http://schemas.microsoft.com/office/drawing/2014/main" id="{068BDB85-78AE-4E96-84F7-A1FBD9E6B523}"/>
+                </a:ext>
+              </a:extLst>
+            </p:cNvPr>
+            <p:cNvSpPr txBox="1"/>
+            <p:nvPr/>
+          </p:nvSpPr>
+          <p:spPr>
+            <a:xfrm rot="16200000">
+              <a:off x="261220" y="4445995"/>
+              <a:ext cx="1023696" cy="276999"/>
+            </a:xfrm>
+            <a:prstGeom prst="rect">
+              <a:avLst/>
+            </a:prstGeom>
+            <a:noFill/>
+          </p:spPr>
+          <p:txBody>
+            <a:bodyPr wrap="square" rtlCol="0">
+              <a:spAutoFit/>
+            </a:bodyPr>
+            <a:lstStyle/>
+            <a:p>
+              <a:r>
+                <a:rPr lang="pt-BR" sz="1200" dirty="0">
+                  <a:latin typeface="Times New Roman" panose="02020603050405020304" pitchFamily="18" charset="0"/>
+                  <a:cs typeface="Times New Roman" panose="02020603050405020304" pitchFamily="18" charset="0"/>
+                </a:rPr>
+                <a:t>Cross-</a:t>
+              </a:r>
+              <a:r>
+                <a:rPr lang="pt-BR" sz="1200" dirty="0" err="1">
+                  <a:latin typeface="Times New Roman" panose="02020603050405020304" pitchFamily="18" charset="0"/>
+                  <a:cs typeface="Times New Roman" panose="02020603050405020304" pitchFamily="18" charset="0"/>
+                </a:rPr>
+                <a:t>Axis</a:t>
+              </a:r>
+              <a:endParaRPr lang="pt-BR" sz="1200" dirty="0">
+                <a:latin typeface="Times New Roman" panose="02020603050405020304" pitchFamily="18" charset="0"/>
+                <a:cs typeface="Times New Roman" panose="02020603050405020304" pitchFamily="18" charset="0"/>
+              </a:endParaRPr>
             </a:p>
           </p:txBody>
         </p:sp>
         <p:sp>
           <p:nvSpPr>
-            <p:cNvPr id="7" name="Retângulo: Cantos Arredondados 6">
+            <p:cNvPr id="14" name="Retângulo: Cantos Arredondados 13">
               <a:extLst>
                 <a:ext uri="{FF2B5EF4-FFF2-40B4-BE49-F238E27FC236}">
-                  <a16:creationId xmlns:a16="http://schemas.microsoft.com/office/drawing/2014/main" id="{E13B91AC-4007-4B81-89E8-B9D35A32E7FC}"/>
+                  <a16:creationId xmlns:a16="http://schemas.microsoft.com/office/drawing/2014/main" id="{B24BC9FD-B7ED-456D-BCD1-DCF0E301C992}"/>
                 </a:ext>
               </a:extLst>
             </p:cNvPr>
@@ -12225,8 +13538,8 @@
           </p:nvSpPr>
           <p:spPr>
             <a:xfrm>
-              <a:off x="6308442" y="4696345"/>
-              <a:ext cx="1080000" cy="1080000"/>
+              <a:off x="2196687" y="3101801"/>
+              <a:ext cx="666389" cy="1440000"/>
             </a:xfrm>
             <a:prstGeom prst="roundRect">
               <a:avLst>
@@ -12266,16 +13579,1507 @@
             <a:lstStyle/>
             <a:p>
               <a:pPr algn="ctr"/>
-              <a:endParaRPr lang="pt-BR"/>
+              <a:r>
+                <a:rPr lang="pt-BR" dirty="0"/>
+                <a:t>2</a:t>
+              </a:r>
             </a:p>
           </p:txBody>
         </p:sp>
         <p:sp>
           <p:nvSpPr>
-            <p:cNvPr id="8" name="Retângulo: Cantos Arredondados 7">
+            <p:cNvPr id="17" name="CaixaDeTexto 16">
               <a:extLst>
                 <a:ext uri="{FF2B5EF4-FFF2-40B4-BE49-F238E27FC236}">
-                  <a16:creationId xmlns:a16="http://schemas.microsoft.com/office/drawing/2014/main" id="{70CB0554-5828-4510-ACA4-FAA2D05546C9}"/>
+                  <a16:creationId xmlns:a16="http://schemas.microsoft.com/office/drawing/2014/main" id="{2CACD246-A97E-4E24-A8B4-1C1C986AE1AB}"/>
+                </a:ext>
+              </a:extLst>
+            </p:cNvPr>
+            <p:cNvSpPr txBox="1"/>
+            <p:nvPr/>
+          </p:nvSpPr>
+          <p:spPr>
+            <a:xfrm>
+              <a:off x="1218816" y="6218331"/>
+              <a:ext cx="1799999" cy="307777"/>
+            </a:xfrm>
+            <a:prstGeom prst="rect">
+              <a:avLst/>
+            </a:prstGeom>
+            <a:noFill/>
+          </p:spPr>
+          <p:txBody>
+            <a:bodyPr wrap="square" rtlCol="0">
+              <a:spAutoFit/>
+            </a:bodyPr>
+            <a:lstStyle/>
+            <a:p>
+              <a:r>
+                <a:rPr lang="pt-BR" sz="1400" dirty="0" err="1">
+                  <a:latin typeface="Times New Roman" panose="02020603050405020304" pitchFamily="18" charset="0"/>
+                  <a:ea typeface="Tahoma" panose="020B0604030504040204" pitchFamily="34" charset="0"/>
+                  <a:cs typeface="Times New Roman" panose="02020603050405020304" pitchFamily="18" charset="0"/>
+                </a:rPr>
+                <a:t>Align-content</a:t>
+              </a:r>
+              <a:r>
+                <a:rPr lang="pt-BR" sz="1400" dirty="0">
+                  <a:latin typeface="Times New Roman" panose="02020603050405020304" pitchFamily="18" charset="0"/>
+                  <a:ea typeface="Tahoma" panose="020B0604030504040204" pitchFamily="34" charset="0"/>
+                  <a:cs typeface="Times New Roman" panose="02020603050405020304" pitchFamily="18" charset="0"/>
+                </a:rPr>
+                <a:t>: </a:t>
+              </a:r>
+              <a:r>
+                <a:rPr lang="pt-BR" sz="1400" dirty="0" err="1">
+                  <a:latin typeface="Times New Roman" panose="02020603050405020304" pitchFamily="18" charset="0"/>
+                  <a:ea typeface="Tahoma" panose="020B0604030504040204" pitchFamily="34" charset="0"/>
+                  <a:cs typeface="Times New Roman" panose="02020603050405020304" pitchFamily="18" charset="0"/>
+                </a:rPr>
+                <a:t>stretch</a:t>
+              </a:r>
+              <a:endParaRPr lang="pt-BR" sz="1400" dirty="0">
+                <a:latin typeface="Times New Roman" panose="02020603050405020304" pitchFamily="18" charset="0"/>
+                <a:ea typeface="Tahoma" panose="020B0604030504040204" pitchFamily="34" charset="0"/>
+                <a:cs typeface="Times New Roman" panose="02020603050405020304" pitchFamily="18" charset="0"/>
+              </a:endParaRPr>
+            </a:p>
+          </p:txBody>
+        </p:sp>
+      </p:grpSp>
+      <p:sp>
+        <p:nvSpPr>
+          <p:cNvPr id="22" name="Retângulo: Cantos Arredondados 21">
+            <a:extLst>
+              <a:ext uri="{FF2B5EF4-FFF2-40B4-BE49-F238E27FC236}">
+                <a16:creationId xmlns:a16="http://schemas.microsoft.com/office/drawing/2014/main" id="{5C8B973D-CBC1-4A69-B3B4-E8CD5959E28E}"/>
+              </a:ext>
+            </a:extLst>
+          </p:cNvPr>
+          <p:cNvSpPr/>
+          <p:nvPr/>
+        </p:nvSpPr>
+        <p:spPr>
+          <a:xfrm rot="16200000">
+            <a:off x="4800160" y="3684494"/>
+            <a:ext cx="3060000" cy="1800000"/>
+          </a:xfrm>
+          <a:prstGeom prst="roundRect">
+            <a:avLst>
+              <a:gd name="adj" fmla="val 8805"/>
+            </a:avLst>
+          </a:prstGeom>
+          <a:solidFill>
+            <a:schemeClr val="bg1"/>
+          </a:solidFill>
+          <a:ln w="19050">
+            <a:solidFill>
+              <a:schemeClr val="tx1">
+                <a:lumMod val="95000"/>
+                <a:lumOff val="5000"/>
+              </a:schemeClr>
+            </a:solidFill>
+          </a:ln>
+        </p:spPr>
+        <p:style>
+          <a:lnRef idx="2">
+            <a:schemeClr val="accent1">
+              <a:shade val="50000"/>
+            </a:schemeClr>
+          </a:lnRef>
+          <a:fillRef idx="1">
+            <a:schemeClr val="accent1"/>
+          </a:fillRef>
+          <a:effectRef idx="0">
+            <a:schemeClr val="accent1"/>
+          </a:effectRef>
+          <a:fontRef idx="minor">
+            <a:schemeClr val="lt1"/>
+          </a:fontRef>
+        </p:style>
+        <p:txBody>
+          <a:bodyPr rtlCol="0" anchor="ctr"/>
+          <a:lstStyle/>
+          <a:p>
+            <a:pPr algn="ctr"/>
+            <a:endParaRPr lang="pt-BR" dirty="0"/>
+          </a:p>
+        </p:txBody>
+      </p:sp>
+      <p:sp>
+        <p:nvSpPr>
+          <p:cNvPr id="23" name="Retângulo: Cantos Arredondados 22">
+            <a:extLst>
+              <a:ext uri="{FF2B5EF4-FFF2-40B4-BE49-F238E27FC236}">
+                <a16:creationId xmlns:a16="http://schemas.microsoft.com/office/drawing/2014/main" id="{4F3A6AB8-3B6E-4314-906F-F632770D80CF}"/>
+              </a:ext>
+            </a:extLst>
+          </p:cNvPr>
+          <p:cNvSpPr/>
+          <p:nvPr/>
+        </p:nvSpPr>
+        <p:spPr>
+          <a:xfrm>
+            <a:off x="5585900" y="3925638"/>
+            <a:ext cx="666389" cy="720000"/>
+          </a:xfrm>
+          <a:prstGeom prst="roundRect">
+            <a:avLst>
+              <a:gd name="adj" fmla="val 8805"/>
+            </a:avLst>
+          </a:prstGeom>
+          <a:solidFill>
+            <a:srgbClr val="043073"/>
+          </a:solidFill>
+          <a:ln w="19050">
+            <a:solidFill>
+              <a:schemeClr val="tx1">
+                <a:lumMod val="95000"/>
+                <a:lumOff val="5000"/>
+              </a:schemeClr>
+            </a:solidFill>
+          </a:ln>
+        </p:spPr>
+        <p:style>
+          <a:lnRef idx="2">
+            <a:schemeClr val="accent1">
+              <a:shade val="50000"/>
+            </a:schemeClr>
+          </a:lnRef>
+          <a:fillRef idx="1">
+            <a:schemeClr val="accent1"/>
+          </a:fillRef>
+          <a:effectRef idx="0">
+            <a:schemeClr val="accent1"/>
+          </a:effectRef>
+          <a:fontRef idx="minor">
+            <a:schemeClr val="lt1"/>
+          </a:fontRef>
+        </p:style>
+        <p:txBody>
+          <a:bodyPr rtlCol="0" anchor="ctr"/>
+          <a:lstStyle/>
+          <a:p>
+            <a:pPr algn="ctr"/>
+            <a:r>
+              <a:rPr lang="pt-BR" dirty="0"/>
+              <a:t>3</a:t>
+            </a:r>
+          </a:p>
+        </p:txBody>
+      </p:sp>
+      <p:sp>
+        <p:nvSpPr>
+          <p:cNvPr id="24" name="Retângulo: Cantos Arredondados 23">
+            <a:extLst>
+              <a:ext uri="{FF2B5EF4-FFF2-40B4-BE49-F238E27FC236}">
+                <a16:creationId xmlns:a16="http://schemas.microsoft.com/office/drawing/2014/main" id="{BE589704-44A5-43F5-A682-53B96DB99D13}"/>
+              </a:ext>
+            </a:extLst>
+          </p:cNvPr>
+          <p:cNvSpPr/>
+          <p:nvPr/>
+        </p:nvSpPr>
+        <p:spPr>
+          <a:xfrm>
+            <a:off x="5585900" y="3101801"/>
+            <a:ext cx="666389" cy="720000"/>
+          </a:xfrm>
+          <a:prstGeom prst="roundRect">
+            <a:avLst>
+              <a:gd name="adj" fmla="val 8805"/>
+            </a:avLst>
+          </a:prstGeom>
+          <a:solidFill>
+            <a:srgbClr val="043073"/>
+          </a:solidFill>
+          <a:ln w="19050">
+            <a:solidFill>
+              <a:schemeClr val="tx1">
+                <a:lumMod val="95000"/>
+                <a:lumOff val="5000"/>
+              </a:schemeClr>
+            </a:solidFill>
+          </a:ln>
+        </p:spPr>
+        <p:style>
+          <a:lnRef idx="2">
+            <a:schemeClr val="accent1">
+              <a:shade val="50000"/>
+            </a:schemeClr>
+          </a:lnRef>
+          <a:fillRef idx="1">
+            <a:schemeClr val="accent1"/>
+          </a:fillRef>
+          <a:effectRef idx="0">
+            <a:schemeClr val="accent1"/>
+          </a:effectRef>
+          <a:fontRef idx="minor">
+            <a:schemeClr val="lt1"/>
+          </a:fontRef>
+        </p:style>
+        <p:txBody>
+          <a:bodyPr rtlCol="0" anchor="ctr"/>
+          <a:lstStyle/>
+          <a:p>
+            <a:pPr algn="ctr"/>
+            <a:r>
+              <a:rPr lang="pt-BR" dirty="0"/>
+              <a:t>1</a:t>
+            </a:r>
+          </a:p>
+        </p:txBody>
+      </p:sp>
+      <p:cxnSp>
+        <p:nvCxnSpPr>
+          <p:cNvPr id="25" name="Conector de Seta Reta 24">
+            <a:extLst>
+              <a:ext uri="{FF2B5EF4-FFF2-40B4-BE49-F238E27FC236}">
+                <a16:creationId xmlns:a16="http://schemas.microsoft.com/office/drawing/2014/main" id="{80D1606C-A5A0-4FEE-8A3D-AF49ABA9860D}"/>
+              </a:ext>
+            </a:extLst>
+          </p:cNvPr>
+          <p:cNvCxnSpPr>
+            <a:cxnSpLocks/>
+          </p:cNvCxnSpPr>
+          <p:nvPr/>
+        </p:nvCxnSpPr>
+        <p:spPr>
+          <a:xfrm rot="5400000" flipV="1">
+            <a:off x="3619203" y="4598331"/>
+            <a:ext cx="3240000" cy="0"/>
+          </a:xfrm>
+          <a:prstGeom prst="straightConnector1">
+            <a:avLst/>
+          </a:prstGeom>
+          <a:ln w="38100">
+            <a:solidFill>
+              <a:schemeClr val="accent2">
+                <a:lumMod val="75000"/>
+              </a:schemeClr>
+            </a:solidFill>
+            <a:tailEnd type="triangle"/>
+          </a:ln>
+        </p:spPr>
+        <p:style>
+          <a:lnRef idx="1">
+            <a:schemeClr val="accent1"/>
+          </a:lnRef>
+          <a:fillRef idx="0">
+            <a:schemeClr val="accent1"/>
+          </a:fillRef>
+          <a:effectRef idx="0">
+            <a:schemeClr val="accent1"/>
+          </a:effectRef>
+          <a:fontRef idx="minor">
+            <a:schemeClr val="tx1"/>
+          </a:fontRef>
+        </p:style>
+      </p:cxnSp>
+      <p:sp>
+        <p:nvSpPr>
+          <p:cNvPr id="26" name="CaixaDeTexto 25">
+            <a:extLst>
+              <a:ext uri="{FF2B5EF4-FFF2-40B4-BE49-F238E27FC236}">
+                <a16:creationId xmlns:a16="http://schemas.microsoft.com/office/drawing/2014/main" id="{57D2AD1C-440E-4A84-8D49-1074A312C74E}"/>
+              </a:ext>
+            </a:extLst>
+          </p:cNvPr>
+          <p:cNvSpPr txBox="1"/>
+          <p:nvPr/>
+        </p:nvSpPr>
+        <p:spPr>
+          <a:xfrm rot="16200000">
+            <a:off x="4472563" y="4445995"/>
+            <a:ext cx="1023696" cy="276999"/>
+          </a:xfrm>
+          <a:prstGeom prst="rect">
+            <a:avLst/>
+          </a:prstGeom>
+          <a:noFill/>
+        </p:spPr>
+        <p:txBody>
+          <a:bodyPr wrap="square" rtlCol="0">
+            <a:spAutoFit/>
+          </a:bodyPr>
+          <a:lstStyle/>
+          <a:p>
+            <a:r>
+              <a:rPr lang="pt-BR" sz="1200" dirty="0">
+                <a:latin typeface="Times New Roman" panose="02020603050405020304" pitchFamily="18" charset="0"/>
+                <a:cs typeface="Times New Roman" panose="02020603050405020304" pitchFamily="18" charset="0"/>
+              </a:rPr>
+              <a:t>Cross-</a:t>
+            </a:r>
+            <a:r>
+              <a:rPr lang="pt-BR" sz="1200" dirty="0" err="1">
+                <a:latin typeface="Times New Roman" panose="02020603050405020304" pitchFamily="18" charset="0"/>
+                <a:cs typeface="Times New Roman" panose="02020603050405020304" pitchFamily="18" charset="0"/>
+              </a:rPr>
+              <a:t>Axis</a:t>
+            </a:r>
+            <a:endParaRPr lang="pt-BR" sz="1200" dirty="0">
+              <a:latin typeface="Times New Roman" panose="02020603050405020304" pitchFamily="18" charset="0"/>
+              <a:cs typeface="Times New Roman" panose="02020603050405020304" pitchFamily="18" charset="0"/>
+            </a:endParaRPr>
+          </a:p>
+        </p:txBody>
+      </p:sp>
+      <p:sp>
+        <p:nvSpPr>
+          <p:cNvPr id="27" name="Retângulo: Cantos Arredondados 26">
+            <a:extLst>
+              <a:ext uri="{FF2B5EF4-FFF2-40B4-BE49-F238E27FC236}">
+                <a16:creationId xmlns:a16="http://schemas.microsoft.com/office/drawing/2014/main" id="{FA55F94E-9F9A-4AC2-BF29-9B2AFF175226}"/>
+              </a:ext>
+            </a:extLst>
+          </p:cNvPr>
+          <p:cNvSpPr/>
+          <p:nvPr/>
+        </p:nvSpPr>
+        <p:spPr>
+          <a:xfrm>
+            <a:off x="6408030" y="3101801"/>
+            <a:ext cx="666389" cy="720000"/>
+          </a:xfrm>
+          <a:prstGeom prst="roundRect">
+            <a:avLst>
+              <a:gd name="adj" fmla="val 8805"/>
+            </a:avLst>
+          </a:prstGeom>
+          <a:solidFill>
+            <a:srgbClr val="043073"/>
+          </a:solidFill>
+          <a:ln w="19050">
+            <a:solidFill>
+              <a:schemeClr val="tx1">
+                <a:lumMod val="95000"/>
+                <a:lumOff val="5000"/>
+              </a:schemeClr>
+            </a:solidFill>
+          </a:ln>
+        </p:spPr>
+        <p:style>
+          <a:lnRef idx="2">
+            <a:schemeClr val="accent1">
+              <a:shade val="50000"/>
+            </a:schemeClr>
+          </a:lnRef>
+          <a:fillRef idx="1">
+            <a:schemeClr val="accent1"/>
+          </a:fillRef>
+          <a:effectRef idx="0">
+            <a:schemeClr val="accent1"/>
+          </a:effectRef>
+          <a:fontRef idx="minor">
+            <a:schemeClr val="lt1"/>
+          </a:fontRef>
+        </p:style>
+        <p:txBody>
+          <a:bodyPr rtlCol="0" anchor="ctr"/>
+          <a:lstStyle/>
+          <a:p>
+            <a:pPr algn="ctr"/>
+            <a:r>
+              <a:rPr lang="pt-BR" dirty="0"/>
+              <a:t>2</a:t>
+            </a:r>
+          </a:p>
+        </p:txBody>
+      </p:sp>
+      <p:sp>
+        <p:nvSpPr>
+          <p:cNvPr id="28" name="CaixaDeTexto 27">
+            <a:extLst>
+              <a:ext uri="{FF2B5EF4-FFF2-40B4-BE49-F238E27FC236}">
+                <a16:creationId xmlns:a16="http://schemas.microsoft.com/office/drawing/2014/main" id="{9B9ED8D5-EA5E-4B9E-A7FE-92824898428F}"/>
+              </a:ext>
+            </a:extLst>
+          </p:cNvPr>
+          <p:cNvSpPr txBox="1"/>
+          <p:nvPr/>
+        </p:nvSpPr>
+        <p:spPr>
+          <a:xfrm>
+            <a:off x="5239200" y="6218331"/>
+            <a:ext cx="1990957" cy="307777"/>
+          </a:xfrm>
+          <a:prstGeom prst="rect">
+            <a:avLst/>
+          </a:prstGeom>
+          <a:noFill/>
+        </p:spPr>
+        <p:txBody>
+          <a:bodyPr wrap="square" rtlCol="0">
+            <a:spAutoFit/>
+          </a:bodyPr>
+          <a:lstStyle/>
+          <a:p>
+            <a:r>
+              <a:rPr lang="pt-BR" sz="1400" dirty="0" err="1">
+                <a:latin typeface="Times New Roman" panose="02020603050405020304" pitchFamily="18" charset="0"/>
+                <a:ea typeface="Tahoma" panose="020B0604030504040204" pitchFamily="34" charset="0"/>
+                <a:cs typeface="Times New Roman" panose="02020603050405020304" pitchFamily="18" charset="0"/>
+              </a:rPr>
+              <a:t>Align-content</a:t>
+            </a:r>
+            <a:r>
+              <a:rPr lang="pt-BR" sz="1400" dirty="0">
+                <a:latin typeface="Times New Roman" panose="02020603050405020304" pitchFamily="18" charset="0"/>
+                <a:ea typeface="Tahoma" panose="020B0604030504040204" pitchFamily="34" charset="0"/>
+                <a:cs typeface="Times New Roman" panose="02020603050405020304" pitchFamily="18" charset="0"/>
+              </a:rPr>
+              <a:t>: </a:t>
+            </a:r>
+            <a:r>
+              <a:rPr lang="pt-BR" sz="1400" dirty="0" err="1">
+                <a:latin typeface="Times New Roman" panose="02020603050405020304" pitchFamily="18" charset="0"/>
+                <a:ea typeface="Tahoma" panose="020B0604030504040204" pitchFamily="34" charset="0"/>
+                <a:cs typeface="Times New Roman" panose="02020603050405020304" pitchFamily="18" charset="0"/>
+              </a:rPr>
+              <a:t>flex</a:t>
+            </a:r>
+            <a:r>
+              <a:rPr lang="pt-BR" sz="1400" dirty="0">
+                <a:latin typeface="Times New Roman" panose="02020603050405020304" pitchFamily="18" charset="0"/>
+                <a:ea typeface="Tahoma" panose="020B0604030504040204" pitchFamily="34" charset="0"/>
+                <a:cs typeface="Times New Roman" panose="02020603050405020304" pitchFamily="18" charset="0"/>
+              </a:rPr>
+              <a:t>-start</a:t>
+            </a:r>
+          </a:p>
+        </p:txBody>
+      </p:sp>
+      <p:sp>
+        <p:nvSpPr>
+          <p:cNvPr id="30" name="Retângulo: Cantos Arredondados 29">
+            <a:extLst>
+              <a:ext uri="{FF2B5EF4-FFF2-40B4-BE49-F238E27FC236}">
+                <a16:creationId xmlns:a16="http://schemas.microsoft.com/office/drawing/2014/main" id="{AA010139-728F-479B-BA36-A4E9BAF71906}"/>
+              </a:ext>
+            </a:extLst>
+          </p:cNvPr>
+          <p:cNvSpPr/>
+          <p:nvPr/>
+        </p:nvSpPr>
+        <p:spPr>
+          <a:xfrm rot="16200000">
+            <a:off x="9011502" y="3660197"/>
+            <a:ext cx="3060000" cy="1800000"/>
+          </a:xfrm>
+          <a:prstGeom prst="roundRect">
+            <a:avLst>
+              <a:gd name="adj" fmla="val 8805"/>
+            </a:avLst>
+          </a:prstGeom>
+          <a:solidFill>
+            <a:schemeClr val="bg1"/>
+          </a:solidFill>
+          <a:ln w="19050">
+            <a:solidFill>
+              <a:schemeClr val="tx1">
+                <a:lumMod val="95000"/>
+                <a:lumOff val="5000"/>
+              </a:schemeClr>
+            </a:solidFill>
+          </a:ln>
+        </p:spPr>
+        <p:style>
+          <a:lnRef idx="2">
+            <a:schemeClr val="accent1">
+              <a:shade val="50000"/>
+            </a:schemeClr>
+          </a:lnRef>
+          <a:fillRef idx="1">
+            <a:schemeClr val="accent1"/>
+          </a:fillRef>
+          <a:effectRef idx="0">
+            <a:schemeClr val="accent1"/>
+          </a:effectRef>
+          <a:fontRef idx="minor">
+            <a:schemeClr val="lt1"/>
+          </a:fontRef>
+        </p:style>
+        <p:txBody>
+          <a:bodyPr rtlCol="0" anchor="ctr"/>
+          <a:lstStyle/>
+          <a:p>
+            <a:pPr algn="ctr"/>
+            <a:endParaRPr lang="pt-BR" dirty="0"/>
+          </a:p>
+        </p:txBody>
+      </p:sp>
+      <p:sp>
+        <p:nvSpPr>
+          <p:cNvPr id="31" name="Retângulo: Cantos Arredondados 30">
+            <a:extLst>
+              <a:ext uri="{FF2B5EF4-FFF2-40B4-BE49-F238E27FC236}">
+                <a16:creationId xmlns:a16="http://schemas.microsoft.com/office/drawing/2014/main" id="{39C5FF6E-E240-4D39-8F14-15E5C2E66F21}"/>
+              </a:ext>
+            </a:extLst>
+          </p:cNvPr>
+          <p:cNvSpPr/>
+          <p:nvPr/>
+        </p:nvSpPr>
+        <p:spPr>
+          <a:xfrm>
+            <a:off x="9797241" y="5319523"/>
+            <a:ext cx="666389" cy="720000"/>
+          </a:xfrm>
+          <a:prstGeom prst="roundRect">
+            <a:avLst>
+              <a:gd name="adj" fmla="val 8805"/>
+            </a:avLst>
+          </a:prstGeom>
+          <a:solidFill>
+            <a:srgbClr val="043073"/>
+          </a:solidFill>
+          <a:ln w="19050">
+            <a:solidFill>
+              <a:schemeClr val="tx1">
+                <a:lumMod val="95000"/>
+                <a:lumOff val="5000"/>
+              </a:schemeClr>
+            </a:solidFill>
+          </a:ln>
+        </p:spPr>
+        <p:style>
+          <a:lnRef idx="2">
+            <a:schemeClr val="accent1">
+              <a:shade val="50000"/>
+            </a:schemeClr>
+          </a:lnRef>
+          <a:fillRef idx="1">
+            <a:schemeClr val="accent1"/>
+          </a:fillRef>
+          <a:effectRef idx="0">
+            <a:schemeClr val="accent1"/>
+          </a:effectRef>
+          <a:fontRef idx="minor">
+            <a:schemeClr val="lt1"/>
+          </a:fontRef>
+        </p:style>
+        <p:txBody>
+          <a:bodyPr rtlCol="0" anchor="ctr"/>
+          <a:lstStyle/>
+          <a:p>
+            <a:pPr algn="ctr"/>
+            <a:r>
+              <a:rPr lang="pt-BR" dirty="0"/>
+              <a:t>3</a:t>
+            </a:r>
+          </a:p>
+        </p:txBody>
+      </p:sp>
+      <p:sp>
+        <p:nvSpPr>
+          <p:cNvPr id="32" name="Retângulo: Cantos Arredondados 31">
+            <a:extLst>
+              <a:ext uri="{FF2B5EF4-FFF2-40B4-BE49-F238E27FC236}">
+                <a16:creationId xmlns:a16="http://schemas.microsoft.com/office/drawing/2014/main" id="{BB3CE89B-BF00-44D1-841E-499DF3EA7464}"/>
+              </a:ext>
+            </a:extLst>
+          </p:cNvPr>
+          <p:cNvSpPr/>
+          <p:nvPr/>
+        </p:nvSpPr>
+        <p:spPr>
+          <a:xfrm>
+            <a:off x="9799369" y="4518696"/>
+            <a:ext cx="666389" cy="720000"/>
+          </a:xfrm>
+          <a:prstGeom prst="roundRect">
+            <a:avLst>
+              <a:gd name="adj" fmla="val 8805"/>
+            </a:avLst>
+          </a:prstGeom>
+          <a:solidFill>
+            <a:srgbClr val="043073"/>
+          </a:solidFill>
+          <a:ln w="19050">
+            <a:solidFill>
+              <a:schemeClr val="tx1">
+                <a:lumMod val="95000"/>
+                <a:lumOff val="5000"/>
+              </a:schemeClr>
+            </a:solidFill>
+          </a:ln>
+        </p:spPr>
+        <p:style>
+          <a:lnRef idx="2">
+            <a:schemeClr val="accent1">
+              <a:shade val="50000"/>
+            </a:schemeClr>
+          </a:lnRef>
+          <a:fillRef idx="1">
+            <a:schemeClr val="accent1"/>
+          </a:fillRef>
+          <a:effectRef idx="0">
+            <a:schemeClr val="accent1"/>
+          </a:effectRef>
+          <a:fontRef idx="minor">
+            <a:schemeClr val="lt1"/>
+          </a:fontRef>
+        </p:style>
+        <p:txBody>
+          <a:bodyPr rtlCol="0" anchor="ctr"/>
+          <a:lstStyle/>
+          <a:p>
+            <a:pPr algn="ctr"/>
+            <a:r>
+              <a:rPr lang="pt-BR" dirty="0"/>
+              <a:t>1</a:t>
+            </a:r>
+          </a:p>
+        </p:txBody>
+      </p:sp>
+      <p:cxnSp>
+        <p:nvCxnSpPr>
+          <p:cNvPr id="33" name="Conector de Seta Reta 32">
+            <a:extLst>
+              <a:ext uri="{FF2B5EF4-FFF2-40B4-BE49-F238E27FC236}">
+                <a16:creationId xmlns:a16="http://schemas.microsoft.com/office/drawing/2014/main" id="{BB5D66CE-1C72-4C61-AD52-A6A1589D8D67}"/>
+              </a:ext>
+            </a:extLst>
+          </p:cNvPr>
+          <p:cNvCxnSpPr>
+            <a:cxnSpLocks/>
+          </p:cNvCxnSpPr>
+          <p:nvPr/>
+        </p:nvCxnSpPr>
+        <p:spPr>
+          <a:xfrm rot="5400000" flipV="1">
+            <a:off x="7830545" y="4574034"/>
+            <a:ext cx="3240000" cy="0"/>
+          </a:xfrm>
+          <a:prstGeom prst="straightConnector1">
+            <a:avLst/>
+          </a:prstGeom>
+          <a:ln w="38100">
+            <a:solidFill>
+              <a:schemeClr val="accent2">
+                <a:lumMod val="75000"/>
+              </a:schemeClr>
+            </a:solidFill>
+            <a:tailEnd type="triangle"/>
+          </a:ln>
+        </p:spPr>
+        <p:style>
+          <a:lnRef idx="1">
+            <a:schemeClr val="accent1"/>
+          </a:lnRef>
+          <a:fillRef idx="0">
+            <a:schemeClr val="accent1"/>
+          </a:fillRef>
+          <a:effectRef idx="0">
+            <a:schemeClr val="accent1"/>
+          </a:effectRef>
+          <a:fontRef idx="minor">
+            <a:schemeClr val="tx1"/>
+          </a:fontRef>
+        </p:style>
+      </p:cxnSp>
+      <p:sp>
+        <p:nvSpPr>
+          <p:cNvPr id="34" name="CaixaDeTexto 33">
+            <a:extLst>
+              <a:ext uri="{FF2B5EF4-FFF2-40B4-BE49-F238E27FC236}">
+                <a16:creationId xmlns:a16="http://schemas.microsoft.com/office/drawing/2014/main" id="{042E7FA1-8CE9-45E5-B910-29AF4BBF8167}"/>
+              </a:ext>
+            </a:extLst>
+          </p:cNvPr>
+          <p:cNvSpPr txBox="1"/>
+          <p:nvPr/>
+        </p:nvSpPr>
+        <p:spPr>
+          <a:xfrm rot="16200000">
+            <a:off x="8683905" y="4421698"/>
+            <a:ext cx="1023696" cy="276999"/>
+          </a:xfrm>
+          <a:prstGeom prst="rect">
+            <a:avLst/>
+          </a:prstGeom>
+          <a:noFill/>
+        </p:spPr>
+        <p:txBody>
+          <a:bodyPr wrap="square" rtlCol="0">
+            <a:spAutoFit/>
+          </a:bodyPr>
+          <a:lstStyle/>
+          <a:p>
+            <a:r>
+              <a:rPr lang="pt-BR" sz="1200" dirty="0">
+                <a:latin typeface="Times New Roman" panose="02020603050405020304" pitchFamily="18" charset="0"/>
+                <a:cs typeface="Times New Roman" panose="02020603050405020304" pitchFamily="18" charset="0"/>
+              </a:rPr>
+              <a:t>Cross-</a:t>
+            </a:r>
+            <a:r>
+              <a:rPr lang="pt-BR" sz="1200" dirty="0" err="1">
+                <a:latin typeface="Times New Roman" panose="02020603050405020304" pitchFamily="18" charset="0"/>
+                <a:cs typeface="Times New Roman" panose="02020603050405020304" pitchFamily="18" charset="0"/>
+              </a:rPr>
+              <a:t>Axis</a:t>
+            </a:r>
+            <a:endParaRPr lang="pt-BR" sz="1200" dirty="0">
+              <a:latin typeface="Times New Roman" panose="02020603050405020304" pitchFamily="18" charset="0"/>
+              <a:cs typeface="Times New Roman" panose="02020603050405020304" pitchFamily="18" charset="0"/>
+            </a:endParaRPr>
+          </a:p>
+        </p:txBody>
+      </p:sp>
+      <p:sp>
+        <p:nvSpPr>
+          <p:cNvPr id="35" name="Retângulo: Cantos Arredondados 34">
+            <a:extLst>
+              <a:ext uri="{FF2B5EF4-FFF2-40B4-BE49-F238E27FC236}">
+                <a16:creationId xmlns:a16="http://schemas.microsoft.com/office/drawing/2014/main" id="{87A93BFF-3981-409E-84A8-A361C2379B1C}"/>
+              </a:ext>
+            </a:extLst>
+          </p:cNvPr>
+          <p:cNvSpPr/>
+          <p:nvPr/>
+        </p:nvSpPr>
+        <p:spPr>
+          <a:xfrm>
+            <a:off x="10621499" y="4518696"/>
+            <a:ext cx="666389" cy="720000"/>
+          </a:xfrm>
+          <a:prstGeom prst="roundRect">
+            <a:avLst>
+              <a:gd name="adj" fmla="val 8805"/>
+            </a:avLst>
+          </a:prstGeom>
+          <a:solidFill>
+            <a:srgbClr val="043073"/>
+          </a:solidFill>
+          <a:ln w="19050">
+            <a:solidFill>
+              <a:schemeClr val="tx1">
+                <a:lumMod val="95000"/>
+                <a:lumOff val="5000"/>
+              </a:schemeClr>
+            </a:solidFill>
+          </a:ln>
+        </p:spPr>
+        <p:style>
+          <a:lnRef idx="2">
+            <a:schemeClr val="accent1">
+              <a:shade val="50000"/>
+            </a:schemeClr>
+          </a:lnRef>
+          <a:fillRef idx="1">
+            <a:schemeClr val="accent1"/>
+          </a:fillRef>
+          <a:effectRef idx="0">
+            <a:schemeClr val="accent1"/>
+          </a:effectRef>
+          <a:fontRef idx="minor">
+            <a:schemeClr val="lt1"/>
+          </a:fontRef>
+        </p:style>
+        <p:txBody>
+          <a:bodyPr rtlCol="0" anchor="ctr"/>
+          <a:lstStyle/>
+          <a:p>
+            <a:pPr algn="ctr"/>
+            <a:r>
+              <a:rPr lang="pt-BR" dirty="0"/>
+              <a:t>2</a:t>
+            </a:r>
+          </a:p>
+        </p:txBody>
+      </p:sp>
+      <p:sp>
+        <p:nvSpPr>
+          <p:cNvPr id="36" name="CaixaDeTexto 35">
+            <a:extLst>
+              <a:ext uri="{FF2B5EF4-FFF2-40B4-BE49-F238E27FC236}">
+                <a16:creationId xmlns:a16="http://schemas.microsoft.com/office/drawing/2014/main" id="{CDE4C842-3A20-4613-8A91-180EBA03003E}"/>
+              </a:ext>
+            </a:extLst>
+          </p:cNvPr>
+          <p:cNvSpPr txBox="1"/>
+          <p:nvPr/>
+        </p:nvSpPr>
+        <p:spPr>
+          <a:xfrm>
+            <a:off x="9566839" y="6194034"/>
+            <a:ext cx="1874662" cy="307777"/>
+          </a:xfrm>
+          <a:prstGeom prst="rect">
+            <a:avLst/>
+          </a:prstGeom>
+          <a:noFill/>
+        </p:spPr>
+        <p:txBody>
+          <a:bodyPr wrap="square" rtlCol="0">
+            <a:spAutoFit/>
+          </a:bodyPr>
+          <a:lstStyle/>
+          <a:p>
+            <a:r>
+              <a:rPr lang="pt-BR" sz="1400" dirty="0" err="1">
+                <a:latin typeface="Times New Roman" panose="02020603050405020304" pitchFamily="18" charset="0"/>
+                <a:ea typeface="Tahoma" panose="020B0604030504040204" pitchFamily="34" charset="0"/>
+                <a:cs typeface="Times New Roman" panose="02020603050405020304" pitchFamily="18" charset="0"/>
+              </a:rPr>
+              <a:t>Align-content</a:t>
+            </a:r>
+            <a:r>
+              <a:rPr lang="pt-BR" sz="1400" dirty="0">
+                <a:latin typeface="Times New Roman" panose="02020603050405020304" pitchFamily="18" charset="0"/>
+                <a:ea typeface="Tahoma" panose="020B0604030504040204" pitchFamily="34" charset="0"/>
+                <a:cs typeface="Times New Roman" panose="02020603050405020304" pitchFamily="18" charset="0"/>
+              </a:rPr>
+              <a:t>: </a:t>
+            </a:r>
+            <a:r>
+              <a:rPr lang="pt-BR" sz="1400" dirty="0" err="1">
+                <a:latin typeface="Times New Roman" panose="02020603050405020304" pitchFamily="18" charset="0"/>
+                <a:ea typeface="Tahoma" panose="020B0604030504040204" pitchFamily="34" charset="0"/>
+                <a:cs typeface="Times New Roman" panose="02020603050405020304" pitchFamily="18" charset="0"/>
+              </a:rPr>
+              <a:t>flex-end</a:t>
+            </a:r>
+            <a:endParaRPr lang="pt-BR" sz="1400" dirty="0">
+              <a:latin typeface="Times New Roman" panose="02020603050405020304" pitchFamily="18" charset="0"/>
+              <a:ea typeface="Tahoma" panose="020B0604030504040204" pitchFamily="34" charset="0"/>
+              <a:cs typeface="Times New Roman" panose="02020603050405020304" pitchFamily="18" charset="0"/>
+            </a:endParaRPr>
+          </a:p>
+        </p:txBody>
+      </p:sp>
+    </p:spTree>
+    <p:extLst>
+      <p:ext uri="{BB962C8B-B14F-4D97-AF65-F5344CB8AC3E}">
+        <p14:creationId xmlns:p14="http://schemas.microsoft.com/office/powerpoint/2010/main" val="1827486878"/>
+      </p:ext>
+    </p:extLst>
+  </p:cSld>
+  <p:clrMapOvr>
+    <a:masterClrMapping/>
+  </p:clrMapOvr>
+</p:sld>
+</file>
+
+<file path=ppt/slides/slide21.xml><?xml version="1.0" encoding="utf-8"?>
+<p:sld xmlns:a="http://schemas.openxmlformats.org/drawingml/2006/main" xmlns:r="http://schemas.openxmlformats.org/officeDocument/2006/relationships" xmlns:p="http://schemas.openxmlformats.org/presentationml/2006/main">
+  <p:cSld>
+    <p:spTree>
+      <p:nvGrpSpPr>
+        <p:cNvPr id="1" name=""/>
+        <p:cNvGrpSpPr/>
+        <p:nvPr/>
+      </p:nvGrpSpPr>
+      <p:grpSpPr>
+        <a:xfrm>
+          <a:off x="0" y="0"/>
+          <a:ext cx="0" cy="0"/>
+          <a:chOff x="0" y="0"/>
+          <a:chExt cx="0" cy="0"/>
+        </a:xfrm>
+      </p:grpSpPr>
+      <p:sp>
+        <p:nvSpPr>
+          <p:cNvPr id="2" name="Título 1">
+            <a:extLst>
+              <a:ext uri="{FF2B5EF4-FFF2-40B4-BE49-F238E27FC236}">
+                <a16:creationId xmlns:a16="http://schemas.microsoft.com/office/drawing/2014/main" id="{A4C4A5C0-EBC1-4033-8F83-51C6C185AC73}"/>
+              </a:ext>
+            </a:extLst>
+          </p:cNvPr>
+          <p:cNvSpPr>
+            <a:spLocks noGrp="1"/>
+          </p:cNvSpPr>
+          <p:nvPr>
+            <p:ph type="title"/>
+          </p:nvPr>
+        </p:nvSpPr>
+        <p:spPr/>
+        <p:txBody>
+          <a:bodyPr/>
+          <a:lstStyle/>
+          <a:p>
+            <a:r>
+              <a:rPr lang="pt-BR" dirty="0" err="1"/>
+              <a:t>Align-content</a:t>
+            </a:r>
+            <a:endParaRPr lang="pt-BR" dirty="0"/>
+          </a:p>
+        </p:txBody>
+      </p:sp>
+      <p:sp>
+        <p:nvSpPr>
+          <p:cNvPr id="3" name="Espaço Reservado para Conteúdo 2">
+            <a:extLst>
+              <a:ext uri="{FF2B5EF4-FFF2-40B4-BE49-F238E27FC236}">
+                <a16:creationId xmlns:a16="http://schemas.microsoft.com/office/drawing/2014/main" id="{63CA9389-47C8-412F-B30D-D03429268A25}"/>
+              </a:ext>
+            </a:extLst>
+          </p:cNvPr>
+          <p:cNvSpPr>
+            <a:spLocks noGrp="1"/>
+          </p:cNvSpPr>
+          <p:nvPr>
+            <p:ph idx="1"/>
+          </p:nvPr>
+        </p:nvSpPr>
+        <p:spPr>
+          <a:xfrm>
+            <a:off x="592347" y="1844675"/>
+            <a:ext cx="11007306" cy="1133656"/>
+          </a:xfrm>
+        </p:spPr>
+        <p:txBody>
+          <a:bodyPr/>
+          <a:lstStyle/>
+          <a:p>
+            <a:r>
+              <a:rPr lang="pt-BR" dirty="0"/>
+              <a:t>O </a:t>
+            </a:r>
+            <a:r>
+              <a:rPr lang="pt-BR" dirty="0" err="1"/>
+              <a:t>align-content</a:t>
+            </a:r>
+            <a:r>
+              <a:rPr lang="pt-BR" dirty="0"/>
+              <a:t> controla o espaçamento entre várias linhas dentro de um container flexível, atuando no eixo secundário. Ele só funciona quando </a:t>
+            </a:r>
+            <a:r>
+              <a:rPr lang="pt-BR" dirty="0" err="1"/>
+              <a:t>flex-wrap</a:t>
+            </a:r>
+            <a:r>
+              <a:rPr lang="pt-BR" dirty="0"/>
+              <a:t>: </a:t>
+            </a:r>
+            <a:r>
+              <a:rPr lang="pt-BR" dirty="0" err="1"/>
+              <a:t>wrap</a:t>
+            </a:r>
+            <a:r>
+              <a:rPr lang="pt-BR" dirty="0"/>
+              <a:t>; está ativado e há múltiplas linhas de itens.</a:t>
+            </a:r>
+          </a:p>
+        </p:txBody>
+      </p:sp>
+      <p:grpSp>
+        <p:nvGrpSpPr>
+          <p:cNvPr id="6" name="Agrupar 5">
+            <a:extLst>
+              <a:ext uri="{FF2B5EF4-FFF2-40B4-BE49-F238E27FC236}">
+                <a16:creationId xmlns:a16="http://schemas.microsoft.com/office/drawing/2014/main" id="{7F0A769A-C9A7-444B-A81B-DD956D1333DA}"/>
+              </a:ext>
+            </a:extLst>
+          </p:cNvPr>
+          <p:cNvGrpSpPr/>
+          <p:nvPr/>
+        </p:nvGrpSpPr>
+        <p:grpSpPr>
+          <a:xfrm>
+            <a:off x="613200" y="3030196"/>
+            <a:ext cx="2384249" cy="3547777"/>
+            <a:chOff x="592347" y="3030196"/>
+            <a:chExt cx="2384249" cy="3547777"/>
+          </a:xfrm>
+        </p:grpSpPr>
+        <p:sp>
+          <p:nvSpPr>
+            <p:cNvPr id="22" name="Retângulo: Cantos Arredondados 21">
+              <a:extLst>
+                <a:ext uri="{FF2B5EF4-FFF2-40B4-BE49-F238E27FC236}">
+                  <a16:creationId xmlns:a16="http://schemas.microsoft.com/office/drawing/2014/main" id="{5C8B973D-CBC1-4A69-B3B4-E8CD5959E28E}"/>
+                </a:ext>
+              </a:extLst>
+            </p:cNvPr>
+            <p:cNvSpPr/>
+            <p:nvPr/>
+          </p:nvSpPr>
+          <p:spPr>
+            <a:xfrm rot="16200000">
+              <a:off x="546596" y="3736359"/>
+              <a:ext cx="3060000" cy="1800000"/>
+            </a:xfrm>
+            <a:prstGeom prst="roundRect">
+              <a:avLst>
+                <a:gd name="adj" fmla="val 8805"/>
+              </a:avLst>
+            </a:prstGeom>
+            <a:solidFill>
+              <a:schemeClr val="bg1"/>
+            </a:solidFill>
+            <a:ln w="19050">
+              <a:solidFill>
+                <a:schemeClr val="tx1">
+                  <a:lumMod val="95000"/>
+                  <a:lumOff val="5000"/>
+                </a:schemeClr>
+              </a:solidFill>
+            </a:ln>
+          </p:spPr>
+          <p:style>
+            <a:lnRef idx="2">
+              <a:schemeClr val="accent1">
+                <a:shade val="50000"/>
+              </a:schemeClr>
+            </a:lnRef>
+            <a:fillRef idx="1">
+              <a:schemeClr val="accent1"/>
+            </a:fillRef>
+            <a:effectRef idx="0">
+              <a:schemeClr val="accent1"/>
+            </a:effectRef>
+            <a:fontRef idx="minor">
+              <a:schemeClr val="lt1"/>
+            </a:fontRef>
+          </p:style>
+          <p:txBody>
+            <a:bodyPr rtlCol="0" anchor="ctr"/>
+            <a:lstStyle/>
+            <a:p>
+              <a:pPr algn="ctr"/>
+              <a:endParaRPr lang="pt-BR" dirty="0"/>
+            </a:p>
+          </p:txBody>
+        </p:sp>
+        <p:cxnSp>
+          <p:nvCxnSpPr>
+            <p:cNvPr id="25" name="Conector de Seta Reta 24">
+              <a:extLst>
+                <a:ext uri="{FF2B5EF4-FFF2-40B4-BE49-F238E27FC236}">
+                  <a16:creationId xmlns:a16="http://schemas.microsoft.com/office/drawing/2014/main" id="{80D1606C-A5A0-4FEE-8A3D-AF49ABA9860D}"/>
+                </a:ext>
+              </a:extLst>
+            </p:cNvPr>
+            <p:cNvCxnSpPr>
+              <a:cxnSpLocks/>
+            </p:cNvCxnSpPr>
+            <p:nvPr/>
+          </p:nvCxnSpPr>
+          <p:spPr>
+            <a:xfrm rot="5400000" flipV="1">
+              <a:off x="-634361" y="4650196"/>
+              <a:ext cx="3240000" cy="0"/>
+            </a:xfrm>
+            <a:prstGeom prst="straightConnector1">
+              <a:avLst/>
+            </a:prstGeom>
+            <a:ln w="38100">
+              <a:solidFill>
+                <a:schemeClr val="accent2">
+                  <a:lumMod val="75000"/>
+                </a:schemeClr>
+              </a:solidFill>
+              <a:tailEnd type="triangle"/>
+            </a:ln>
+          </p:spPr>
+          <p:style>
+            <a:lnRef idx="1">
+              <a:schemeClr val="accent1"/>
+            </a:lnRef>
+            <a:fillRef idx="0">
+              <a:schemeClr val="accent1"/>
+            </a:fillRef>
+            <a:effectRef idx="0">
+              <a:schemeClr val="accent1"/>
+            </a:effectRef>
+            <a:fontRef idx="minor">
+              <a:schemeClr val="tx1"/>
+            </a:fontRef>
+          </p:style>
+        </p:cxnSp>
+        <p:sp>
+          <p:nvSpPr>
+            <p:cNvPr id="26" name="CaixaDeTexto 25">
+              <a:extLst>
+                <a:ext uri="{FF2B5EF4-FFF2-40B4-BE49-F238E27FC236}">
+                  <a16:creationId xmlns:a16="http://schemas.microsoft.com/office/drawing/2014/main" id="{57D2AD1C-440E-4A84-8D49-1074A312C74E}"/>
+                </a:ext>
+              </a:extLst>
+            </p:cNvPr>
+            <p:cNvSpPr txBox="1"/>
+            <p:nvPr/>
+          </p:nvSpPr>
+          <p:spPr>
+            <a:xfrm rot="16200000">
+              <a:off x="218999" y="4497860"/>
+              <a:ext cx="1023696" cy="276999"/>
+            </a:xfrm>
+            <a:prstGeom prst="rect">
+              <a:avLst/>
+            </a:prstGeom>
+            <a:noFill/>
+          </p:spPr>
+          <p:txBody>
+            <a:bodyPr wrap="square" rtlCol="0">
+              <a:spAutoFit/>
+            </a:bodyPr>
+            <a:lstStyle/>
+            <a:p>
+              <a:r>
+                <a:rPr lang="pt-BR" sz="1200" dirty="0">
+                  <a:latin typeface="Times New Roman" panose="02020603050405020304" pitchFamily="18" charset="0"/>
+                  <a:cs typeface="Times New Roman" panose="02020603050405020304" pitchFamily="18" charset="0"/>
+                </a:rPr>
+                <a:t>Cross-</a:t>
+              </a:r>
+              <a:r>
+                <a:rPr lang="pt-BR" sz="1200" dirty="0" err="1">
+                  <a:latin typeface="Times New Roman" panose="02020603050405020304" pitchFamily="18" charset="0"/>
+                  <a:cs typeface="Times New Roman" panose="02020603050405020304" pitchFamily="18" charset="0"/>
+                </a:rPr>
+                <a:t>Axis</a:t>
+              </a:r>
+              <a:endParaRPr lang="pt-BR" sz="1200" dirty="0">
+                <a:latin typeface="Times New Roman" panose="02020603050405020304" pitchFamily="18" charset="0"/>
+                <a:cs typeface="Times New Roman" panose="02020603050405020304" pitchFamily="18" charset="0"/>
+              </a:endParaRPr>
+            </a:p>
+          </p:txBody>
+        </p:sp>
+        <p:grpSp>
+          <p:nvGrpSpPr>
+            <p:cNvPr id="5" name="Agrupar 4">
+              <a:extLst>
+                <a:ext uri="{FF2B5EF4-FFF2-40B4-BE49-F238E27FC236}">
+                  <a16:creationId xmlns:a16="http://schemas.microsoft.com/office/drawing/2014/main" id="{E2F99917-C796-4661-8D10-133EA710BD63}"/>
+                </a:ext>
+              </a:extLst>
+            </p:cNvPr>
+            <p:cNvGrpSpPr/>
+            <p:nvPr/>
+          </p:nvGrpSpPr>
+          <p:grpSpPr>
+            <a:xfrm>
+              <a:off x="1332336" y="3864441"/>
+              <a:ext cx="1488519" cy="1543837"/>
+              <a:chOff x="1332336" y="3153666"/>
+              <a:chExt cx="1488519" cy="1543837"/>
+            </a:xfrm>
+          </p:grpSpPr>
+          <p:sp>
+            <p:nvSpPr>
+              <p:cNvPr id="23" name="Retângulo: Cantos Arredondados 22">
+                <a:extLst>
+                  <a:ext uri="{FF2B5EF4-FFF2-40B4-BE49-F238E27FC236}">
+                    <a16:creationId xmlns:a16="http://schemas.microsoft.com/office/drawing/2014/main" id="{4F3A6AB8-3B6E-4314-906F-F632770D80CF}"/>
+                  </a:ext>
+                </a:extLst>
+              </p:cNvPr>
+              <p:cNvSpPr/>
+              <p:nvPr/>
+            </p:nvSpPr>
+            <p:spPr>
+              <a:xfrm>
+                <a:off x="1332336" y="3977503"/>
+                <a:ext cx="666389" cy="720000"/>
+              </a:xfrm>
+              <a:prstGeom prst="roundRect">
+                <a:avLst>
+                  <a:gd name="adj" fmla="val 8805"/>
+                </a:avLst>
+              </a:prstGeom>
+              <a:solidFill>
+                <a:srgbClr val="043073"/>
+              </a:solidFill>
+              <a:ln w="19050">
+                <a:solidFill>
+                  <a:schemeClr val="tx1">
+                    <a:lumMod val="95000"/>
+                    <a:lumOff val="5000"/>
+                  </a:schemeClr>
+                </a:solidFill>
+              </a:ln>
+            </p:spPr>
+            <p:style>
+              <a:lnRef idx="2">
+                <a:schemeClr val="accent1">
+                  <a:shade val="50000"/>
+                </a:schemeClr>
+              </a:lnRef>
+              <a:fillRef idx="1">
+                <a:schemeClr val="accent1"/>
+              </a:fillRef>
+              <a:effectRef idx="0">
+                <a:schemeClr val="accent1"/>
+              </a:effectRef>
+              <a:fontRef idx="minor">
+                <a:schemeClr val="lt1"/>
+              </a:fontRef>
+            </p:style>
+            <p:txBody>
+              <a:bodyPr rtlCol="0" anchor="ctr"/>
+              <a:lstStyle/>
+              <a:p>
+                <a:pPr algn="ctr"/>
+                <a:r>
+                  <a:rPr lang="pt-BR" dirty="0"/>
+                  <a:t>3</a:t>
+                </a:r>
+              </a:p>
+            </p:txBody>
+          </p:sp>
+          <p:sp>
+            <p:nvSpPr>
+              <p:cNvPr id="24" name="Retângulo: Cantos Arredondados 23">
+                <a:extLst>
+                  <a:ext uri="{FF2B5EF4-FFF2-40B4-BE49-F238E27FC236}">
+                    <a16:creationId xmlns:a16="http://schemas.microsoft.com/office/drawing/2014/main" id="{BE589704-44A5-43F5-A682-53B96DB99D13}"/>
+                  </a:ext>
+                </a:extLst>
+              </p:cNvPr>
+              <p:cNvSpPr/>
+              <p:nvPr/>
+            </p:nvSpPr>
+            <p:spPr>
+              <a:xfrm>
+                <a:off x="1332336" y="3153666"/>
+                <a:ext cx="666389" cy="720000"/>
+              </a:xfrm>
+              <a:prstGeom prst="roundRect">
+                <a:avLst>
+                  <a:gd name="adj" fmla="val 8805"/>
+                </a:avLst>
+              </a:prstGeom>
+              <a:solidFill>
+                <a:srgbClr val="043073"/>
+              </a:solidFill>
+              <a:ln w="19050">
+                <a:solidFill>
+                  <a:schemeClr val="tx1">
+                    <a:lumMod val="95000"/>
+                    <a:lumOff val="5000"/>
+                  </a:schemeClr>
+                </a:solidFill>
+              </a:ln>
+            </p:spPr>
+            <p:style>
+              <a:lnRef idx="2">
+                <a:schemeClr val="accent1">
+                  <a:shade val="50000"/>
+                </a:schemeClr>
+              </a:lnRef>
+              <a:fillRef idx="1">
+                <a:schemeClr val="accent1"/>
+              </a:fillRef>
+              <a:effectRef idx="0">
+                <a:schemeClr val="accent1"/>
+              </a:effectRef>
+              <a:fontRef idx="minor">
+                <a:schemeClr val="lt1"/>
+              </a:fontRef>
+            </p:style>
+            <p:txBody>
+              <a:bodyPr rtlCol="0" anchor="ctr"/>
+              <a:lstStyle/>
+              <a:p>
+                <a:pPr algn="ctr"/>
+                <a:r>
+                  <a:rPr lang="pt-BR" dirty="0"/>
+                  <a:t>1</a:t>
+                </a:r>
+              </a:p>
+            </p:txBody>
+          </p:sp>
+          <p:sp>
+            <p:nvSpPr>
+              <p:cNvPr id="27" name="Retângulo: Cantos Arredondados 26">
+                <a:extLst>
+                  <a:ext uri="{FF2B5EF4-FFF2-40B4-BE49-F238E27FC236}">
+                    <a16:creationId xmlns:a16="http://schemas.microsoft.com/office/drawing/2014/main" id="{FA55F94E-9F9A-4AC2-BF29-9B2AFF175226}"/>
+                  </a:ext>
+                </a:extLst>
+              </p:cNvPr>
+              <p:cNvSpPr/>
+              <p:nvPr/>
+            </p:nvSpPr>
+            <p:spPr>
+              <a:xfrm>
+                <a:off x="2154466" y="3153666"/>
+                <a:ext cx="666389" cy="720000"/>
+              </a:xfrm>
+              <a:prstGeom prst="roundRect">
+                <a:avLst>
+                  <a:gd name="adj" fmla="val 8805"/>
+                </a:avLst>
+              </a:prstGeom>
+              <a:solidFill>
+                <a:srgbClr val="043073"/>
+              </a:solidFill>
+              <a:ln w="19050">
+                <a:solidFill>
+                  <a:schemeClr val="tx1">
+                    <a:lumMod val="95000"/>
+                    <a:lumOff val="5000"/>
+                  </a:schemeClr>
+                </a:solidFill>
+              </a:ln>
+            </p:spPr>
+            <p:style>
+              <a:lnRef idx="2">
+                <a:schemeClr val="accent1">
+                  <a:shade val="50000"/>
+                </a:schemeClr>
+              </a:lnRef>
+              <a:fillRef idx="1">
+                <a:schemeClr val="accent1"/>
+              </a:fillRef>
+              <a:effectRef idx="0">
+                <a:schemeClr val="accent1"/>
+              </a:effectRef>
+              <a:fontRef idx="minor">
+                <a:schemeClr val="lt1"/>
+              </a:fontRef>
+            </p:style>
+            <p:txBody>
+              <a:bodyPr rtlCol="0" anchor="ctr"/>
+              <a:lstStyle/>
+              <a:p>
+                <a:pPr algn="ctr"/>
+                <a:r>
+                  <a:rPr lang="pt-BR" dirty="0"/>
+                  <a:t>2</a:t>
+                </a:r>
+              </a:p>
+            </p:txBody>
+          </p:sp>
+        </p:grpSp>
+        <p:sp>
+          <p:nvSpPr>
+            <p:cNvPr id="28" name="CaixaDeTexto 27">
+              <a:extLst>
+                <a:ext uri="{FF2B5EF4-FFF2-40B4-BE49-F238E27FC236}">
+                  <a16:creationId xmlns:a16="http://schemas.microsoft.com/office/drawing/2014/main" id="{9B9ED8D5-EA5E-4B9E-A7FE-92824898428F}"/>
+                </a:ext>
+              </a:extLst>
+            </p:cNvPr>
+            <p:cNvSpPr txBox="1"/>
+            <p:nvPr/>
+          </p:nvSpPr>
+          <p:spPr>
+            <a:xfrm>
+              <a:off x="985636" y="6270196"/>
+              <a:ext cx="1990957" cy="307777"/>
+            </a:xfrm>
+            <a:prstGeom prst="rect">
+              <a:avLst/>
+            </a:prstGeom>
+            <a:noFill/>
+          </p:spPr>
+          <p:txBody>
+            <a:bodyPr wrap="square" rtlCol="0">
+              <a:spAutoFit/>
+            </a:bodyPr>
+            <a:lstStyle/>
+            <a:p>
+              <a:r>
+                <a:rPr lang="pt-BR" sz="1400" dirty="0" err="1">
+                  <a:latin typeface="Times New Roman" panose="02020603050405020304" pitchFamily="18" charset="0"/>
+                  <a:ea typeface="Tahoma" panose="020B0604030504040204" pitchFamily="34" charset="0"/>
+                  <a:cs typeface="Times New Roman" panose="02020603050405020304" pitchFamily="18" charset="0"/>
+                </a:rPr>
+                <a:t>Align-content</a:t>
+              </a:r>
+              <a:r>
+                <a:rPr lang="pt-BR" sz="1400" dirty="0">
+                  <a:latin typeface="Times New Roman" panose="02020603050405020304" pitchFamily="18" charset="0"/>
+                  <a:ea typeface="Tahoma" panose="020B0604030504040204" pitchFamily="34" charset="0"/>
+                  <a:cs typeface="Times New Roman" panose="02020603050405020304" pitchFamily="18" charset="0"/>
+                </a:rPr>
+                <a:t>: center</a:t>
+              </a:r>
+            </a:p>
+          </p:txBody>
+        </p:sp>
+      </p:grpSp>
+      <p:grpSp>
+        <p:nvGrpSpPr>
+          <p:cNvPr id="9" name="Agrupar 8">
+            <a:extLst>
+              <a:ext uri="{FF2B5EF4-FFF2-40B4-BE49-F238E27FC236}">
+                <a16:creationId xmlns:a16="http://schemas.microsoft.com/office/drawing/2014/main" id="{F13F446B-96A4-49A5-8E27-823D720160D7}"/>
+              </a:ext>
+            </a:extLst>
+          </p:cNvPr>
+          <p:cNvGrpSpPr/>
+          <p:nvPr/>
+        </p:nvGrpSpPr>
+        <p:grpSpPr>
+          <a:xfrm>
+            <a:off x="4625938" y="3030196"/>
+            <a:ext cx="2672613" cy="3547777"/>
+            <a:chOff x="4611751" y="3030196"/>
+            <a:chExt cx="2672613" cy="3547777"/>
+          </a:xfrm>
+        </p:grpSpPr>
+        <p:sp>
+          <p:nvSpPr>
+            <p:cNvPr id="30" name="Retângulo: Cantos Arredondados 29">
+              <a:extLst>
+                <a:ext uri="{FF2B5EF4-FFF2-40B4-BE49-F238E27FC236}">
+                  <a16:creationId xmlns:a16="http://schemas.microsoft.com/office/drawing/2014/main" id="{AA010139-728F-479B-BA36-A4E9BAF71906}"/>
+                </a:ext>
+              </a:extLst>
+            </p:cNvPr>
+            <p:cNvSpPr/>
+            <p:nvPr/>
+          </p:nvSpPr>
+          <p:spPr>
+            <a:xfrm rot="16200000">
+              <a:off x="4566000" y="3736359"/>
+              <a:ext cx="3060000" cy="1800000"/>
+            </a:xfrm>
+            <a:prstGeom prst="roundRect">
+              <a:avLst>
+                <a:gd name="adj" fmla="val 8805"/>
+              </a:avLst>
+            </a:prstGeom>
+            <a:solidFill>
+              <a:schemeClr val="bg1"/>
+            </a:solidFill>
+            <a:ln w="19050">
+              <a:solidFill>
+                <a:schemeClr val="tx1">
+                  <a:lumMod val="95000"/>
+                  <a:lumOff val="5000"/>
+                </a:schemeClr>
+              </a:solidFill>
+            </a:ln>
+          </p:spPr>
+          <p:style>
+            <a:lnRef idx="2">
+              <a:schemeClr val="accent1">
+                <a:shade val="50000"/>
+              </a:schemeClr>
+            </a:lnRef>
+            <a:fillRef idx="1">
+              <a:schemeClr val="accent1"/>
+            </a:fillRef>
+            <a:effectRef idx="0">
+              <a:schemeClr val="accent1"/>
+            </a:effectRef>
+            <a:fontRef idx="minor">
+              <a:schemeClr val="lt1"/>
+            </a:fontRef>
+          </p:style>
+          <p:txBody>
+            <a:bodyPr rtlCol="0" anchor="ctr"/>
+            <a:lstStyle/>
+            <a:p>
+              <a:pPr algn="ctr"/>
+              <a:endParaRPr lang="pt-BR" dirty="0"/>
+            </a:p>
+          </p:txBody>
+        </p:sp>
+        <p:sp>
+          <p:nvSpPr>
+            <p:cNvPr id="31" name="Retângulo: Cantos Arredondados 30">
+              <a:extLst>
+                <a:ext uri="{FF2B5EF4-FFF2-40B4-BE49-F238E27FC236}">
+                  <a16:creationId xmlns:a16="http://schemas.microsoft.com/office/drawing/2014/main" id="{39C5FF6E-E240-4D39-8F14-15E5C2E66F21}"/>
                 </a:ext>
               </a:extLst>
             </p:cNvPr>
@@ -12284,8 +15088,8 @@
           </p:nvSpPr>
           <p:spPr>
             <a:xfrm>
-              <a:off x="7780821" y="4696345"/>
-              <a:ext cx="1080000" cy="1080000"/>
+              <a:off x="5351739" y="5395685"/>
+              <a:ext cx="666389" cy="720000"/>
             </a:xfrm>
             <a:prstGeom prst="roundRect">
               <a:avLst>
@@ -12325,7 +15129,3810 @@
             <a:lstStyle/>
             <a:p>
               <a:pPr algn="ctr"/>
-              <a:endParaRPr lang="pt-BR"/>
+              <a:r>
+                <a:rPr lang="pt-BR" dirty="0"/>
+                <a:t>3</a:t>
+              </a:r>
+            </a:p>
+          </p:txBody>
+        </p:sp>
+        <p:sp>
+          <p:nvSpPr>
+            <p:cNvPr id="32" name="Retângulo: Cantos Arredondados 31">
+              <a:extLst>
+                <a:ext uri="{FF2B5EF4-FFF2-40B4-BE49-F238E27FC236}">
+                  <a16:creationId xmlns:a16="http://schemas.microsoft.com/office/drawing/2014/main" id="{BB3CE89B-BF00-44D1-841E-499DF3EA7464}"/>
+                </a:ext>
+              </a:extLst>
+            </p:cNvPr>
+            <p:cNvSpPr/>
+            <p:nvPr/>
+          </p:nvSpPr>
+          <p:spPr>
+            <a:xfrm>
+              <a:off x="5351739" y="3191421"/>
+              <a:ext cx="666389" cy="720000"/>
+            </a:xfrm>
+            <a:prstGeom prst="roundRect">
+              <a:avLst>
+                <a:gd name="adj" fmla="val 8805"/>
+              </a:avLst>
+            </a:prstGeom>
+            <a:solidFill>
+              <a:srgbClr val="043073"/>
+            </a:solidFill>
+            <a:ln w="19050">
+              <a:solidFill>
+                <a:schemeClr val="tx1">
+                  <a:lumMod val="95000"/>
+                  <a:lumOff val="5000"/>
+                </a:schemeClr>
+              </a:solidFill>
+            </a:ln>
+          </p:spPr>
+          <p:style>
+            <a:lnRef idx="2">
+              <a:schemeClr val="accent1">
+                <a:shade val="50000"/>
+              </a:schemeClr>
+            </a:lnRef>
+            <a:fillRef idx="1">
+              <a:schemeClr val="accent1"/>
+            </a:fillRef>
+            <a:effectRef idx="0">
+              <a:schemeClr val="accent1"/>
+            </a:effectRef>
+            <a:fontRef idx="minor">
+              <a:schemeClr val="lt1"/>
+            </a:fontRef>
+          </p:style>
+          <p:txBody>
+            <a:bodyPr rtlCol="0" anchor="ctr"/>
+            <a:lstStyle/>
+            <a:p>
+              <a:pPr algn="ctr"/>
+              <a:r>
+                <a:rPr lang="pt-BR" dirty="0"/>
+                <a:t>1</a:t>
+              </a:r>
+            </a:p>
+          </p:txBody>
+        </p:sp>
+        <p:cxnSp>
+          <p:nvCxnSpPr>
+            <p:cNvPr id="33" name="Conector de Seta Reta 32">
+              <a:extLst>
+                <a:ext uri="{FF2B5EF4-FFF2-40B4-BE49-F238E27FC236}">
+                  <a16:creationId xmlns:a16="http://schemas.microsoft.com/office/drawing/2014/main" id="{BB5D66CE-1C72-4C61-AD52-A6A1589D8D67}"/>
+                </a:ext>
+              </a:extLst>
+            </p:cNvPr>
+            <p:cNvCxnSpPr>
+              <a:cxnSpLocks/>
+            </p:cNvCxnSpPr>
+            <p:nvPr/>
+          </p:nvCxnSpPr>
+          <p:spPr>
+            <a:xfrm rot="5400000" flipV="1">
+              <a:off x="3385043" y="4650196"/>
+              <a:ext cx="3240000" cy="0"/>
+            </a:xfrm>
+            <a:prstGeom prst="straightConnector1">
+              <a:avLst/>
+            </a:prstGeom>
+            <a:ln w="38100">
+              <a:solidFill>
+                <a:schemeClr val="accent2">
+                  <a:lumMod val="75000"/>
+                </a:schemeClr>
+              </a:solidFill>
+              <a:tailEnd type="triangle"/>
+            </a:ln>
+          </p:spPr>
+          <p:style>
+            <a:lnRef idx="1">
+              <a:schemeClr val="accent1"/>
+            </a:lnRef>
+            <a:fillRef idx="0">
+              <a:schemeClr val="accent1"/>
+            </a:fillRef>
+            <a:effectRef idx="0">
+              <a:schemeClr val="accent1"/>
+            </a:effectRef>
+            <a:fontRef idx="minor">
+              <a:schemeClr val="tx1"/>
+            </a:fontRef>
+          </p:style>
+        </p:cxnSp>
+        <p:sp>
+          <p:nvSpPr>
+            <p:cNvPr id="34" name="CaixaDeTexto 33">
+              <a:extLst>
+                <a:ext uri="{FF2B5EF4-FFF2-40B4-BE49-F238E27FC236}">
+                  <a16:creationId xmlns:a16="http://schemas.microsoft.com/office/drawing/2014/main" id="{042E7FA1-8CE9-45E5-B910-29AF4BBF8167}"/>
+                </a:ext>
+              </a:extLst>
+            </p:cNvPr>
+            <p:cNvSpPr txBox="1"/>
+            <p:nvPr/>
+          </p:nvSpPr>
+          <p:spPr>
+            <a:xfrm rot="16200000">
+              <a:off x="4238403" y="4497860"/>
+              <a:ext cx="1023696" cy="276999"/>
+            </a:xfrm>
+            <a:prstGeom prst="rect">
+              <a:avLst/>
+            </a:prstGeom>
+            <a:noFill/>
+          </p:spPr>
+          <p:txBody>
+            <a:bodyPr wrap="square" rtlCol="0">
+              <a:spAutoFit/>
+            </a:bodyPr>
+            <a:lstStyle/>
+            <a:p>
+              <a:r>
+                <a:rPr lang="pt-BR" sz="1200" dirty="0">
+                  <a:latin typeface="Times New Roman" panose="02020603050405020304" pitchFamily="18" charset="0"/>
+                  <a:cs typeface="Times New Roman" panose="02020603050405020304" pitchFamily="18" charset="0"/>
+                </a:rPr>
+                <a:t>Cross-</a:t>
+              </a:r>
+              <a:r>
+                <a:rPr lang="pt-BR" sz="1200" dirty="0" err="1">
+                  <a:latin typeface="Times New Roman" panose="02020603050405020304" pitchFamily="18" charset="0"/>
+                  <a:cs typeface="Times New Roman" panose="02020603050405020304" pitchFamily="18" charset="0"/>
+                </a:rPr>
+                <a:t>Axis</a:t>
+              </a:r>
+              <a:endParaRPr lang="pt-BR" sz="1200" dirty="0">
+                <a:latin typeface="Times New Roman" panose="02020603050405020304" pitchFamily="18" charset="0"/>
+                <a:cs typeface="Times New Roman" panose="02020603050405020304" pitchFamily="18" charset="0"/>
+              </a:endParaRPr>
+            </a:p>
+          </p:txBody>
+        </p:sp>
+        <p:sp>
+          <p:nvSpPr>
+            <p:cNvPr id="35" name="Retângulo: Cantos Arredondados 34">
+              <a:extLst>
+                <a:ext uri="{FF2B5EF4-FFF2-40B4-BE49-F238E27FC236}">
+                  <a16:creationId xmlns:a16="http://schemas.microsoft.com/office/drawing/2014/main" id="{87A93BFF-3981-409E-84A8-A361C2379B1C}"/>
+                </a:ext>
+              </a:extLst>
+            </p:cNvPr>
+            <p:cNvSpPr/>
+            <p:nvPr/>
+          </p:nvSpPr>
+          <p:spPr>
+            <a:xfrm>
+              <a:off x="6173869" y="3191421"/>
+              <a:ext cx="666389" cy="720000"/>
+            </a:xfrm>
+            <a:prstGeom prst="roundRect">
+              <a:avLst>
+                <a:gd name="adj" fmla="val 8805"/>
+              </a:avLst>
+            </a:prstGeom>
+            <a:solidFill>
+              <a:srgbClr val="043073"/>
+            </a:solidFill>
+            <a:ln w="19050">
+              <a:solidFill>
+                <a:schemeClr val="tx1">
+                  <a:lumMod val="95000"/>
+                  <a:lumOff val="5000"/>
+                </a:schemeClr>
+              </a:solidFill>
+            </a:ln>
+          </p:spPr>
+          <p:style>
+            <a:lnRef idx="2">
+              <a:schemeClr val="accent1">
+                <a:shade val="50000"/>
+              </a:schemeClr>
+            </a:lnRef>
+            <a:fillRef idx="1">
+              <a:schemeClr val="accent1"/>
+            </a:fillRef>
+            <a:effectRef idx="0">
+              <a:schemeClr val="accent1"/>
+            </a:effectRef>
+            <a:fontRef idx="minor">
+              <a:schemeClr val="lt1"/>
+            </a:fontRef>
+          </p:style>
+          <p:txBody>
+            <a:bodyPr rtlCol="0" anchor="ctr"/>
+            <a:lstStyle/>
+            <a:p>
+              <a:pPr algn="ctr"/>
+              <a:r>
+                <a:rPr lang="pt-BR" dirty="0"/>
+                <a:t>2</a:t>
+              </a:r>
+            </a:p>
+          </p:txBody>
+        </p:sp>
+        <p:sp>
+          <p:nvSpPr>
+            <p:cNvPr id="36" name="CaixaDeTexto 35">
+              <a:extLst>
+                <a:ext uri="{FF2B5EF4-FFF2-40B4-BE49-F238E27FC236}">
+                  <a16:creationId xmlns:a16="http://schemas.microsoft.com/office/drawing/2014/main" id="{CDE4C842-3A20-4613-8A91-180EBA03003E}"/>
+                </a:ext>
+              </a:extLst>
+            </p:cNvPr>
+            <p:cNvSpPr txBox="1"/>
+            <p:nvPr/>
+          </p:nvSpPr>
+          <p:spPr>
+            <a:xfrm>
+              <a:off x="4907635" y="6270196"/>
+              <a:ext cx="2376729" cy="307777"/>
+            </a:xfrm>
+            <a:prstGeom prst="rect">
+              <a:avLst/>
+            </a:prstGeom>
+            <a:noFill/>
+          </p:spPr>
+          <p:txBody>
+            <a:bodyPr wrap="square" rtlCol="0">
+              <a:spAutoFit/>
+            </a:bodyPr>
+            <a:lstStyle/>
+            <a:p>
+              <a:r>
+                <a:rPr lang="pt-BR" sz="1400" dirty="0" err="1">
+                  <a:latin typeface="Times New Roman" panose="02020603050405020304" pitchFamily="18" charset="0"/>
+                  <a:ea typeface="Tahoma" panose="020B0604030504040204" pitchFamily="34" charset="0"/>
+                  <a:cs typeface="Times New Roman" panose="02020603050405020304" pitchFamily="18" charset="0"/>
+                </a:rPr>
+                <a:t>Align-content</a:t>
+              </a:r>
+              <a:r>
+                <a:rPr lang="pt-BR" sz="1400" dirty="0">
+                  <a:latin typeface="Times New Roman" panose="02020603050405020304" pitchFamily="18" charset="0"/>
+                  <a:ea typeface="Tahoma" panose="020B0604030504040204" pitchFamily="34" charset="0"/>
+                  <a:cs typeface="Times New Roman" panose="02020603050405020304" pitchFamily="18" charset="0"/>
+                </a:rPr>
+                <a:t>: </a:t>
+              </a:r>
+              <a:r>
+                <a:rPr lang="pt-BR" sz="1400" dirty="0" err="1">
+                  <a:latin typeface="Times New Roman" panose="02020603050405020304" pitchFamily="18" charset="0"/>
+                  <a:ea typeface="Tahoma" panose="020B0604030504040204" pitchFamily="34" charset="0"/>
+                  <a:cs typeface="Times New Roman" panose="02020603050405020304" pitchFamily="18" charset="0"/>
+                </a:rPr>
+                <a:t>space-between</a:t>
+              </a:r>
+              <a:endParaRPr lang="pt-BR" sz="1400" dirty="0">
+                <a:latin typeface="Times New Roman" panose="02020603050405020304" pitchFamily="18" charset="0"/>
+                <a:ea typeface="Tahoma" panose="020B0604030504040204" pitchFamily="34" charset="0"/>
+                <a:cs typeface="Times New Roman" panose="02020603050405020304" pitchFamily="18" charset="0"/>
+              </a:endParaRPr>
+            </a:p>
+          </p:txBody>
+        </p:sp>
+      </p:grpSp>
+      <p:sp>
+        <p:nvSpPr>
+          <p:cNvPr id="38" name="Retângulo: Cantos Arredondados 37">
+            <a:extLst>
+              <a:ext uri="{FF2B5EF4-FFF2-40B4-BE49-F238E27FC236}">
+                <a16:creationId xmlns:a16="http://schemas.microsoft.com/office/drawing/2014/main" id="{FAF64F08-E95B-47C3-89F7-66059FDEB577}"/>
+              </a:ext>
+            </a:extLst>
+          </p:cNvPr>
+          <p:cNvSpPr/>
+          <p:nvPr/>
+        </p:nvSpPr>
+        <p:spPr>
+          <a:xfrm rot="16200000">
+            <a:off x="8881289" y="3736359"/>
+            <a:ext cx="3060000" cy="1800000"/>
+          </a:xfrm>
+          <a:prstGeom prst="roundRect">
+            <a:avLst>
+              <a:gd name="adj" fmla="val 8805"/>
+            </a:avLst>
+          </a:prstGeom>
+          <a:solidFill>
+            <a:schemeClr val="bg1"/>
+          </a:solidFill>
+          <a:ln w="19050">
+            <a:solidFill>
+              <a:schemeClr val="tx1">
+                <a:lumMod val="95000"/>
+                <a:lumOff val="5000"/>
+              </a:schemeClr>
+            </a:solidFill>
+          </a:ln>
+        </p:spPr>
+        <p:style>
+          <a:lnRef idx="2">
+            <a:schemeClr val="accent1">
+              <a:shade val="50000"/>
+            </a:schemeClr>
+          </a:lnRef>
+          <a:fillRef idx="1">
+            <a:schemeClr val="accent1"/>
+          </a:fillRef>
+          <a:effectRef idx="0">
+            <a:schemeClr val="accent1"/>
+          </a:effectRef>
+          <a:fontRef idx="minor">
+            <a:schemeClr val="lt1"/>
+          </a:fontRef>
+        </p:style>
+        <p:txBody>
+          <a:bodyPr rtlCol="0" anchor="ctr"/>
+          <a:lstStyle/>
+          <a:p>
+            <a:pPr algn="ctr"/>
+            <a:endParaRPr lang="pt-BR" dirty="0"/>
+          </a:p>
+        </p:txBody>
+      </p:sp>
+      <p:sp>
+        <p:nvSpPr>
+          <p:cNvPr id="39" name="Retângulo: Cantos Arredondados 38">
+            <a:extLst>
+              <a:ext uri="{FF2B5EF4-FFF2-40B4-BE49-F238E27FC236}">
+                <a16:creationId xmlns:a16="http://schemas.microsoft.com/office/drawing/2014/main" id="{871240D8-737D-45EB-B4FC-73B6A87849F1}"/>
+              </a:ext>
+            </a:extLst>
+          </p:cNvPr>
+          <p:cNvSpPr/>
+          <p:nvPr/>
+        </p:nvSpPr>
+        <p:spPr>
+          <a:xfrm>
+            <a:off x="9667028" y="4906522"/>
+            <a:ext cx="666389" cy="720000"/>
+          </a:xfrm>
+          <a:prstGeom prst="roundRect">
+            <a:avLst>
+              <a:gd name="adj" fmla="val 8805"/>
+            </a:avLst>
+          </a:prstGeom>
+          <a:solidFill>
+            <a:srgbClr val="043073"/>
+          </a:solidFill>
+          <a:ln w="19050">
+            <a:solidFill>
+              <a:schemeClr val="tx1">
+                <a:lumMod val="95000"/>
+                <a:lumOff val="5000"/>
+              </a:schemeClr>
+            </a:solidFill>
+          </a:ln>
+        </p:spPr>
+        <p:style>
+          <a:lnRef idx="2">
+            <a:schemeClr val="accent1">
+              <a:shade val="50000"/>
+            </a:schemeClr>
+          </a:lnRef>
+          <a:fillRef idx="1">
+            <a:schemeClr val="accent1"/>
+          </a:fillRef>
+          <a:effectRef idx="0">
+            <a:schemeClr val="accent1"/>
+          </a:effectRef>
+          <a:fontRef idx="minor">
+            <a:schemeClr val="lt1"/>
+          </a:fontRef>
+        </p:style>
+        <p:txBody>
+          <a:bodyPr rtlCol="0" anchor="ctr"/>
+          <a:lstStyle/>
+          <a:p>
+            <a:pPr algn="ctr"/>
+            <a:r>
+              <a:rPr lang="pt-BR" dirty="0"/>
+              <a:t>3</a:t>
+            </a:r>
+          </a:p>
+        </p:txBody>
+      </p:sp>
+      <p:sp>
+        <p:nvSpPr>
+          <p:cNvPr id="40" name="Retângulo: Cantos Arredondados 39">
+            <a:extLst>
+              <a:ext uri="{FF2B5EF4-FFF2-40B4-BE49-F238E27FC236}">
+                <a16:creationId xmlns:a16="http://schemas.microsoft.com/office/drawing/2014/main" id="{F92E8BA1-6E8A-456E-A06A-CCB5BD169FF6}"/>
+              </a:ext>
+            </a:extLst>
+          </p:cNvPr>
+          <p:cNvSpPr/>
+          <p:nvPr/>
+        </p:nvSpPr>
+        <p:spPr>
+          <a:xfrm>
+            <a:off x="9667028" y="3646440"/>
+            <a:ext cx="666389" cy="720000"/>
+          </a:xfrm>
+          <a:prstGeom prst="roundRect">
+            <a:avLst>
+              <a:gd name="adj" fmla="val 8805"/>
+            </a:avLst>
+          </a:prstGeom>
+          <a:solidFill>
+            <a:srgbClr val="043073"/>
+          </a:solidFill>
+          <a:ln w="19050">
+            <a:solidFill>
+              <a:schemeClr val="tx1">
+                <a:lumMod val="95000"/>
+                <a:lumOff val="5000"/>
+              </a:schemeClr>
+            </a:solidFill>
+          </a:ln>
+        </p:spPr>
+        <p:style>
+          <a:lnRef idx="2">
+            <a:schemeClr val="accent1">
+              <a:shade val="50000"/>
+            </a:schemeClr>
+          </a:lnRef>
+          <a:fillRef idx="1">
+            <a:schemeClr val="accent1"/>
+          </a:fillRef>
+          <a:effectRef idx="0">
+            <a:schemeClr val="accent1"/>
+          </a:effectRef>
+          <a:fontRef idx="minor">
+            <a:schemeClr val="lt1"/>
+          </a:fontRef>
+        </p:style>
+        <p:txBody>
+          <a:bodyPr rtlCol="0" anchor="ctr"/>
+          <a:lstStyle/>
+          <a:p>
+            <a:pPr algn="ctr"/>
+            <a:r>
+              <a:rPr lang="pt-BR" dirty="0"/>
+              <a:t>1</a:t>
+            </a:r>
+          </a:p>
+        </p:txBody>
+      </p:sp>
+      <p:cxnSp>
+        <p:nvCxnSpPr>
+          <p:cNvPr id="41" name="Conector de Seta Reta 40">
+            <a:extLst>
+              <a:ext uri="{FF2B5EF4-FFF2-40B4-BE49-F238E27FC236}">
+                <a16:creationId xmlns:a16="http://schemas.microsoft.com/office/drawing/2014/main" id="{7D8A941D-B8EB-4E52-B9DE-90CC31691E1C}"/>
+              </a:ext>
+            </a:extLst>
+          </p:cNvPr>
+          <p:cNvCxnSpPr>
+            <a:cxnSpLocks/>
+          </p:cNvCxnSpPr>
+          <p:nvPr/>
+        </p:nvCxnSpPr>
+        <p:spPr>
+          <a:xfrm rot="5400000" flipV="1">
+            <a:off x="7700332" y="4650196"/>
+            <a:ext cx="3240000" cy="0"/>
+          </a:xfrm>
+          <a:prstGeom prst="straightConnector1">
+            <a:avLst/>
+          </a:prstGeom>
+          <a:ln w="38100">
+            <a:solidFill>
+              <a:schemeClr val="accent2">
+                <a:lumMod val="75000"/>
+              </a:schemeClr>
+            </a:solidFill>
+            <a:tailEnd type="triangle"/>
+          </a:ln>
+        </p:spPr>
+        <p:style>
+          <a:lnRef idx="1">
+            <a:schemeClr val="accent1"/>
+          </a:lnRef>
+          <a:fillRef idx="0">
+            <a:schemeClr val="accent1"/>
+          </a:fillRef>
+          <a:effectRef idx="0">
+            <a:schemeClr val="accent1"/>
+          </a:effectRef>
+          <a:fontRef idx="minor">
+            <a:schemeClr val="tx1"/>
+          </a:fontRef>
+        </p:style>
+      </p:cxnSp>
+      <p:sp>
+        <p:nvSpPr>
+          <p:cNvPr id="42" name="CaixaDeTexto 41">
+            <a:extLst>
+              <a:ext uri="{FF2B5EF4-FFF2-40B4-BE49-F238E27FC236}">
+                <a16:creationId xmlns:a16="http://schemas.microsoft.com/office/drawing/2014/main" id="{A25AA331-BBC9-4F09-B026-171D50A52E75}"/>
+              </a:ext>
+            </a:extLst>
+          </p:cNvPr>
+          <p:cNvSpPr txBox="1"/>
+          <p:nvPr/>
+        </p:nvSpPr>
+        <p:spPr>
+          <a:xfrm rot="16200000">
+            <a:off x="8553692" y="4497860"/>
+            <a:ext cx="1023696" cy="276999"/>
+          </a:xfrm>
+          <a:prstGeom prst="rect">
+            <a:avLst/>
+          </a:prstGeom>
+          <a:noFill/>
+        </p:spPr>
+        <p:txBody>
+          <a:bodyPr wrap="square" rtlCol="0">
+            <a:spAutoFit/>
+          </a:bodyPr>
+          <a:lstStyle/>
+          <a:p>
+            <a:r>
+              <a:rPr lang="pt-BR" sz="1200" dirty="0">
+                <a:latin typeface="Times New Roman" panose="02020603050405020304" pitchFamily="18" charset="0"/>
+                <a:cs typeface="Times New Roman" panose="02020603050405020304" pitchFamily="18" charset="0"/>
+              </a:rPr>
+              <a:t>Cross-</a:t>
+            </a:r>
+            <a:r>
+              <a:rPr lang="pt-BR" sz="1200" dirty="0" err="1">
+                <a:latin typeface="Times New Roman" panose="02020603050405020304" pitchFamily="18" charset="0"/>
+                <a:cs typeface="Times New Roman" panose="02020603050405020304" pitchFamily="18" charset="0"/>
+              </a:rPr>
+              <a:t>Axis</a:t>
+            </a:r>
+            <a:endParaRPr lang="pt-BR" sz="1200" dirty="0">
+              <a:latin typeface="Times New Roman" panose="02020603050405020304" pitchFamily="18" charset="0"/>
+              <a:cs typeface="Times New Roman" panose="02020603050405020304" pitchFamily="18" charset="0"/>
+            </a:endParaRPr>
+          </a:p>
+        </p:txBody>
+      </p:sp>
+      <p:sp>
+        <p:nvSpPr>
+          <p:cNvPr id="43" name="Retângulo: Cantos Arredondados 42">
+            <a:extLst>
+              <a:ext uri="{FF2B5EF4-FFF2-40B4-BE49-F238E27FC236}">
+                <a16:creationId xmlns:a16="http://schemas.microsoft.com/office/drawing/2014/main" id="{4B7B06EB-4E83-4E6A-BF9F-54018AC49A0D}"/>
+              </a:ext>
+            </a:extLst>
+          </p:cNvPr>
+          <p:cNvSpPr/>
+          <p:nvPr/>
+        </p:nvSpPr>
+        <p:spPr>
+          <a:xfrm>
+            <a:off x="10489158" y="3646440"/>
+            <a:ext cx="666389" cy="720000"/>
+          </a:xfrm>
+          <a:prstGeom prst="roundRect">
+            <a:avLst>
+              <a:gd name="adj" fmla="val 8805"/>
+            </a:avLst>
+          </a:prstGeom>
+          <a:solidFill>
+            <a:srgbClr val="043073"/>
+          </a:solidFill>
+          <a:ln w="19050">
+            <a:solidFill>
+              <a:schemeClr val="tx1">
+                <a:lumMod val="95000"/>
+                <a:lumOff val="5000"/>
+              </a:schemeClr>
+            </a:solidFill>
+          </a:ln>
+        </p:spPr>
+        <p:style>
+          <a:lnRef idx="2">
+            <a:schemeClr val="accent1">
+              <a:shade val="50000"/>
+            </a:schemeClr>
+          </a:lnRef>
+          <a:fillRef idx="1">
+            <a:schemeClr val="accent1"/>
+          </a:fillRef>
+          <a:effectRef idx="0">
+            <a:schemeClr val="accent1"/>
+          </a:effectRef>
+          <a:fontRef idx="minor">
+            <a:schemeClr val="lt1"/>
+          </a:fontRef>
+        </p:style>
+        <p:txBody>
+          <a:bodyPr rtlCol="0" anchor="ctr"/>
+          <a:lstStyle/>
+          <a:p>
+            <a:pPr algn="ctr"/>
+            <a:r>
+              <a:rPr lang="pt-BR" dirty="0"/>
+              <a:t>2</a:t>
+            </a:r>
+          </a:p>
+        </p:txBody>
+      </p:sp>
+      <p:sp>
+        <p:nvSpPr>
+          <p:cNvPr id="44" name="CaixaDeTexto 43">
+            <a:extLst>
+              <a:ext uri="{FF2B5EF4-FFF2-40B4-BE49-F238E27FC236}">
+                <a16:creationId xmlns:a16="http://schemas.microsoft.com/office/drawing/2014/main" id="{1A854226-D5E1-4B30-BB76-CAE35A42981D}"/>
+              </a:ext>
+            </a:extLst>
+          </p:cNvPr>
+          <p:cNvSpPr txBox="1"/>
+          <p:nvPr/>
+        </p:nvSpPr>
+        <p:spPr>
+          <a:xfrm>
+            <a:off x="9222924" y="6270196"/>
+            <a:ext cx="2376729" cy="307777"/>
+          </a:xfrm>
+          <a:prstGeom prst="rect">
+            <a:avLst/>
+          </a:prstGeom>
+          <a:noFill/>
+        </p:spPr>
+        <p:txBody>
+          <a:bodyPr wrap="square" rtlCol="0">
+            <a:spAutoFit/>
+          </a:bodyPr>
+          <a:lstStyle/>
+          <a:p>
+            <a:r>
+              <a:rPr lang="pt-BR" sz="1400" dirty="0" err="1">
+                <a:latin typeface="Times New Roman" panose="02020603050405020304" pitchFamily="18" charset="0"/>
+                <a:ea typeface="Tahoma" panose="020B0604030504040204" pitchFamily="34" charset="0"/>
+                <a:cs typeface="Times New Roman" panose="02020603050405020304" pitchFamily="18" charset="0"/>
+              </a:rPr>
+              <a:t>Align-content</a:t>
+            </a:r>
+            <a:r>
+              <a:rPr lang="pt-BR" sz="1400" dirty="0">
+                <a:latin typeface="Times New Roman" panose="02020603050405020304" pitchFamily="18" charset="0"/>
+                <a:ea typeface="Tahoma" panose="020B0604030504040204" pitchFamily="34" charset="0"/>
+                <a:cs typeface="Times New Roman" panose="02020603050405020304" pitchFamily="18" charset="0"/>
+              </a:rPr>
+              <a:t>: </a:t>
+            </a:r>
+            <a:r>
+              <a:rPr lang="pt-BR" sz="1400" dirty="0" err="1">
+                <a:latin typeface="Times New Roman" panose="02020603050405020304" pitchFamily="18" charset="0"/>
+                <a:ea typeface="Tahoma" panose="020B0604030504040204" pitchFamily="34" charset="0"/>
+                <a:cs typeface="Times New Roman" panose="02020603050405020304" pitchFamily="18" charset="0"/>
+              </a:rPr>
+              <a:t>space-evenly</a:t>
+            </a:r>
+            <a:endParaRPr lang="pt-BR" sz="1400" dirty="0">
+              <a:latin typeface="Times New Roman" panose="02020603050405020304" pitchFamily="18" charset="0"/>
+              <a:ea typeface="Tahoma" panose="020B0604030504040204" pitchFamily="34" charset="0"/>
+              <a:cs typeface="Times New Roman" panose="02020603050405020304" pitchFamily="18" charset="0"/>
+            </a:endParaRPr>
+          </a:p>
+        </p:txBody>
+      </p:sp>
+    </p:spTree>
+    <p:extLst>
+      <p:ext uri="{BB962C8B-B14F-4D97-AF65-F5344CB8AC3E}">
+        <p14:creationId xmlns:p14="http://schemas.microsoft.com/office/powerpoint/2010/main" val="1149521116"/>
+      </p:ext>
+    </p:extLst>
+  </p:cSld>
+  <p:clrMapOvr>
+    <a:masterClrMapping/>
+  </p:clrMapOvr>
+</p:sld>
+</file>
+
+<file path=ppt/slides/slide22.xml><?xml version="1.0" encoding="utf-8"?>
+<p:sld xmlns:a="http://schemas.openxmlformats.org/drawingml/2006/main" xmlns:r="http://schemas.openxmlformats.org/officeDocument/2006/relationships" xmlns:p="http://schemas.openxmlformats.org/presentationml/2006/main">
+  <p:cSld>
+    <p:spTree>
+      <p:nvGrpSpPr>
+        <p:cNvPr id="1" name=""/>
+        <p:cNvGrpSpPr/>
+        <p:nvPr/>
+      </p:nvGrpSpPr>
+      <p:grpSpPr>
+        <a:xfrm>
+          <a:off x="0" y="0"/>
+          <a:ext cx="0" cy="0"/>
+          <a:chOff x="0" y="0"/>
+          <a:chExt cx="0" cy="0"/>
+        </a:xfrm>
+      </p:grpSpPr>
+      <p:sp>
+        <p:nvSpPr>
+          <p:cNvPr id="38" name="Retângulo: Cantos Arredondados 37">
+            <a:extLst>
+              <a:ext uri="{FF2B5EF4-FFF2-40B4-BE49-F238E27FC236}">
+                <a16:creationId xmlns:a16="http://schemas.microsoft.com/office/drawing/2014/main" id="{FAF64F08-E95B-47C3-89F7-66059FDEB577}"/>
+              </a:ext>
+            </a:extLst>
+          </p:cNvPr>
+          <p:cNvSpPr/>
+          <p:nvPr/>
+        </p:nvSpPr>
+        <p:spPr>
+          <a:xfrm rot="16200000">
+            <a:off x="4643872" y="3764934"/>
+            <a:ext cx="3060000" cy="1800000"/>
+          </a:xfrm>
+          <a:prstGeom prst="roundRect">
+            <a:avLst>
+              <a:gd name="adj" fmla="val 8805"/>
+            </a:avLst>
+          </a:prstGeom>
+          <a:solidFill>
+            <a:schemeClr val="bg1"/>
+          </a:solidFill>
+          <a:ln w="19050">
+            <a:solidFill>
+              <a:schemeClr val="tx1">
+                <a:lumMod val="95000"/>
+                <a:lumOff val="5000"/>
+              </a:schemeClr>
+            </a:solidFill>
+          </a:ln>
+        </p:spPr>
+        <p:style>
+          <a:lnRef idx="2">
+            <a:schemeClr val="accent1">
+              <a:shade val="50000"/>
+            </a:schemeClr>
+          </a:lnRef>
+          <a:fillRef idx="1">
+            <a:schemeClr val="accent1"/>
+          </a:fillRef>
+          <a:effectRef idx="0">
+            <a:schemeClr val="accent1"/>
+          </a:effectRef>
+          <a:fontRef idx="minor">
+            <a:schemeClr val="lt1"/>
+          </a:fontRef>
+        </p:style>
+        <p:txBody>
+          <a:bodyPr rtlCol="0" anchor="ctr"/>
+          <a:lstStyle/>
+          <a:p>
+            <a:pPr algn="ctr"/>
+            <a:endParaRPr lang="pt-BR" dirty="0"/>
+          </a:p>
+        </p:txBody>
+      </p:sp>
+      <p:sp>
+        <p:nvSpPr>
+          <p:cNvPr id="37" name="Retângulo: Cantos Arredondados 36">
+            <a:extLst>
+              <a:ext uri="{FF2B5EF4-FFF2-40B4-BE49-F238E27FC236}">
+                <a16:creationId xmlns:a16="http://schemas.microsoft.com/office/drawing/2014/main" id="{097AA77D-8B80-414F-89EF-BABE98CCA8A9}"/>
+              </a:ext>
+            </a:extLst>
+          </p:cNvPr>
+          <p:cNvSpPr/>
+          <p:nvPr/>
+        </p:nvSpPr>
+        <p:spPr>
+          <a:xfrm>
+            <a:off x="5309871" y="4676093"/>
+            <a:ext cx="1728000" cy="1512000"/>
+          </a:xfrm>
+          <a:prstGeom prst="roundRect">
+            <a:avLst>
+              <a:gd name="adj" fmla="val 5880"/>
+            </a:avLst>
+          </a:prstGeom>
+          <a:solidFill>
+            <a:schemeClr val="accent2">
+              <a:lumMod val="40000"/>
+              <a:lumOff val="60000"/>
+            </a:schemeClr>
+          </a:solidFill>
+          <a:ln w="9525">
+            <a:solidFill>
+              <a:schemeClr val="accent2">
+                <a:lumMod val="75000"/>
+              </a:schemeClr>
+            </a:solidFill>
+            <a:prstDash val="sysDot"/>
+          </a:ln>
+        </p:spPr>
+        <p:style>
+          <a:lnRef idx="2">
+            <a:schemeClr val="accent1">
+              <a:shade val="50000"/>
+            </a:schemeClr>
+          </a:lnRef>
+          <a:fillRef idx="1">
+            <a:schemeClr val="accent1"/>
+          </a:fillRef>
+          <a:effectRef idx="0">
+            <a:schemeClr val="accent1"/>
+          </a:effectRef>
+          <a:fontRef idx="minor">
+            <a:schemeClr val="lt1"/>
+          </a:fontRef>
+        </p:style>
+        <p:txBody>
+          <a:bodyPr rtlCol="0" anchor="ctr"/>
+          <a:lstStyle/>
+          <a:p>
+            <a:pPr algn="ctr"/>
+            <a:endParaRPr lang="pt-BR" dirty="0"/>
+          </a:p>
+        </p:txBody>
+      </p:sp>
+      <p:sp>
+        <p:nvSpPr>
+          <p:cNvPr id="29" name="Retângulo: Cantos Arredondados 28">
+            <a:extLst>
+              <a:ext uri="{FF2B5EF4-FFF2-40B4-BE49-F238E27FC236}">
+                <a16:creationId xmlns:a16="http://schemas.microsoft.com/office/drawing/2014/main" id="{44300646-20D0-4521-9DAC-5C84D146B71E}"/>
+              </a:ext>
+            </a:extLst>
+          </p:cNvPr>
+          <p:cNvSpPr/>
+          <p:nvPr/>
+        </p:nvSpPr>
+        <p:spPr>
+          <a:xfrm>
+            <a:off x="5309871" y="3141773"/>
+            <a:ext cx="1728000" cy="1512000"/>
+          </a:xfrm>
+          <a:prstGeom prst="roundRect">
+            <a:avLst>
+              <a:gd name="adj" fmla="val 7980"/>
+            </a:avLst>
+          </a:prstGeom>
+          <a:solidFill>
+            <a:schemeClr val="accent2">
+              <a:lumMod val="40000"/>
+              <a:lumOff val="60000"/>
+            </a:schemeClr>
+          </a:solidFill>
+          <a:ln w="9525">
+            <a:solidFill>
+              <a:schemeClr val="accent2">
+                <a:lumMod val="75000"/>
+              </a:schemeClr>
+            </a:solidFill>
+            <a:prstDash val="sysDot"/>
+          </a:ln>
+        </p:spPr>
+        <p:style>
+          <a:lnRef idx="2">
+            <a:schemeClr val="accent1">
+              <a:shade val="50000"/>
+            </a:schemeClr>
+          </a:lnRef>
+          <a:fillRef idx="1">
+            <a:schemeClr val="accent1"/>
+          </a:fillRef>
+          <a:effectRef idx="0">
+            <a:schemeClr val="accent1"/>
+          </a:effectRef>
+          <a:fontRef idx="minor">
+            <a:schemeClr val="lt1"/>
+          </a:fontRef>
+        </p:style>
+        <p:txBody>
+          <a:bodyPr rtlCol="0" anchor="ctr"/>
+          <a:lstStyle/>
+          <a:p>
+            <a:pPr algn="ctr"/>
+            <a:endParaRPr lang="pt-BR" dirty="0"/>
+          </a:p>
+        </p:txBody>
+      </p:sp>
+      <p:sp>
+        <p:nvSpPr>
+          <p:cNvPr id="2" name="Título 1">
+            <a:extLst>
+              <a:ext uri="{FF2B5EF4-FFF2-40B4-BE49-F238E27FC236}">
+                <a16:creationId xmlns:a16="http://schemas.microsoft.com/office/drawing/2014/main" id="{A4C4A5C0-EBC1-4033-8F83-51C6C185AC73}"/>
+              </a:ext>
+            </a:extLst>
+          </p:cNvPr>
+          <p:cNvSpPr>
+            <a:spLocks noGrp="1"/>
+          </p:cNvSpPr>
+          <p:nvPr>
+            <p:ph type="title"/>
+          </p:nvPr>
+        </p:nvSpPr>
+        <p:spPr/>
+        <p:txBody>
+          <a:bodyPr/>
+          <a:lstStyle/>
+          <a:p>
+            <a:r>
+              <a:rPr lang="pt-BR" dirty="0" err="1"/>
+              <a:t>Align-content</a:t>
+            </a:r>
+            <a:endParaRPr lang="pt-BR" dirty="0"/>
+          </a:p>
+        </p:txBody>
+      </p:sp>
+      <p:sp>
+        <p:nvSpPr>
+          <p:cNvPr id="3" name="Espaço Reservado para Conteúdo 2">
+            <a:extLst>
+              <a:ext uri="{FF2B5EF4-FFF2-40B4-BE49-F238E27FC236}">
+                <a16:creationId xmlns:a16="http://schemas.microsoft.com/office/drawing/2014/main" id="{63CA9389-47C8-412F-B30D-D03429268A25}"/>
+              </a:ext>
+            </a:extLst>
+          </p:cNvPr>
+          <p:cNvSpPr>
+            <a:spLocks noGrp="1"/>
+          </p:cNvSpPr>
+          <p:nvPr>
+            <p:ph idx="1"/>
+          </p:nvPr>
+        </p:nvSpPr>
+        <p:spPr>
+          <a:xfrm>
+            <a:off x="592347" y="1844675"/>
+            <a:ext cx="11007306" cy="1133656"/>
+          </a:xfrm>
+        </p:spPr>
+        <p:txBody>
+          <a:bodyPr/>
+          <a:lstStyle/>
+          <a:p>
+            <a:r>
+              <a:rPr lang="pt-BR" dirty="0"/>
+              <a:t>O </a:t>
+            </a:r>
+            <a:r>
+              <a:rPr lang="pt-BR" dirty="0" err="1"/>
+              <a:t>align-content</a:t>
+            </a:r>
+            <a:r>
+              <a:rPr lang="pt-BR" dirty="0"/>
+              <a:t> controla o espaçamento entre várias linhas dentro de um container flexível, atuando no eixo secundário. Ele só funciona quando </a:t>
+            </a:r>
+            <a:r>
+              <a:rPr lang="pt-BR" dirty="0" err="1"/>
+              <a:t>flex-wrap</a:t>
+            </a:r>
+            <a:r>
+              <a:rPr lang="pt-BR" dirty="0"/>
+              <a:t>: </a:t>
+            </a:r>
+            <a:r>
+              <a:rPr lang="pt-BR" dirty="0" err="1"/>
+              <a:t>wrap</a:t>
+            </a:r>
+            <a:r>
+              <a:rPr lang="pt-BR" dirty="0"/>
+              <a:t>; está ativado e há múltiplas linhas de itens.</a:t>
+            </a:r>
+          </a:p>
+        </p:txBody>
+      </p:sp>
+      <p:sp>
+        <p:nvSpPr>
+          <p:cNvPr id="39" name="Retângulo: Cantos Arredondados 38">
+            <a:extLst>
+              <a:ext uri="{FF2B5EF4-FFF2-40B4-BE49-F238E27FC236}">
+                <a16:creationId xmlns:a16="http://schemas.microsoft.com/office/drawing/2014/main" id="{871240D8-737D-45EB-B4FC-73B6A87849F1}"/>
+              </a:ext>
+            </a:extLst>
+          </p:cNvPr>
+          <p:cNvSpPr/>
+          <p:nvPr/>
+        </p:nvSpPr>
+        <p:spPr>
+          <a:xfrm>
+            <a:off x="5429611" y="5072093"/>
+            <a:ext cx="666389" cy="720000"/>
+          </a:xfrm>
+          <a:prstGeom prst="roundRect">
+            <a:avLst>
+              <a:gd name="adj" fmla="val 8805"/>
+            </a:avLst>
+          </a:prstGeom>
+          <a:solidFill>
+            <a:srgbClr val="043073"/>
+          </a:solidFill>
+          <a:ln w="19050">
+            <a:solidFill>
+              <a:schemeClr val="tx1">
+                <a:lumMod val="95000"/>
+                <a:lumOff val="5000"/>
+              </a:schemeClr>
+            </a:solidFill>
+          </a:ln>
+        </p:spPr>
+        <p:style>
+          <a:lnRef idx="2">
+            <a:schemeClr val="accent1">
+              <a:shade val="50000"/>
+            </a:schemeClr>
+          </a:lnRef>
+          <a:fillRef idx="1">
+            <a:schemeClr val="accent1"/>
+          </a:fillRef>
+          <a:effectRef idx="0">
+            <a:schemeClr val="accent1"/>
+          </a:effectRef>
+          <a:fontRef idx="minor">
+            <a:schemeClr val="lt1"/>
+          </a:fontRef>
+        </p:style>
+        <p:txBody>
+          <a:bodyPr rtlCol="0" anchor="ctr"/>
+          <a:lstStyle/>
+          <a:p>
+            <a:pPr algn="ctr"/>
+            <a:r>
+              <a:rPr lang="pt-BR" dirty="0"/>
+              <a:t>3</a:t>
+            </a:r>
+          </a:p>
+        </p:txBody>
+      </p:sp>
+      <p:sp>
+        <p:nvSpPr>
+          <p:cNvPr id="40" name="Retângulo: Cantos Arredondados 39">
+            <a:extLst>
+              <a:ext uri="{FF2B5EF4-FFF2-40B4-BE49-F238E27FC236}">
+                <a16:creationId xmlns:a16="http://schemas.microsoft.com/office/drawing/2014/main" id="{F92E8BA1-6E8A-456E-A06A-CCB5BD169FF6}"/>
+              </a:ext>
+            </a:extLst>
+          </p:cNvPr>
+          <p:cNvSpPr/>
+          <p:nvPr/>
+        </p:nvSpPr>
+        <p:spPr>
+          <a:xfrm>
+            <a:off x="5429611" y="3537773"/>
+            <a:ext cx="666389" cy="720000"/>
+          </a:xfrm>
+          <a:prstGeom prst="roundRect">
+            <a:avLst>
+              <a:gd name="adj" fmla="val 8805"/>
+            </a:avLst>
+          </a:prstGeom>
+          <a:solidFill>
+            <a:srgbClr val="043073"/>
+          </a:solidFill>
+          <a:ln w="19050">
+            <a:solidFill>
+              <a:schemeClr val="tx1">
+                <a:lumMod val="95000"/>
+                <a:lumOff val="5000"/>
+              </a:schemeClr>
+            </a:solidFill>
+          </a:ln>
+        </p:spPr>
+        <p:style>
+          <a:lnRef idx="2">
+            <a:schemeClr val="accent1">
+              <a:shade val="50000"/>
+            </a:schemeClr>
+          </a:lnRef>
+          <a:fillRef idx="1">
+            <a:schemeClr val="accent1"/>
+          </a:fillRef>
+          <a:effectRef idx="0">
+            <a:schemeClr val="accent1"/>
+          </a:effectRef>
+          <a:fontRef idx="minor">
+            <a:schemeClr val="lt1"/>
+          </a:fontRef>
+        </p:style>
+        <p:txBody>
+          <a:bodyPr rtlCol="0" anchor="ctr"/>
+          <a:lstStyle/>
+          <a:p>
+            <a:pPr algn="ctr"/>
+            <a:r>
+              <a:rPr lang="pt-BR" dirty="0"/>
+              <a:t>1</a:t>
+            </a:r>
+          </a:p>
+        </p:txBody>
+      </p:sp>
+      <p:cxnSp>
+        <p:nvCxnSpPr>
+          <p:cNvPr id="41" name="Conector de Seta Reta 40">
+            <a:extLst>
+              <a:ext uri="{FF2B5EF4-FFF2-40B4-BE49-F238E27FC236}">
+                <a16:creationId xmlns:a16="http://schemas.microsoft.com/office/drawing/2014/main" id="{7D8A941D-B8EB-4E52-B9DE-90CC31691E1C}"/>
+              </a:ext>
+            </a:extLst>
+          </p:cNvPr>
+          <p:cNvCxnSpPr>
+            <a:cxnSpLocks/>
+          </p:cNvCxnSpPr>
+          <p:nvPr/>
+        </p:nvCxnSpPr>
+        <p:spPr>
+          <a:xfrm rot="5400000" flipV="1">
+            <a:off x="3462915" y="4678771"/>
+            <a:ext cx="3240000" cy="0"/>
+          </a:xfrm>
+          <a:prstGeom prst="straightConnector1">
+            <a:avLst/>
+          </a:prstGeom>
+          <a:ln w="38100">
+            <a:solidFill>
+              <a:schemeClr val="accent2">
+                <a:lumMod val="75000"/>
+              </a:schemeClr>
+            </a:solidFill>
+            <a:tailEnd type="triangle"/>
+          </a:ln>
+        </p:spPr>
+        <p:style>
+          <a:lnRef idx="1">
+            <a:schemeClr val="accent1"/>
+          </a:lnRef>
+          <a:fillRef idx="0">
+            <a:schemeClr val="accent1"/>
+          </a:fillRef>
+          <a:effectRef idx="0">
+            <a:schemeClr val="accent1"/>
+          </a:effectRef>
+          <a:fontRef idx="minor">
+            <a:schemeClr val="tx1"/>
+          </a:fontRef>
+        </p:style>
+      </p:cxnSp>
+      <p:sp>
+        <p:nvSpPr>
+          <p:cNvPr id="42" name="CaixaDeTexto 41">
+            <a:extLst>
+              <a:ext uri="{FF2B5EF4-FFF2-40B4-BE49-F238E27FC236}">
+                <a16:creationId xmlns:a16="http://schemas.microsoft.com/office/drawing/2014/main" id="{A25AA331-BBC9-4F09-B026-171D50A52E75}"/>
+              </a:ext>
+            </a:extLst>
+          </p:cNvPr>
+          <p:cNvSpPr txBox="1"/>
+          <p:nvPr/>
+        </p:nvSpPr>
+        <p:spPr>
+          <a:xfrm rot="16200000">
+            <a:off x="4316275" y="4526435"/>
+            <a:ext cx="1023696" cy="276999"/>
+          </a:xfrm>
+          <a:prstGeom prst="rect">
+            <a:avLst/>
+          </a:prstGeom>
+          <a:noFill/>
+        </p:spPr>
+        <p:txBody>
+          <a:bodyPr wrap="square" rtlCol="0">
+            <a:spAutoFit/>
+          </a:bodyPr>
+          <a:lstStyle/>
+          <a:p>
+            <a:r>
+              <a:rPr lang="pt-BR" sz="1200" dirty="0">
+                <a:latin typeface="Times New Roman" panose="02020603050405020304" pitchFamily="18" charset="0"/>
+                <a:cs typeface="Times New Roman" panose="02020603050405020304" pitchFamily="18" charset="0"/>
+              </a:rPr>
+              <a:t>Cross-</a:t>
+            </a:r>
+            <a:r>
+              <a:rPr lang="pt-BR" sz="1200" dirty="0" err="1">
+                <a:latin typeface="Times New Roman" panose="02020603050405020304" pitchFamily="18" charset="0"/>
+                <a:cs typeface="Times New Roman" panose="02020603050405020304" pitchFamily="18" charset="0"/>
+              </a:rPr>
+              <a:t>Axis</a:t>
+            </a:r>
+            <a:endParaRPr lang="pt-BR" sz="1200" dirty="0">
+              <a:latin typeface="Times New Roman" panose="02020603050405020304" pitchFamily="18" charset="0"/>
+              <a:cs typeface="Times New Roman" panose="02020603050405020304" pitchFamily="18" charset="0"/>
+            </a:endParaRPr>
+          </a:p>
+        </p:txBody>
+      </p:sp>
+      <p:sp>
+        <p:nvSpPr>
+          <p:cNvPr id="43" name="Retângulo: Cantos Arredondados 42">
+            <a:extLst>
+              <a:ext uri="{FF2B5EF4-FFF2-40B4-BE49-F238E27FC236}">
+                <a16:creationId xmlns:a16="http://schemas.microsoft.com/office/drawing/2014/main" id="{4B7B06EB-4E83-4E6A-BF9F-54018AC49A0D}"/>
+              </a:ext>
+            </a:extLst>
+          </p:cNvPr>
+          <p:cNvSpPr/>
+          <p:nvPr/>
+        </p:nvSpPr>
+        <p:spPr>
+          <a:xfrm>
+            <a:off x="6251741" y="3537773"/>
+            <a:ext cx="666389" cy="720000"/>
+          </a:xfrm>
+          <a:prstGeom prst="roundRect">
+            <a:avLst>
+              <a:gd name="adj" fmla="val 8805"/>
+            </a:avLst>
+          </a:prstGeom>
+          <a:solidFill>
+            <a:srgbClr val="043073"/>
+          </a:solidFill>
+          <a:ln w="19050">
+            <a:solidFill>
+              <a:schemeClr val="tx1">
+                <a:lumMod val="95000"/>
+                <a:lumOff val="5000"/>
+              </a:schemeClr>
+            </a:solidFill>
+          </a:ln>
+        </p:spPr>
+        <p:style>
+          <a:lnRef idx="2">
+            <a:schemeClr val="accent1">
+              <a:shade val="50000"/>
+            </a:schemeClr>
+          </a:lnRef>
+          <a:fillRef idx="1">
+            <a:schemeClr val="accent1"/>
+          </a:fillRef>
+          <a:effectRef idx="0">
+            <a:schemeClr val="accent1"/>
+          </a:effectRef>
+          <a:fontRef idx="minor">
+            <a:schemeClr val="lt1"/>
+          </a:fontRef>
+        </p:style>
+        <p:txBody>
+          <a:bodyPr rtlCol="0" anchor="ctr"/>
+          <a:lstStyle/>
+          <a:p>
+            <a:pPr algn="ctr"/>
+            <a:r>
+              <a:rPr lang="pt-BR" dirty="0"/>
+              <a:t>2</a:t>
+            </a:r>
+          </a:p>
+        </p:txBody>
+      </p:sp>
+      <p:sp>
+        <p:nvSpPr>
+          <p:cNvPr id="44" name="CaixaDeTexto 43">
+            <a:extLst>
+              <a:ext uri="{FF2B5EF4-FFF2-40B4-BE49-F238E27FC236}">
+                <a16:creationId xmlns:a16="http://schemas.microsoft.com/office/drawing/2014/main" id="{1A854226-D5E1-4B30-BB76-CAE35A42981D}"/>
+              </a:ext>
+            </a:extLst>
+          </p:cNvPr>
+          <p:cNvSpPr txBox="1"/>
+          <p:nvPr/>
+        </p:nvSpPr>
+        <p:spPr>
+          <a:xfrm>
+            <a:off x="5050935" y="6321091"/>
+            <a:ext cx="2245872" cy="307777"/>
+          </a:xfrm>
+          <a:prstGeom prst="rect">
+            <a:avLst/>
+          </a:prstGeom>
+          <a:noFill/>
+        </p:spPr>
+        <p:txBody>
+          <a:bodyPr wrap="square" rtlCol="0">
+            <a:spAutoFit/>
+          </a:bodyPr>
+          <a:lstStyle/>
+          <a:p>
+            <a:r>
+              <a:rPr lang="pt-BR" sz="1400" dirty="0" err="1">
+                <a:latin typeface="Times New Roman" panose="02020603050405020304" pitchFamily="18" charset="0"/>
+                <a:ea typeface="Tahoma" panose="020B0604030504040204" pitchFamily="34" charset="0"/>
+                <a:cs typeface="Times New Roman" panose="02020603050405020304" pitchFamily="18" charset="0"/>
+              </a:rPr>
+              <a:t>Align-content</a:t>
+            </a:r>
+            <a:r>
+              <a:rPr lang="pt-BR" sz="1400" dirty="0">
+                <a:latin typeface="Times New Roman" panose="02020603050405020304" pitchFamily="18" charset="0"/>
+                <a:ea typeface="Tahoma" panose="020B0604030504040204" pitchFamily="34" charset="0"/>
+                <a:cs typeface="Times New Roman" panose="02020603050405020304" pitchFamily="18" charset="0"/>
+              </a:rPr>
+              <a:t>: </a:t>
+            </a:r>
+            <a:r>
+              <a:rPr lang="pt-BR" sz="1400" dirty="0" err="1">
+                <a:latin typeface="Times New Roman" panose="02020603050405020304" pitchFamily="18" charset="0"/>
+                <a:ea typeface="Tahoma" panose="020B0604030504040204" pitchFamily="34" charset="0"/>
+                <a:cs typeface="Times New Roman" panose="02020603050405020304" pitchFamily="18" charset="0"/>
+              </a:rPr>
+              <a:t>space-around</a:t>
+            </a:r>
+            <a:endParaRPr lang="pt-BR" sz="1400" dirty="0">
+              <a:latin typeface="Times New Roman" panose="02020603050405020304" pitchFamily="18" charset="0"/>
+              <a:ea typeface="Tahoma" panose="020B0604030504040204" pitchFamily="34" charset="0"/>
+              <a:cs typeface="Times New Roman" panose="02020603050405020304" pitchFamily="18" charset="0"/>
+            </a:endParaRPr>
+          </a:p>
+        </p:txBody>
+      </p:sp>
+    </p:spTree>
+    <p:extLst>
+      <p:ext uri="{BB962C8B-B14F-4D97-AF65-F5344CB8AC3E}">
+        <p14:creationId xmlns:p14="http://schemas.microsoft.com/office/powerpoint/2010/main" val="2603772926"/>
+      </p:ext>
+    </p:extLst>
+  </p:cSld>
+  <p:clrMapOvr>
+    <a:masterClrMapping/>
+  </p:clrMapOvr>
+</p:sld>
+</file>
+
+<file path=ppt/slides/slide23.xml><?xml version="1.0" encoding="utf-8"?>
+<p:sld xmlns:a="http://schemas.openxmlformats.org/drawingml/2006/main" xmlns:r="http://schemas.openxmlformats.org/officeDocument/2006/relationships" xmlns:p="http://schemas.openxmlformats.org/presentationml/2006/main">
+  <p:cSld>
+    <p:spTree>
+      <p:nvGrpSpPr>
+        <p:cNvPr id="1" name=""/>
+        <p:cNvGrpSpPr/>
+        <p:nvPr/>
+      </p:nvGrpSpPr>
+      <p:grpSpPr>
+        <a:xfrm>
+          <a:off x="0" y="0"/>
+          <a:ext cx="0" cy="0"/>
+          <a:chOff x="0" y="0"/>
+          <a:chExt cx="0" cy="0"/>
+        </a:xfrm>
+      </p:grpSpPr>
+      <p:sp>
+        <p:nvSpPr>
+          <p:cNvPr id="2" name="Título 1">
+            <a:extLst>
+              <a:ext uri="{FF2B5EF4-FFF2-40B4-BE49-F238E27FC236}">
+                <a16:creationId xmlns:a16="http://schemas.microsoft.com/office/drawing/2014/main" id="{C98C98A8-E99C-4C16-9232-6312DCFBB1FD}"/>
+              </a:ext>
+            </a:extLst>
+          </p:cNvPr>
+          <p:cNvSpPr>
+            <a:spLocks noGrp="1"/>
+          </p:cNvSpPr>
+          <p:nvPr>
+            <p:ph type="title"/>
+          </p:nvPr>
+        </p:nvSpPr>
+        <p:spPr/>
+        <p:txBody>
+          <a:bodyPr/>
+          <a:lstStyle/>
+          <a:p>
+            <a:r>
+              <a:rPr lang="pt-BR" dirty="0"/>
+              <a:t>Sintaxe </a:t>
+            </a:r>
+            <a:r>
+              <a:rPr lang="pt-BR" dirty="0" err="1"/>
+              <a:t>Align-content</a:t>
+            </a:r>
+            <a:endParaRPr lang="pt-BR" dirty="0"/>
+          </a:p>
+        </p:txBody>
+      </p:sp>
+      <p:sp>
+        <p:nvSpPr>
+          <p:cNvPr id="3" name="Espaço Reservado para Conteúdo 2">
+            <a:extLst>
+              <a:ext uri="{FF2B5EF4-FFF2-40B4-BE49-F238E27FC236}">
+                <a16:creationId xmlns:a16="http://schemas.microsoft.com/office/drawing/2014/main" id="{BADCC0B0-B615-4C4A-9145-0E40FF4D3FA5}"/>
+              </a:ext>
+            </a:extLst>
+          </p:cNvPr>
+          <p:cNvSpPr>
+            <a:spLocks noGrp="1"/>
+          </p:cNvSpPr>
+          <p:nvPr>
+            <p:ph idx="1"/>
+          </p:nvPr>
+        </p:nvSpPr>
+        <p:spPr>
+          <a:xfrm>
+            <a:off x="592347" y="1844675"/>
+            <a:ext cx="11007306" cy="1050925"/>
+          </a:xfrm>
+        </p:spPr>
+        <p:txBody>
+          <a:bodyPr/>
+          <a:lstStyle/>
+          <a:p>
+            <a:r>
+              <a:rPr lang="pt-BR" dirty="0"/>
+              <a:t>O </a:t>
+            </a:r>
+            <a:r>
+              <a:rPr lang="pt-BR" dirty="0" err="1"/>
+              <a:t>align-content</a:t>
+            </a:r>
+            <a:r>
+              <a:rPr lang="pt-BR" dirty="0"/>
+              <a:t> controla o espaçamento entre várias linhas dentro de um container flexível, atuando no eixo secundário. Ele só funciona quando </a:t>
+            </a:r>
+            <a:r>
+              <a:rPr lang="pt-BR" dirty="0" err="1"/>
+              <a:t>flex-wrap</a:t>
+            </a:r>
+            <a:r>
+              <a:rPr lang="pt-BR" dirty="0"/>
+              <a:t>: </a:t>
+            </a:r>
+            <a:r>
+              <a:rPr lang="pt-BR" dirty="0" err="1"/>
+              <a:t>wrap</a:t>
+            </a:r>
+            <a:r>
+              <a:rPr lang="pt-BR" dirty="0"/>
+              <a:t>; está ativado e há múltiplas linhas de itens.</a:t>
+            </a:r>
+          </a:p>
+          <a:p>
+            <a:endParaRPr lang="pt-BR" dirty="0"/>
+          </a:p>
+        </p:txBody>
+      </p:sp>
+      <p:sp>
+        <p:nvSpPr>
+          <p:cNvPr id="4" name="CaixaDeTexto 3">
+            <a:extLst>
+              <a:ext uri="{FF2B5EF4-FFF2-40B4-BE49-F238E27FC236}">
+                <a16:creationId xmlns:a16="http://schemas.microsoft.com/office/drawing/2014/main" id="{62E974D8-F41A-4056-AFAF-4C0FDC1F86A9}"/>
+              </a:ext>
+            </a:extLst>
+          </p:cNvPr>
+          <p:cNvSpPr txBox="1"/>
+          <p:nvPr/>
+        </p:nvSpPr>
+        <p:spPr>
+          <a:xfrm>
+            <a:off x="592347" y="3059668"/>
+            <a:ext cx="1323975" cy="369332"/>
+          </a:xfrm>
+          <a:prstGeom prst="rect">
+            <a:avLst/>
+          </a:prstGeom>
+          <a:noFill/>
+        </p:spPr>
+        <p:txBody>
+          <a:bodyPr wrap="square" rtlCol="0">
+            <a:spAutoFit/>
+          </a:bodyPr>
+          <a:lstStyle/>
+          <a:p>
+            <a:r>
+              <a:rPr lang="pt-BR" dirty="0">
+                <a:latin typeface="Times New Roman" panose="02020603050405020304" pitchFamily="18" charset="0"/>
+                <a:cs typeface="Times New Roman" panose="02020603050405020304" pitchFamily="18" charset="0"/>
+              </a:rPr>
+              <a:t>Sintaxe:</a:t>
+            </a:r>
+          </a:p>
+        </p:txBody>
+      </p:sp>
+      <p:sp>
+        <p:nvSpPr>
+          <p:cNvPr id="5" name="CaixaDeTexto 4">
+            <a:extLst>
+              <a:ext uri="{FF2B5EF4-FFF2-40B4-BE49-F238E27FC236}">
+                <a16:creationId xmlns:a16="http://schemas.microsoft.com/office/drawing/2014/main" id="{5DD52E43-8BC7-49E9-B352-E142F639BC2E}"/>
+              </a:ext>
+            </a:extLst>
+          </p:cNvPr>
+          <p:cNvSpPr txBox="1"/>
+          <p:nvPr/>
+        </p:nvSpPr>
+        <p:spPr>
+          <a:xfrm>
+            <a:off x="6347640" y="3059668"/>
+            <a:ext cx="2808779" cy="369332"/>
+          </a:xfrm>
+          <a:prstGeom prst="rect">
+            <a:avLst/>
+          </a:prstGeom>
+          <a:noFill/>
+        </p:spPr>
+        <p:txBody>
+          <a:bodyPr wrap="square" rtlCol="0">
+            <a:spAutoFit/>
+          </a:bodyPr>
+          <a:lstStyle/>
+          <a:p>
+            <a:r>
+              <a:rPr lang="pt-BR" dirty="0">
+                <a:latin typeface="Times New Roman" panose="02020603050405020304" pitchFamily="18" charset="0"/>
+                <a:cs typeface="Times New Roman" panose="02020603050405020304" pitchFamily="18" charset="0"/>
+              </a:rPr>
+              <a:t>Opções de </a:t>
+            </a:r>
+            <a:r>
+              <a:rPr lang="pt-BR" dirty="0" err="1">
+                <a:latin typeface="Times New Roman" panose="02020603050405020304" pitchFamily="18" charset="0"/>
+                <a:cs typeface="Times New Roman" panose="02020603050405020304" pitchFamily="18" charset="0"/>
+              </a:rPr>
+              <a:t>align-content</a:t>
+            </a:r>
+            <a:r>
+              <a:rPr lang="pt-BR" dirty="0">
+                <a:latin typeface="Times New Roman" panose="02020603050405020304" pitchFamily="18" charset="0"/>
+                <a:cs typeface="Times New Roman" panose="02020603050405020304" pitchFamily="18" charset="0"/>
+              </a:rPr>
+              <a:t>:</a:t>
+            </a:r>
+          </a:p>
+        </p:txBody>
+      </p:sp>
+      <p:sp>
+        <p:nvSpPr>
+          <p:cNvPr id="6" name="Retângulo 5">
+            <a:extLst>
+              <a:ext uri="{FF2B5EF4-FFF2-40B4-BE49-F238E27FC236}">
+                <a16:creationId xmlns:a16="http://schemas.microsoft.com/office/drawing/2014/main" id="{D13F333D-723F-444D-90AD-0A1054B38F47}"/>
+              </a:ext>
+            </a:extLst>
+          </p:cNvPr>
+          <p:cNvSpPr/>
+          <p:nvPr/>
+        </p:nvSpPr>
+        <p:spPr>
+          <a:xfrm>
+            <a:off x="592347" y="3593068"/>
+            <a:ext cx="4694028" cy="2995692"/>
+          </a:xfrm>
+          <a:prstGeom prst="rect">
+            <a:avLst/>
+          </a:prstGeom>
+        </p:spPr>
+        <p:txBody>
+          <a:bodyPr wrap="square">
+            <a:spAutoFit/>
+          </a:bodyPr>
+          <a:lstStyle/>
+          <a:p>
+            <a:pPr>
+              <a:spcBef>
+                <a:spcPts val="150"/>
+              </a:spcBef>
+              <a:spcAft>
+                <a:spcPts val="150"/>
+              </a:spcAft>
+            </a:pPr>
+            <a:r>
+              <a:rPr lang="pt-BR" dirty="0">
+                <a:solidFill>
+                  <a:srgbClr val="800000"/>
+                </a:solidFill>
+                <a:latin typeface="Consolas" panose="020B0609020204030204" pitchFamily="49" charset="0"/>
+              </a:rPr>
+              <a:t>.container</a:t>
+            </a:r>
+            <a:r>
+              <a:rPr lang="pt-BR" dirty="0">
+                <a:solidFill>
+                  <a:srgbClr val="000000"/>
+                </a:solidFill>
+                <a:latin typeface="Consolas" panose="020B0609020204030204" pitchFamily="49" charset="0"/>
+              </a:rPr>
+              <a:t> {</a:t>
+            </a:r>
+          </a:p>
+          <a:p>
+            <a:pPr>
+              <a:spcBef>
+                <a:spcPts val="150"/>
+              </a:spcBef>
+              <a:spcAft>
+                <a:spcPts val="150"/>
+              </a:spcAft>
+            </a:pPr>
+            <a:r>
+              <a:rPr lang="pt-BR" dirty="0">
+                <a:solidFill>
+                  <a:srgbClr val="000000"/>
+                </a:solidFill>
+                <a:latin typeface="Consolas" panose="020B0609020204030204" pitchFamily="49" charset="0"/>
+              </a:rPr>
+              <a:t>    </a:t>
+            </a:r>
+            <a:r>
+              <a:rPr lang="pt-BR" dirty="0" err="1">
+                <a:solidFill>
+                  <a:srgbClr val="E50000"/>
+                </a:solidFill>
+                <a:latin typeface="Consolas" panose="020B0609020204030204" pitchFamily="49" charset="0"/>
+              </a:rPr>
+              <a:t>height</a:t>
+            </a:r>
+            <a:r>
+              <a:rPr lang="pt-BR" dirty="0">
+                <a:solidFill>
+                  <a:srgbClr val="000000"/>
+                </a:solidFill>
+                <a:latin typeface="Consolas" panose="020B0609020204030204" pitchFamily="49" charset="0"/>
+              </a:rPr>
+              <a:t>: </a:t>
+            </a:r>
+            <a:r>
+              <a:rPr lang="pt-BR" dirty="0">
+                <a:solidFill>
+                  <a:srgbClr val="098658"/>
+                </a:solidFill>
+                <a:latin typeface="Consolas" panose="020B0609020204030204" pitchFamily="49" charset="0"/>
+              </a:rPr>
+              <a:t>200px</a:t>
+            </a:r>
+            <a:r>
+              <a:rPr lang="pt-BR" dirty="0">
+                <a:solidFill>
+                  <a:srgbClr val="000000"/>
+                </a:solidFill>
+                <a:latin typeface="Consolas" panose="020B0609020204030204" pitchFamily="49" charset="0"/>
+              </a:rPr>
+              <a:t>;</a:t>
+            </a:r>
+          </a:p>
+          <a:p>
+            <a:pPr>
+              <a:spcBef>
+                <a:spcPts val="150"/>
+              </a:spcBef>
+              <a:spcAft>
+                <a:spcPts val="150"/>
+              </a:spcAft>
+            </a:pPr>
+            <a:r>
+              <a:rPr lang="pt-BR" dirty="0">
+                <a:solidFill>
+                  <a:srgbClr val="000000"/>
+                </a:solidFill>
+                <a:latin typeface="Consolas" panose="020B0609020204030204" pitchFamily="49" charset="0"/>
+              </a:rPr>
+              <a:t>    </a:t>
+            </a:r>
+            <a:r>
+              <a:rPr lang="pt-BR" dirty="0" err="1">
+                <a:solidFill>
+                  <a:srgbClr val="E50000"/>
+                </a:solidFill>
+                <a:latin typeface="Consolas" panose="020B0609020204030204" pitchFamily="49" charset="0"/>
+              </a:rPr>
+              <a:t>width</a:t>
+            </a:r>
+            <a:r>
+              <a:rPr lang="pt-BR" dirty="0">
+                <a:solidFill>
+                  <a:srgbClr val="000000"/>
+                </a:solidFill>
+                <a:latin typeface="Consolas" panose="020B0609020204030204" pitchFamily="49" charset="0"/>
+              </a:rPr>
+              <a:t>: </a:t>
+            </a:r>
+            <a:r>
+              <a:rPr lang="pt-BR" dirty="0">
+                <a:solidFill>
+                  <a:srgbClr val="098658"/>
+                </a:solidFill>
+                <a:latin typeface="Consolas" panose="020B0609020204030204" pitchFamily="49" charset="0"/>
+              </a:rPr>
+              <a:t>60vw</a:t>
+            </a:r>
+            <a:r>
+              <a:rPr lang="pt-BR" dirty="0">
+                <a:solidFill>
+                  <a:srgbClr val="000000"/>
+                </a:solidFill>
+                <a:latin typeface="Consolas" panose="020B0609020204030204" pitchFamily="49" charset="0"/>
+              </a:rPr>
+              <a:t>;</a:t>
+            </a:r>
+          </a:p>
+          <a:p>
+            <a:pPr>
+              <a:spcBef>
+                <a:spcPts val="150"/>
+              </a:spcBef>
+              <a:spcAft>
+                <a:spcPts val="150"/>
+              </a:spcAft>
+            </a:pPr>
+            <a:r>
+              <a:rPr lang="pt-BR" dirty="0">
+                <a:solidFill>
+                  <a:srgbClr val="000000"/>
+                </a:solidFill>
+                <a:latin typeface="Consolas" panose="020B0609020204030204" pitchFamily="49" charset="0"/>
+              </a:rPr>
+              <a:t>    </a:t>
+            </a:r>
+            <a:r>
+              <a:rPr lang="pt-BR" dirty="0" err="1">
+                <a:solidFill>
+                  <a:srgbClr val="E50000"/>
+                </a:solidFill>
+                <a:latin typeface="Consolas" panose="020B0609020204030204" pitchFamily="49" charset="0"/>
+              </a:rPr>
+              <a:t>border</a:t>
+            </a:r>
+            <a:r>
+              <a:rPr lang="pt-BR" dirty="0">
+                <a:solidFill>
+                  <a:srgbClr val="000000"/>
+                </a:solidFill>
+                <a:latin typeface="Consolas" panose="020B0609020204030204" pitchFamily="49" charset="0"/>
+              </a:rPr>
+              <a:t>: </a:t>
+            </a:r>
+            <a:r>
+              <a:rPr lang="pt-BR" dirty="0">
+                <a:solidFill>
+                  <a:srgbClr val="098658"/>
+                </a:solidFill>
+                <a:latin typeface="Consolas" panose="020B0609020204030204" pitchFamily="49" charset="0"/>
+              </a:rPr>
+              <a:t>0.5px</a:t>
+            </a:r>
+            <a:r>
+              <a:rPr lang="pt-BR" dirty="0">
+                <a:solidFill>
+                  <a:srgbClr val="000000"/>
+                </a:solidFill>
+                <a:latin typeface="Consolas" panose="020B0609020204030204" pitchFamily="49" charset="0"/>
+              </a:rPr>
+              <a:t> </a:t>
+            </a:r>
+            <a:r>
+              <a:rPr lang="pt-BR" dirty="0" err="1">
+                <a:solidFill>
+                  <a:srgbClr val="0451A5"/>
+                </a:solidFill>
+                <a:latin typeface="Consolas" panose="020B0609020204030204" pitchFamily="49" charset="0"/>
+              </a:rPr>
+              <a:t>solid</a:t>
+            </a:r>
+            <a:r>
+              <a:rPr lang="pt-BR" dirty="0">
+                <a:solidFill>
+                  <a:srgbClr val="000000"/>
+                </a:solidFill>
+                <a:latin typeface="Consolas" panose="020B0609020204030204" pitchFamily="49" charset="0"/>
+              </a:rPr>
+              <a:t> </a:t>
+            </a:r>
+            <a:r>
+              <a:rPr lang="pt-BR" dirty="0" err="1">
+                <a:solidFill>
+                  <a:srgbClr val="0451A5"/>
+                </a:solidFill>
+                <a:latin typeface="Consolas" panose="020B0609020204030204" pitchFamily="49" charset="0"/>
+              </a:rPr>
+              <a:t>black</a:t>
+            </a:r>
+            <a:r>
+              <a:rPr lang="pt-BR" dirty="0">
+                <a:solidFill>
+                  <a:srgbClr val="000000"/>
+                </a:solidFill>
+                <a:latin typeface="Consolas" panose="020B0609020204030204" pitchFamily="49" charset="0"/>
+              </a:rPr>
+              <a:t>;</a:t>
+            </a:r>
+          </a:p>
+          <a:p>
+            <a:pPr>
+              <a:spcBef>
+                <a:spcPts val="150"/>
+              </a:spcBef>
+              <a:spcAft>
+                <a:spcPts val="150"/>
+              </a:spcAft>
+            </a:pPr>
+            <a:r>
+              <a:rPr lang="pt-BR" dirty="0">
+                <a:solidFill>
+                  <a:srgbClr val="000000"/>
+                </a:solidFill>
+                <a:latin typeface="Consolas" panose="020B0609020204030204" pitchFamily="49" charset="0"/>
+              </a:rPr>
+              <a:t>    </a:t>
+            </a:r>
+            <a:r>
+              <a:rPr lang="pt-BR" dirty="0">
+                <a:solidFill>
+                  <a:srgbClr val="E50000"/>
+                </a:solidFill>
+                <a:latin typeface="Consolas" panose="020B0609020204030204" pitchFamily="49" charset="0"/>
+              </a:rPr>
+              <a:t>display</a:t>
+            </a:r>
+            <a:r>
+              <a:rPr lang="pt-BR" dirty="0">
+                <a:solidFill>
+                  <a:srgbClr val="000000"/>
+                </a:solidFill>
+                <a:latin typeface="Consolas" panose="020B0609020204030204" pitchFamily="49" charset="0"/>
+              </a:rPr>
+              <a:t>: </a:t>
+            </a:r>
+            <a:r>
+              <a:rPr lang="pt-BR" dirty="0" err="1">
+                <a:solidFill>
+                  <a:srgbClr val="0451A5"/>
+                </a:solidFill>
+                <a:latin typeface="Consolas" panose="020B0609020204030204" pitchFamily="49" charset="0"/>
+              </a:rPr>
+              <a:t>flex</a:t>
+            </a:r>
+            <a:r>
+              <a:rPr lang="pt-BR" dirty="0">
+                <a:solidFill>
+                  <a:srgbClr val="000000"/>
+                </a:solidFill>
+                <a:latin typeface="Consolas" panose="020B0609020204030204" pitchFamily="49" charset="0"/>
+              </a:rPr>
+              <a:t>;</a:t>
+            </a:r>
+          </a:p>
+          <a:p>
+            <a:pPr>
+              <a:spcBef>
+                <a:spcPts val="150"/>
+              </a:spcBef>
+              <a:spcAft>
+                <a:spcPts val="150"/>
+              </a:spcAft>
+            </a:pPr>
+            <a:r>
+              <a:rPr lang="pt-BR" dirty="0">
+                <a:solidFill>
+                  <a:srgbClr val="000000"/>
+                </a:solidFill>
+                <a:latin typeface="Consolas" panose="020B0609020204030204" pitchFamily="49" charset="0"/>
+              </a:rPr>
+              <a:t>    </a:t>
+            </a:r>
+            <a:r>
+              <a:rPr lang="pt-BR" dirty="0" err="1">
+                <a:solidFill>
+                  <a:srgbClr val="E50000"/>
+                </a:solidFill>
+                <a:latin typeface="Consolas" panose="020B0609020204030204" pitchFamily="49" charset="0"/>
+              </a:rPr>
+              <a:t>flex-wrap</a:t>
+            </a:r>
+            <a:r>
+              <a:rPr lang="pt-BR" dirty="0">
+                <a:solidFill>
+                  <a:srgbClr val="000000"/>
+                </a:solidFill>
+                <a:latin typeface="Consolas" panose="020B0609020204030204" pitchFamily="49" charset="0"/>
+              </a:rPr>
+              <a:t>: </a:t>
+            </a:r>
+            <a:r>
+              <a:rPr lang="pt-BR" dirty="0" err="1">
+                <a:solidFill>
+                  <a:srgbClr val="0451A5"/>
+                </a:solidFill>
+                <a:latin typeface="Consolas" panose="020B0609020204030204" pitchFamily="49" charset="0"/>
+              </a:rPr>
+              <a:t>wrap</a:t>
+            </a:r>
+            <a:r>
+              <a:rPr lang="pt-BR" dirty="0">
+                <a:solidFill>
+                  <a:srgbClr val="000000"/>
+                </a:solidFill>
+                <a:latin typeface="Consolas" panose="020B0609020204030204" pitchFamily="49" charset="0"/>
+              </a:rPr>
+              <a:t>;</a:t>
+            </a:r>
+          </a:p>
+          <a:p>
+            <a:pPr>
+              <a:spcBef>
+                <a:spcPts val="150"/>
+              </a:spcBef>
+              <a:spcAft>
+                <a:spcPts val="150"/>
+              </a:spcAft>
+            </a:pPr>
+            <a:r>
+              <a:rPr lang="pt-BR" dirty="0">
+                <a:solidFill>
+                  <a:srgbClr val="000000"/>
+                </a:solidFill>
+                <a:latin typeface="Consolas" panose="020B0609020204030204" pitchFamily="49" charset="0"/>
+              </a:rPr>
+              <a:t>    </a:t>
+            </a:r>
+            <a:r>
+              <a:rPr lang="pt-BR" dirty="0" err="1">
+                <a:solidFill>
+                  <a:srgbClr val="E50000"/>
+                </a:solidFill>
+                <a:latin typeface="Consolas" panose="020B0609020204030204" pitchFamily="49" charset="0"/>
+              </a:rPr>
+              <a:t>justify-content</a:t>
+            </a:r>
+            <a:r>
+              <a:rPr lang="pt-BR" dirty="0">
+                <a:solidFill>
+                  <a:srgbClr val="000000"/>
+                </a:solidFill>
+                <a:latin typeface="Consolas" panose="020B0609020204030204" pitchFamily="49" charset="0"/>
+              </a:rPr>
+              <a:t>: </a:t>
+            </a:r>
+            <a:r>
+              <a:rPr lang="pt-BR" dirty="0">
+                <a:solidFill>
+                  <a:srgbClr val="0451A5"/>
+                </a:solidFill>
+                <a:latin typeface="Consolas" panose="020B0609020204030204" pitchFamily="49" charset="0"/>
+              </a:rPr>
+              <a:t>center</a:t>
+            </a:r>
+            <a:r>
+              <a:rPr lang="pt-BR" dirty="0">
+                <a:solidFill>
+                  <a:srgbClr val="000000"/>
+                </a:solidFill>
+                <a:latin typeface="Consolas" panose="020B0609020204030204" pitchFamily="49" charset="0"/>
+              </a:rPr>
+              <a:t>;</a:t>
+            </a:r>
+          </a:p>
+          <a:p>
+            <a:pPr>
+              <a:spcBef>
+                <a:spcPts val="150"/>
+              </a:spcBef>
+              <a:spcAft>
+                <a:spcPts val="150"/>
+              </a:spcAft>
+            </a:pPr>
+            <a:r>
+              <a:rPr lang="pt-BR" dirty="0">
+                <a:solidFill>
+                  <a:srgbClr val="000000"/>
+                </a:solidFill>
+                <a:latin typeface="Consolas" panose="020B0609020204030204" pitchFamily="49" charset="0"/>
+              </a:rPr>
+              <a:t>    </a:t>
+            </a:r>
+            <a:r>
+              <a:rPr lang="pt-BR" dirty="0" err="1">
+                <a:solidFill>
+                  <a:srgbClr val="E50000"/>
+                </a:solidFill>
+                <a:latin typeface="Consolas" panose="020B0609020204030204" pitchFamily="49" charset="0"/>
+              </a:rPr>
+              <a:t>align-content</a:t>
+            </a:r>
+            <a:r>
+              <a:rPr lang="pt-BR" dirty="0">
+                <a:solidFill>
+                  <a:srgbClr val="000000"/>
+                </a:solidFill>
+                <a:latin typeface="Consolas" panose="020B0609020204030204" pitchFamily="49" charset="0"/>
+              </a:rPr>
+              <a:t>: </a:t>
+            </a:r>
+            <a:r>
+              <a:rPr lang="pt-BR" dirty="0" err="1">
+                <a:solidFill>
+                  <a:srgbClr val="0451A5"/>
+                </a:solidFill>
+                <a:latin typeface="Consolas" panose="020B0609020204030204" pitchFamily="49" charset="0"/>
+              </a:rPr>
+              <a:t>stretch</a:t>
+            </a:r>
+            <a:r>
+              <a:rPr lang="pt-BR" dirty="0">
+                <a:solidFill>
+                  <a:srgbClr val="000000"/>
+                </a:solidFill>
+                <a:latin typeface="Consolas" panose="020B0609020204030204" pitchFamily="49" charset="0"/>
+              </a:rPr>
+              <a:t>;</a:t>
+            </a:r>
+          </a:p>
+          <a:p>
+            <a:pPr>
+              <a:spcBef>
+                <a:spcPts val="150"/>
+              </a:spcBef>
+              <a:spcAft>
+                <a:spcPts val="150"/>
+              </a:spcAft>
+            </a:pPr>
+            <a:r>
+              <a:rPr lang="pt-BR" dirty="0">
+                <a:solidFill>
+                  <a:srgbClr val="000000"/>
+                </a:solidFill>
+                <a:latin typeface="Consolas" panose="020B0609020204030204" pitchFamily="49" charset="0"/>
+              </a:rPr>
+              <a:t>}</a:t>
+            </a:r>
+            <a:endParaRPr lang="pt-BR" b="0" dirty="0">
+              <a:solidFill>
+                <a:srgbClr val="000000"/>
+              </a:solidFill>
+              <a:effectLst/>
+              <a:latin typeface="Consolas" panose="020B0609020204030204" pitchFamily="49" charset="0"/>
+            </a:endParaRPr>
+          </a:p>
+        </p:txBody>
+      </p:sp>
+      <p:sp>
+        <p:nvSpPr>
+          <p:cNvPr id="8" name="Retângulo 7">
+            <a:extLst>
+              <a:ext uri="{FF2B5EF4-FFF2-40B4-BE49-F238E27FC236}">
+                <a16:creationId xmlns:a16="http://schemas.microsoft.com/office/drawing/2014/main" id="{AFB209AA-DDE8-4131-B25B-59D8FDCFE18D}"/>
+              </a:ext>
+            </a:extLst>
+          </p:cNvPr>
+          <p:cNvSpPr/>
+          <p:nvPr/>
+        </p:nvSpPr>
+        <p:spPr>
+          <a:xfrm>
+            <a:off x="6347640" y="3593068"/>
+            <a:ext cx="3857627" cy="2010807"/>
+          </a:xfrm>
+          <a:prstGeom prst="rect">
+            <a:avLst/>
+          </a:prstGeom>
+        </p:spPr>
+        <p:txBody>
+          <a:bodyPr wrap="square">
+            <a:spAutoFit/>
+          </a:bodyPr>
+          <a:lstStyle/>
+          <a:p>
+            <a:pPr>
+              <a:spcBef>
+                <a:spcPts val="150"/>
+              </a:spcBef>
+              <a:spcAft>
+                <a:spcPts val="150"/>
+              </a:spcAft>
+            </a:pPr>
+            <a:r>
+              <a:rPr lang="en-US" dirty="0">
+                <a:solidFill>
+                  <a:srgbClr val="E50000"/>
+                </a:solidFill>
+                <a:latin typeface="Consolas" panose="020B0609020204030204" pitchFamily="49" charset="0"/>
+              </a:rPr>
+              <a:t>align-content</a:t>
+            </a:r>
+            <a:r>
+              <a:rPr lang="en-US" dirty="0">
+                <a:solidFill>
+                  <a:srgbClr val="000000"/>
+                </a:solidFill>
+                <a:latin typeface="Consolas" panose="020B0609020204030204" pitchFamily="49" charset="0"/>
+              </a:rPr>
+              <a:t>: </a:t>
+            </a:r>
+            <a:r>
+              <a:rPr lang="en-US" dirty="0">
+                <a:solidFill>
+                  <a:srgbClr val="0451A5"/>
+                </a:solidFill>
+                <a:latin typeface="Consolas" panose="020B0609020204030204" pitchFamily="49" charset="0"/>
+              </a:rPr>
+              <a:t>flex-start</a:t>
+            </a:r>
+            <a:r>
+              <a:rPr lang="en-US" dirty="0">
+                <a:solidFill>
+                  <a:srgbClr val="000000"/>
+                </a:solidFill>
+                <a:latin typeface="Consolas" panose="020B0609020204030204" pitchFamily="49" charset="0"/>
+              </a:rPr>
+              <a:t>;</a:t>
+            </a:r>
+          </a:p>
+          <a:p>
+            <a:pPr>
+              <a:spcBef>
+                <a:spcPts val="150"/>
+              </a:spcBef>
+              <a:spcAft>
+                <a:spcPts val="150"/>
+              </a:spcAft>
+            </a:pPr>
+            <a:r>
+              <a:rPr lang="en-US" dirty="0">
+                <a:solidFill>
+                  <a:srgbClr val="E50000"/>
+                </a:solidFill>
+                <a:latin typeface="Consolas" panose="020B0609020204030204" pitchFamily="49" charset="0"/>
+              </a:rPr>
+              <a:t>align-content</a:t>
+            </a:r>
+            <a:r>
+              <a:rPr lang="en-US" dirty="0">
+                <a:solidFill>
+                  <a:srgbClr val="000000"/>
+                </a:solidFill>
+                <a:latin typeface="Consolas" panose="020B0609020204030204" pitchFamily="49" charset="0"/>
+              </a:rPr>
+              <a:t>: </a:t>
+            </a:r>
+            <a:r>
+              <a:rPr lang="en-US" dirty="0">
+                <a:solidFill>
+                  <a:srgbClr val="0451A5"/>
+                </a:solidFill>
+                <a:latin typeface="Consolas" panose="020B0609020204030204" pitchFamily="49" charset="0"/>
+              </a:rPr>
+              <a:t>flex-end</a:t>
+            </a:r>
+            <a:r>
+              <a:rPr lang="en-US" dirty="0">
+                <a:solidFill>
+                  <a:srgbClr val="000000"/>
+                </a:solidFill>
+                <a:latin typeface="Consolas" panose="020B0609020204030204" pitchFamily="49" charset="0"/>
+              </a:rPr>
+              <a:t>;</a:t>
+            </a:r>
+          </a:p>
+          <a:p>
+            <a:pPr>
+              <a:spcBef>
+                <a:spcPts val="150"/>
+              </a:spcBef>
+              <a:spcAft>
+                <a:spcPts val="150"/>
+              </a:spcAft>
+            </a:pPr>
+            <a:r>
+              <a:rPr lang="en-US" dirty="0">
+                <a:solidFill>
+                  <a:srgbClr val="E50000"/>
+                </a:solidFill>
+                <a:latin typeface="Consolas" panose="020B0609020204030204" pitchFamily="49" charset="0"/>
+              </a:rPr>
+              <a:t>align-content</a:t>
+            </a:r>
+            <a:r>
+              <a:rPr lang="en-US" dirty="0">
+                <a:solidFill>
+                  <a:srgbClr val="000000"/>
+                </a:solidFill>
+                <a:latin typeface="Consolas" panose="020B0609020204030204" pitchFamily="49" charset="0"/>
+              </a:rPr>
+              <a:t>: </a:t>
+            </a:r>
+            <a:r>
+              <a:rPr lang="en-US" dirty="0">
+                <a:solidFill>
+                  <a:srgbClr val="0451A5"/>
+                </a:solidFill>
+                <a:latin typeface="Consolas" panose="020B0609020204030204" pitchFamily="49" charset="0"/>
+              </a:rPr>
+              <a:t>center</a:t>
+            </a:r>
+            <a:r>
+              <a:rPr lang="en-US" dirty="0">
+                <a:solidFill>
+                  <a:srgbClr val="000000"/>
+                </a:solidFill>
+                <a:latin typeface="Consolas" panose="020B0609020204030204" pitchFamily="49" charset="0"/>
+              </a:rPr>
+              <a:t>;</a:t>
+            </a:r>
+          </a:p>
+          <a:p>
+            <a:pPr>
+              <a:spcBef>
+                <a:spcPts val="150"/>
+              </a:spcBef>
+              <a:spcAft>
+                <a:spcPts val="150"/>
+              </a:spcAft>
+            </a:pPr>
+            <a:r>
+              <a:rPr lang="en-US" dirty="0">
+                <a:solidFill>
+                  <a:srgbClr val="E50000"/>
+                </a:solidFill>
+                <a:latin typeface="Consolas" panose="020B0609020204030204" pitchFamily="49" charset="0"/>
+              </a:rPr>
+              <a:t>align-content</a:t>
+            </a:r>
+            <a:r>
+              <a:rPr lang="en-US" dirty="0">
+                <a:solidFill>
+                  <a:srgbClr val="000000"/>
+                </a:solidFill>
+                <a:latin typeface="Consolas" panose="020B0609020204030204" pitchFamily="49" charset="0"/>
+              </a:rPr>
+              <a:t>: </a:t>
+            </a:r>
+            <a:r>
+              <a:rPr lang="en-US" dirty="0">
+                <a:solidFill>
+                  <a:srgbClr val="0451A5"/>
+                </a:solidFill>
+                <a:latin typeface="Consolas" panose="020B0609020204030204" pitchFamily="49" charset="0"/>
+              </a:rPr>
+              <a:t>space-between</a:t>
+            </a:r>
+            <a:r>
+              <a:rPr lang="en-US" dirty="0">
+                <a:solidFill>
+                  <a:srgbClr val="000000"/>
+                </a:solidFill>
+                <a:latin typeface="Consolas" panose="020B0609020204030204" pitchFamily="49" charset="0"/>
+              </a:rPr>
+              <a:t>;</a:t>
+            </a:r>
+          </a:p>
+          <a:p>
+            <a:pPr>
+              <a:spcBef>
+                <a:spcPts val="150"/>
+              </a:spcBef>
+              <a:spcAft>
+                <a:spcPts val="150"/>
+              </a:spcAft>
+            </a:pPr>
+            <a:r>
+              <a:rPr lang="en-US" dirty="0">
+                <a:solidFill>
+                  <a:srgbClr val="E50000"/>
+                </a:solidFill>
+                <a:latin typeface="Consolas" panose="020B0609020204030204" pitchFamily="49" charset="0"/>
+              </a:rPr>
+              <a:t>align-content</a:t>
+            </a:r>
+            <a:r>
+              <a:rPr lang="en-US" dirty="0">
+                <a:solidFill>
+                  <a:srgbClr val="000000"/>
+                </a:solidFill>
+                <a:latin typeface="Consolas" panose="020B0609020204030204" pitchFamily="49" charset="0"/>
+              </a:rPr>
+              <a:t>: </a:t>
+            </a:r>
+            <a:r>
+              <a:rPr lang="en-US" dirty="0">
+                <a:solidFill>
+                  <a:srgbClr val="0451A5"/>
+                </a:solidFill>
+                <a:latin typeface="Consolas" panose="020B0609020204030204" pitchFamily="49" charset="0"/>
+              </a:rPr>
+              <a:t>space-evenly</a:t>
+            </a:r>
+            <a:r>
+              <a:rPr lang="en-US" dirty="0">
+                <a:solidFill>
+                  <a:srgbClr val="000000"/>
+                </a:solidFill>
+                <a:latin typeface="Consolas" panose="020B0609020204030204" pitchFamily="49" charset="0"/>
+              </a:rPr>
+              <a:t>;</a:t>
+            </a:r>
+          </a:p>
+          <a:p>
+            <a:pPr>
+              <a:spcBef>
+                <a:spcPts val="150"/>
+              </a:spcBef>
+              <a:spcAft>
+                <a:spcPts val="150"/>
+              </a:spcAft>
+            </a:pPr>
+            <a:r>
+              <a:rPr lang="en-US" dirty="0">
+                <a:solidFill>
+                  <a:srgbClr val="E50000"/>
+                </a:solidFill>
+                <a:latin typeface="Consolas" panose="020B0609020204030204" pitchFamily="49" charset="0"/>
+              </a:rPr>
+              <a:t>align-content</a:t>
+            </a:r>
+            <a:r>
+              <a:rPr lang="en-US" dirty="0">
+                <a:solidFill>
+                  <a:srgbClr val="000000"/>
+                </a:solidFill>
+                <a:latin typeface="Consolas" panose="020B0609020204030204" pitchFamily="49" charset="0"/>
+              </a:rPr>
+              <a:t>: </a:t>
+            </a:r>
+            <a:r>
+              <a:rPr lang="en-US" dirty="0">
+                <a:solidFill>
+                  <a:srgbClr val="0451A5"/>
+                </a:solidFill>
+                <a:latin typeface="Consolas" panose="020B0609020204030204" pitchFamily="49" charset="0"/>
+              </a:rPr>
+              <a:t>space-around</a:t>
+            </a:r>
+            <a:r>
+              <a:rPr lang="en-US" dirty="0">
+                <a:solidFill>
+                  <a:srgbClr val="000000"/>
+                </a:solidFill>
+                <a:latin typeface="Consolas" panose="020B0609020204030204" pitchFamily="49" charset="0"/>
+              </a:rPr>
+              <a:t>;</a:t>
+            </a:r>
+            <a:endParaRPr lang="en-US" b="0" dirty="0">
+              <a:solidFill>
+                <a:srgbClr val="000000"/>
+              </a:solidFill>
+              <a:effectLst/>
+              <a:latin typeface="Consolas" panose="020B0609020204030204" pitchFamily="49" charset="0"/>
+            </a:endParaRPr>
+          </a:p>
+        </p:txBody>
+      </p:sp>
+    </p:spTree>
+    <p:extLst>
+      <p:ext uri="{BB962C8B-B14F-4D97-AF65-F5344CB8AC3E}">
+        <p14:creationId xmlns:p14="http://schemas.microsoft.com/office/powerpoint/2010/main" val="4148404824"/>
+      </p:ext>
+    </p:extLst>
+  </p:cSld>
+  <p:clrMapOvr>
+    <a:masterClrMapping/>
+  </p:clrMapOvr>
+</p:sld>
+</file>
+
+<file path=ppt/slides/slide24.xml><?xml version="1.0" encoding="utf-8"?>
+<p:sld xmlns:a="http://schemas.openxmlformats.org/drawingml/2006/main" xmlns:r="http://schemas.openxmlformats.org/officeDocument/2006/relationships" xmlns:p="http://schemas.openxmlformats.org/presentationml/2006/main">
+  <p:cSld>
+    <p:spTree>
+      <p:nvGrpSpPr>
+        <p:cNvPr id="1" name=""/>
+        <p:cNvGrpSpPr/>
+        <p:nvPr/>
+      </p:nvGrpSpPr>
+      <p:grpSpPr>
+        <a:xfrm>
+          <a:off x="0" y="0"/>
+          <a:ext cx="0" cy="0"/>
+          <a:chOff x="0" y="0"/>
+          <a:chExt cx="0" cy="0"/>
+        </a:xfrm>
+      </p:grpSpPr>
+      <p:sp>
+        <p:nvSpPr>
+          <p:cNvPr id="2" name="Título 1">
+            <a:extLst>
+              <a:ext uri="{FF2B5EF4-FFF2-40B4-BE49-F238E27FC236}">
+                <a16:creationId xmlns:a16="http://schemas.microsoft.com/office/drawing/2014/main" id="{A446544E-287C-4121-A4BC-5D61C021E8ED}"/>
+              </a:ext>
+            </a:extLst>
+          </p:cNvPr>
+          <p:cNvSpPr>
+            <a:spLocks noGrp="1"/>
+          </p:cNvSpPr>
+          <p:nvPr>
+            <p:ph type="title"/>
+          </p:nvPr>
+        </p:nvSpPr>
+        <p:spPr/>
+        <p:txBody>
+          <a:bodyPr/>
+          <a:lstStyle/>
+          <a:p>
+            <a:r>
+              <a:rPr lang="pt-BR" dirty="0"/>
+              <a:t>Pais e Filhos</a:t>
+            </a:r>
+          </a:p>
+        </p:txBody>
+      </p:sp>
+      <p:sp>
+        <p:nvSpPr>
+          <p:cNvPr id="5" name="Retângulo: Cantos Arredondados 4">
+            <a:extLst>
+              <a:ext uri="{FF2B5EF4-FFF2-40B4-BE49-F238E27FC236}">
+                <a16:creationId xmlns:a16="http://schemas.microsoft.com/office/drawing/2014/main" id="{6F102702-86D7-4E96-A0DD-A87B2B9FD480}"/>
+              </a:ext>
+            </a:extLst>
+          </p:cNvPr>
+          <p:cNvSpPr/>
+          <p:nvPr/>
+        </p:nvSpPr>
+        <p:spPr>
+          <a:xfrm>
+            <a:off x="2967038" y="4516345"/>
+            <a:ext cx="6286162" cy="1440000"/>
+          </a:xfrm>
+          <a:prstGeom prst="roundRect">
+            <a:avLst>
+              <a:gd name="adj" fmla="val 8805"/>
+            </a:avLst>
+          </a:prstGeom>
+          <a:solidFill>
+            <a:schemeClr val="bg1"/>
+          </a:solidFill>
+          <a:ln w="19050">
+            <a:solidFill>
+              <a:schemeClr val="tx1">
+                <a:lumMod val="95000"/>
+                <a:lumOff val="5000"/>
+              </a:schemeClr>
+            </a:solidFill>
+          </a:ln>
+        </p:spPr>
+        <p:style>
+          <a:lnRef idx="2">
+            <a:schemeClr val="accent1">
+              <a:shade val="50000"/>
+            </a:schemeClr>
+          </a:lnRef>
+          <a:fillRef idx="1">
+            <a:schemeClr val="accent1"/>
+          </a:fillRef>
+          <a:effectRef idx="0">
+            <a:schemeClr val="accent1"/>
+          </a:effectRef>
+          <a:fontRef idx="minor">
+            <a:schemeClr val="lt1"/>
+          </a:fontRef>
+        </p:style>
+        <p:txBody>
+          <a:bodyPr rtlCol="0" anchor="ctr"/>
+          <a:lstStyle/>
+          <a:p>
+            <a:pPr algn="ctr"/>
+            <a:endParaRPr lang="pt-BR"/>
+          </a:p>
+        </p:txBody>
+      </p:sp>
+      <p:sp>
+        <p:nvSpPr>
+          <p:cNvPr id="6" name="Retângulo: Cantos Arredondados 5">
+            <a:extLst>
+              <a:ext uri="{FF2B5EF4-FFF2-40B4-BE49-F238E27FC236}">
+                <a16:creationId xmlns:a16="http://schemas.microsoft.com/office/drawing/2014/main" id="{C4D18652-A649-407D-A8F6-97FCA6D15568}"/>
+              </a:ext>
+            </a:extLst>
+          </p:cNvPr>
+          <p:cNvSpPr/>
+          <p:nvPr/>
+        </p:nvSpPr>
+        <p:spPr>
+          <a:xfrm>
+            <a:off x="3363683" y="4696345"/>
+            <a:ext cx="1080000" cy="1080000"/>
+          </a:xfrm>
+          <a:prstGeom prst="roundRect">
+            <a:avLst>
+              <a:gd name="adj" fmla="val 8805"/>
+            </a:avLst>
+          </a:prstGeom>
+          <a:solidFill>
+            <a:srgbClr val="FFE7E7"/>
+          </a:solidFill>
+          <a:ln w="19050">
+            <a:solidFill>
+              <a:schemeClr val="tx1">
+                <a:lumMod val="95000"/>
+                <a:lumOff val="5000"/>
+              </a:schemeClr>
+            </a:solidFill>
+          </a:ln>
+        </p:spPr>
+        <p:style>
+          <a:lnRef idx="2">
+            <a:schemeClr val="accent1">
+              <a:shade val="50000"/>
+            </a:schemeClr>
+          </a:lnRef>
+          <a:fillRef idx="1">
+            <a:schemeClr val="accent1"/>
+          </a:fillRef>
+          <a:effectRef idx="0">
+            <a:schemeClr val="accent1"/>
+          </a:effectRef>
+          <a:fontRef idx="minor">
+            <a:schemeClr val="lt1"/>
+          </a:fontRef>
+        </p:style>
+        <p:txBody>
+          <a:bodyPr rtlCol="0" anchor="ctr"/>
+          <a:lstStyle/>
+          <a:p>
+            <a:pPr algn="ctr"/>
+            <a:endParaRPr lang="pt-BR"/>
+          </a:p>
+        </p:txBody>
+      </p:sp>
+      <p:sp>
+        <p:nvSpPr>
+          <p:cNvPr id="7" name="Retângulo: Cantos Arredondados 6">
+            <a:extLst>
+              <a:ext uri="{FF2B5EF4-FFF2-40B4-BE49-F238E27FC236}">
+                <a16:creationId xmlns:a16="http://schemas.microsoft.com/office/drawing/2014/main" id="{C65F4171-79B8-4412-A273-A9157D61108D}"/>
+              </a:ext>
+            </a:extLst>
+          </p:cNvPr>
+          <p:cNvSpPr/>
+          <p:nvPr/>
+        </p:nvSpPr>
+        <p:spPr>
+          <a:xfrm>
+            <a:off x="4830322" y="4696345"/>
+            <a:ext cx="1080000" cy="1080000"/>
+          </a:xfrm>
+          <a:prstGeom prst="roundRect">
+            <a:avLst>
+              <a:gd name="adj" fmla="val 8805"/>
+            </a:avLst>
+          </a:prstGeom>
+          <a:solidFill>
+            <a:srgbClr val="FFE7E7"/>
+          </a:solidFill>
+          <a:ln w="19050">
+            <a:solidFill>
+              <a:schemeClr val="tx1">
+                <a:lumMod val="95000"/>
+                <a:lumOff val="5000"/>
+              </a:schemeClr>
+            </a:solidFill>
+          </a:ln>
+        </p:spPr>
+        <p:style>
+          <a:lnRef idx="2">
+            <a:schemeClr val="accent1">
+              <a:shade val="50000"/>
+            </a:schemeClr>
+          </a:lnRef>
+          <a:fillRef idx="1">
+            <a:schemeClr val="accent1"/>
+          </a:fillRef>
+          <a:effectRef idx="0">
+            <a:schemeClr val="accent1"/>
+          </a:effectRef>
+          <a:fontRef idx="minor">
+            <a:schemeClr val="lt1"/>
+          </a:fontRef>
+        </p:style>
+        <p:txBody>
+          <a:bodyPr rtlCol="0" anchor="ctr"/>
+          <a:lstStyle/>
+          <a:p>
+            <a:pPr algn="ctr"/>
+            <a:endParaRPr lang="pt-BR"/>
+          </a:p>
+        </p:txBody>
+      </p:sp>
+      <p:sp>
+        <p:nvSpPr>
+          <p:cNvPr id="8" name="Retângulo: Cantos Arredondados 7">
+            <a:extLst>
+              <a:ext uri="{FF2B5EF4-FFF2-40B4-BE49-F238E27FC236}">
+                <a16:creationId xmlns:a16="http://schemas.microsoft.com/office/drawing/2014/main" id="{53AA35DD-B640-425D-922D-66C5BC4B99BF}"/>
+              </a:ext>
+            </a:extLst>
+          </p:cNvPr>
+          <p:cNvSpPr/>
+          <p:nvPr/>
+        </p:nvSpPr>
+        <p:spPr>
+          <a:xfrm>
+            <a:off x="6308442" y="4696345"/>
+            <a:ext cx="1080000" cy="1080000"/>
+          </a:xfrm>
+          <a:prstGeom prst="roundRect">
+            <a:avLst>
+              <a:gd name="adj" fmla="val 8805"/>
+            </a:avLst>
+          </a:prstGeom>
+          <a:solidFill>
+            <a:srgbClr val="FFE7E7"/>
+          </a:solidFill>
+          <a:ln w="19050">
+            <a:solidFill>
+              <a:schemeClr val="tx1">
+                <a:lumMod val="95000"/>
+                <a:lumOff val="5000"/>
+              </a:schemeClr>
+            </a:solidFill>
+          </a:ln>
+        </p:spPr>
+        <p:style>
+          <a:lnRef idx="2">
+            <a:schemeClr val="accent1">
+              <a:shade val="50000"/>
+            </a:schemeClr>
+          </a:lnRef>
+          <a:fillRef idx="1">
+            <a:schemeClr val="accent1"/>
+          </a:fillRef>
+          <a:effectRef idx="0">
+            <a:schemeClr val="accent1"/>
+          </a:effectRef>
+          <a:fontRef idx="minor">
+            <a:schemeClr val="lt1"/>
+          </a:fontRef>
+        </p:style>
+        <p:txBody>
+          <a:bodyPr rtlCol="0" anchor="ctr"/>
+          <a:lstStyle/>
+          <a:p>
+            <a:pPr algn="ctr"/>
+            <a:endParaRPr lang="pt-BR"/>
+          </a:p>
+        </p:txBody>
+      </p:sp>
+      <p:sp>
+        <p:nvSpPr>
+          <p:cNvPr id="9" name="Retângulo: Cantos Arredondados 8">
+            <a:extLst>
+              <a:ext uri="{FF2B5EF4-FFF2-40B4-BE49-F238E27FC236}">
+                <a16:creationId xmlns:a16="http://schemas.microsoft.com/office/drawing/2014/main" id="{B4B592B0-BDE2-4DFC-B65F-652F058DFA6B}"/>
+              </a:ext>
+            </a:extLst>
+          </p:cNvPr>
+          <p:cNvSpPr/>
+          <p:nvPr/>
+        </p:nvSpPr>
+        <p:spPr>
+          <a:xfrm>
+            <a:off x="7780821" y="4696345"/>
+            <a:ext cx="1080000" cy="1080000"/>
+          </a:xfrm>
+          <a:prstGeom prst="roundRect">
+            <a:avLst>
+              <a:gd name="adj" fmla="val 8805"/>
+            </a:avLst>
+          </a:prstGeom>
+          <a:solidFill>
+            <a:srgbClr val="FFE7E7"/>
+          </a:solidFill>
+          <a:ln w="19050">
+            <a:solidFill>
+              <a:schemeClr val="tx1">
+                <a:lumMod val="95000"/>
+                <a:lumOff val="5000"/>
+              </a:schemeClr>
+            </a:solidFill>
+          </a:ln>
+        </p:spPr>
+        <p:style>
+          <a:lnRef idx="2">
+            <a:schemeClr val="accent1">
+              <a:shade val="50000"/>
+            </a:schemeClr>
+          </a:lnRef>
+          <a:fillRef idx="1">
+            <a:schemeClr val="accent1"/>
+          </a:fillRef>
+          <a:effectRef idx="0">
+            <a:schemeClr val="accent1"/>
+          </a:effectRef>
+          <a:fontRef idx="minor">
+            <a:schemeClr val="lt1"/>
+          </a:fontRef>
+        </p:style>
+        <p:txBody>
+          <a:bodyPr rtlCol="0" anchor="ctr"/>
+          <a:lstStyle/>
+          <a:p>
+            <a:pPr algn="ctr"/>
+            <a:endParaRPr lang="pt-BR"/>
+          </a:p>
+        </p:txBody>
+      </p:sp>
+      <p:cxnSp>
+        <p:nvCxnSpPr>
+          <p:cNvPr id="10" name="Conector de Seta Reta 9">
+            <a:extLst>
+              <a:ext uri="{FF2B5EF4-FFF2-40B4-BE49-F238E27FC236}">
+                <a16:creationId xmlns:a16="http://schemas.microsoft.com/office/drawing/2014/main" id="{18BAE176-30E5-4BBB-9837-F1D090F11B61}"/>
+              </a:ext>
+            </a:extLst>
+          </p:cNvPr>
+          <p:cNvCxnSpPr>
+            <a:cxnSpLocks/>
+            <a:endCxn id="11" idx="2"/>
+          </p:cNvCxnSpPr>
+          <p:nvPr/>
+        </p:nvCxnSpPr>
+        <p:spPr>
+          <a:xfrm flipH="1" flipV="1">
+            <a:off x="1923408" y="5063328"/>
+            <a:ext cx="1053636" cy="536283"/>
+          </a:xfrm>
+          <a:prstGeom prst="straightConnector1">
+            <a:avLst/>
+          </a:prstGeom>
+          <a:ln w="19050">
+            <a:solidFill>
+              <a:schemeClr val="tx1">
+                <a:lumMod val="85000"/>
+                <a:lumOff val="15000"/>
+              </a:schemeClr>
+            </a:solidFill>
+            <a:tailEnd type="triangle"/>
+          </a:ln>
+        </p:spPr>
+        <p:style>
+          <a:lnRef idx="1">
+            <a:schemeClr val="accent1"/>
+          </a:lnRef>
+          <a:fillRef idx="0">
+            <a:schemeClr val="accent1"/>
+          </a:fillRef>
+          <a:effectRef idx="0">
+            <a:schemeClr val="accent1"/>
+          </a:effectRef>
+          <a:fontRef idx="minor">
+            <a:schemeClr val="tx1"/>
+          </a:fontRef>
+        </p:style>
+      </p:cxnSp>
+      <p:sp>
+        <p:nvSpPr>
+          <p:cNvPr id="11" name="CaixaDeTexto 10">
+            <a:extLst>
+              <a:ext uri="{FF2B5EF4-FFF2-40B4-BE49-F238E27FC236}">
+                <a16:creationId xmlns:a16="http://schemas.microsoft.com/office/drawing/2014/main" id="{DC14E813-E85E-414B-B296-026870933715}"/>
+              </a:ext>
+            </a:extLst>
+          </p:cNvPr>
+          <p:cNvSpPr txBox="1"/>
+          <p:nvPr/>
+        </p:nvSpPr>
+        <p:spPr>
+          <a:xfrm>
+            <a:off x="1077663" y="4693996"/>
+            <a:ext cx="1691489" cy="369332"/>
+          </a:xfrm>
+          <a:prstGeom prst="rect">
+            <a:avLst/>
+          </a:prstGeom>
+          <a:noFill/>
+        </p:spPr>
+        <p:txBody>
+          <a:bodyPr wrap="none" rtlCol="0">
+            <a:spAutoFit/>
+          </a:bodyPr>
+          <a:lstStyle/>
+          <a:p>
+            <a:r>
+              <a:rPr lang="pt-BR" dirty="0">
+                <a:latin typeface="Times New Roman" panose="02020603050405020304" pitchFamily="18" charset="0"/>
+                <a:ea typeface="Tahoma" panose="020B0604030504040204" pitchFamily="34" charset="0"/>
+                <a:cs typeface="Times New Roman" panose="02020603050405020304" pitchFamily="18" charset="0"/>
+              </a:rPr>
+              <a:t>Container (Pais)</a:t>
+            </a:r>
+          </a:p>
+        </p:txBody>
+      </p:sp>
+      <p:sp>
+        <p:nvSpPr>
+          <p:cNvPr id="15" name="CaixaDeTexto 14">
+            <a:extLst>
+              <a:ext uri="{FF2B5EF4-FFF2-40B4-BE49-F238E27FC236}">
+                <a16:creationId xmlns:a16="http://schemas.microsoft.com/office/drawing/2014/main" id="{BCD91C93-77D3-4389-93E0-162F09CF2AED}"/>
+              </a:ext>
+            </a:extLst>
+          </p:cNvPr>
+          <p:cNvSpPr txBox="1"/>
+          <p:nvPr/>
+        </p:nvSpPr>
+        <p:spPr>
+          <a:xfrm>
+            <a:off x="5485474" y="4018517"/>
+            <a:ext cx="1396536" cy="369332"/>
+          </a:xfrm>
+          <a:prstGeom prst="rect">
+            <a:avLst/>
+          </a:prstGeom>
+          <a:noFill/>
+        </p:spPr>
+        <p:txBody>
+          <a:bodyPr wrap="none" rtlCol="0">
+            <a:spAutoFit/>
+          </a:bodyPr>
+          <a:lstStyle/>
+          <a:p>
+            <a:r>
+              <a:rPr lang="pt-BR" dirty="0">
+                <a:latin typeface="Times New Roman" panose="02020603050405020304" pitchFamily="18" charset="0"/>
+                <a:ea typeface="Tahoma" panose="020B0604030504040204" pitchFamily="34" charset="0"/>
+                <a:cs typeface="Times New Roman" panose="02020603050405020304" pitchFamily="18" charset="0"/>
+              </a:rPr>
+              <a:t>Item (Filhos)</a:t>
+            </a:r>
+          </a:p>
+        </p:txBody>
+      </p:sp>
+      <p:cxnSp>
+        <p:nvCxnSpPr>
+          <p:cNvPr id="19" name="Conector de Seta Reta 18">
+            <a:extLst>
+              <a:ext uri="{FF2B5EF4-FFF2-40B4-BE49-F238E27FC236}">
+                <a16:creationId xmlns:a16="http://schemas.microsoft.com/office/drawing/2014/main" id="{CA2F1F6C-493E-48EC-B407-1E81FC8D061F}"/>
+              </a:ext>
+            </a:extLst>
+          </p:cNvPr>
+          <p:cNvCxnSpPr>
+            <a:endCxn id="15" idx="2"/>
+          </p:cNvCxnSpPr>
+          <p:nvPr/>
+        </p:nvCxnSpPr>
+        <p:spPr>
+          <a:xfrm flipV="1">
+            <a:off x="5476766" y="4387849"/>
+            <a:ext cx="706976" cy="806325"/>
+          </a:xfrm>
+          <a:prstGeom prst="straightConnector1">
+            <a:avLst/>
+          </a:prstGeom>
+          <a:ln w="19050">
+            <a:solidFill>
+              <a:schemeClr val="tx1">
+                <a:lumMod val="85000"/>
+                <a:lumOff val="15000"/>
+              </a:schemeClr>
+            </a:solidFill>
+            <a:tailEnd type="triangle"/>
+          </a:ln>
+        </p:spPr>
+        <p:style>
+          <a:lnRef idx="1">
+            <a:schemeClr val="accent1"/>
+          </a:lnRef>
+          <a:fillRef idx="0">
+            <a:schemeClr val="accent1"/>
+          </a:fillRef>
+          <a:effectRef idx="0">
+            <a:schemeClr val="accent1"/>
+          </a:effectRef>
+          <a:fontRef idx="minor">
+            <a:schemeClr val="tx1"/>
+          </a:fontRef>
+        </p:style>
+      </p:cxnSp>
+      <p:cxnSp>
+        <p:nvCxnSpPr>
+          <p:cNvPr id="21" name="Conector de Seta Reta 20">
+            <a:extLst>
+              <a:ext uri="{FF2B5EF4-FFF2-40B4-BE49-F238E27FC236}">
+                <a16:creationId xmlns:a16="http://schemas.microsoft.com/office/drawing/2014/main" id="{1743C92A-E1DD-4FE9-B422-9DC215124BBC}"/>
+              </a:ext>
+            </a:extLst>
+          </p:cNvPr>
+          <p:cNvCxnSpPr>
+            <a:cxnSpLocks/>
+            <a:endCxn id="15" idx="2"/>
+          </p:cNvCxnSpPr>
+          <p:nvPr/>
+        </p:nvCxnSpPr>
+        <p:spPr>
+          <a:xfrm flipH="1" flipV="1">
+            <a:off x="6183742" y="4387849"/>
+            <a:ext cx="524437" cy="806325"/>
+          </a:xfrm>
+          <a:prstGeom prst="straightConnector1">
+            <a:avLst/>
+          </a:prstGeom>
+          <a:ln w="19050">
+            <a:solidFill>
+              <a:schemeClr val="tx1">
+                <a:lumMod val="85000"/>
+                <a:lumOff val="15000"/>
+              </a:schemeClr>
+            </a:solidFill>
+            <a:tailEnd type="triangle"/>
+          </a:ln>
+        </p:spPr>
+        <p:style>
+          <a:lnRef idx="1">
+            <a:schemeClr val="accent1"/>
+          </a:lnRef>
+          <a:fillRef idx="0">
+            <a:schemeClr val="accent1"/>
+          </a:fillRef>
+          <a:effectRef idx="0">
+            <a:schemeClr val="accent1"/>
+          </a:effectRef>
+          <a:fontRef idx="minor">
+            <a:schemeClr val="tx1"/>
+          </a:fontRef>
+        </p:style>
+      </p:cxnSp>
+      <p:sp>
+        <p:nvSpPr>
+          <p:cNvPr id="25" name="Espaço Reservado para Conteúdo 2">
+            <a:extLst>
+              <a:ext uri="{FF2B5EF4-FFF2-40B4-BE49-F238E27FC236}">
+                <a16:creationId xmlns:a16="http://schemas.microsoft.com/office/drawing/2014/main" id="{EE9F7F15-5B71-42C0-9C8C-3844AB8F1566}"/>
+              </a:ext>
+            </a:extLst>
+          </p:cNvPr>
+          <p:cNvSpPr>
+            <a:spLocks noGrp="1"/>
+          </p:cNvSpPr>
+          <p:nvPr>
+            <p:ph idx="1"/>
+          </p:nvPr>
+        </p:nvSpPr>
+        <p:spPr>
+          <a:xfrm>
+            <a:off x="592347" y="1844675"/>
+            <a:ext cx="11007306" cy="1584325"/>
+          </a:xfrm>
+        </p:spPr>
+        <p:txBody>
+          <a:bodyPr/>
+          <a:lstStyle/>
+          <a:p>
+            <a:r>
+              <a:rPr lang="pt-BR" dirty="0"/>
+              <a:t>No </a:t>
+            </a:r>
+            <a:r>
+              <a:rPr lang="pt-BR" dirty="0" err="1"/>
+              <a:t>Flexbox</a:t>
+            </a:r>
+            <a:r>
+              <a:rPr lang="pt-BR" dirty="0"/>
+              <a:t>, os elementos são divididos em dois tipos principais:</a:t>
+            </a:r>
+          </a:p>
+          <a:p>
+            <a:pPr marL="1028700" lvl="1" indent="-342900"/>
+            <a:r>
+              <a:rPr lang="pt-BR" dirty="0"/>
+              <a:t>Container (PAI) – O elemento que recebe display: </a:t>
+            </a:r>
+            <a:r>
+              <a:rPr lang="pt-BR" dirty="0" err="1"/>
+              <a:t>flex</a:t>
+            </a:r>
+            <a:r>
+              <a:rPr lang="pt-BR" dirty="0"/>
+              <a:t>; e controla o layout dos itens internos.</a:t>
+            </a:r>
+          </a:p>
+          <a:p>
+            <a:pPr marL="1028700" lvl="1" indent="-342900"/>
+            <a:r>
+              <a:rPr lang="pt-BR" dirty="0"/>
+              <a:t>Itens (FILHOS) – Elementos dentro do container, que são organizados de acordo com as regras do </a:t>
+            </a:r>
+            <a:r>
+              <a:rPr lang="pt-BR" dirty="0" err="1"/>
+              <a:t>Flexbox</a:t>
+            </a:r>
+            <a:r>
+              <a:rPr lang="pt-BR" dirty="0"/>
+              <a:t>.</a:t>
+            </a:r>
+          </a:p>
+        </p:txBody>
+      </p:sp>
+    </p:spTree>
+    <p:extLst>
+      <p:ext uri="{BB962C8B-B14F-4D97-AF65-F5344CB8AC3E}">
+        <p14:creationId xmlns:p14="http://schemas.microsoft.com/office/powerpoint/2010/main" val="1042125539"/>
+      </p:ext>
+    </p:extLst>
+  </p:cSld>
+  <p:clrMapOvr>
+    <a:masterClrMapping/>
+  </p:clrMapOvr>
+</p:sld>
+</file>
+
+<file path=ppt/slides/slide25.xml><?xml version="1.0" encoding="utf-8"?>
+<p:sld xmlns:a="http://schemas.openxmlformats.org/drawingml/2006/main" xmlns:r="http://schemas.openxmlformats.org/officeDocument/2006/relationships" xmlns:p="http://schemas.openxmlformats.org/presentationml/2006/main">
+  <p:cSld>
+    <p:spTree>
+      <p:nvGrpSpPr>
+        <p:cNvPr id="1" name=""/>
+        <p:cNvGrpSpPr/>
+        <p:nvPr/>
+      </p:nvGrpSpPr>
+      <p:grpSpPr>
+        <a:xfrm>
+          <a:off x="0" y="0"/>
+          <a:ext cx="0" cy="0"/>
+          <a:chOff x="0" y="0"/>
+          <a:chExt cx="0" cy="0"/>
+        </a:xfrm>
+      </p:grpSpPr>
+      <p:sp>
+        <p:nvSpPr>
+          <p:cNvPr id="2" name="Título 1">
+            <a:extLst>
+              <a:ext uri="{FF2B5EF4-FFF2-40B4-BE49-F238E27FC236}">
+                <a16:creationId xmlns:a16="http://schemas.microsoft.com/office/drawing/2014/main" id="{2F4CAF33-753A-47C6-B573-8F420D33141E}"/>
+              </a:ext>
+            </a:extLst>
+          </p:cNvPr>
+          <p:cNvSpPr>
+            <a:spLocks noGrp="1"/>
+          </p:cNvSpPr>
+          <p:nvPr>
+            <p:ph type="title"/>
+          </p:nvPr>
+        </p:nvSpPr>
+        <p:spPr/>
+        <p:txBody>
+          <a:bodyPr/>
+          <a:lstStyle/>
+          <a:p>
+            <a:r>
+              <a:rPr lang="pt-BR" dirty="0"/>
+              <a:t>Flex-</a:t>
+            </a:r>
+            <a:r>
+              <a:rPr lang="pt-BR" dirty="0" err="1"/>
+              <a:t>basis</a:t>
+            </a:r>
+            <a:endParaRPr lang="pt-BR" dirty="0"/>
+          </a:p>
+        </p:txBody>
+      </p:sp>
+      <p:sp>
+        <p:nvSpPr>
+          <p:cNvPr id="3" name="Espaço Reservado para Conteúdo 2">
+            <a:extLst>
+              <a:ext uri="{FF2B5EF4-FFF2-40B4-BE49-F238E27FC236}">
+                <a16:creationId xmlns:a16="http://schemas.microsoft.com/office/drawing/2014/main" id="{A1B5C375-5823-4A84-9A33-37DC8AEBD827}"/>
+              </a:ext>
+            </a:extLst>
+          </p:cNvPr>
+          <p:cNvSpPr>
+            <a:spLocks noGrp="1"/>
+          </p:cNvSpPr>
+          <p:nvPr>
+            <p:ph idx="1"/>
+          </p:nvPr>
+        </p:nvSpPr>
+        <p:spPr>
+          <a:xfrm>
+            <a:off x="592347" y="1844675"/>
+            <a:ext cx="11007306" cy="1250950"/>
+          </a:xfrm>
+        </p:spPr>
+        <p:txBody>
+          <a:bodyPr/>
+          <a:lstStyle/>
+          <a:p>
+            <a:r>
+              <a:rPr lang="pt-BR" dirty="0"/>
+              <a:t>O </a:t>
+            </a:r>
+            <a:r>
+              <a:rPr lang="pt-BR" dirty="0" err="1"/>
+              <a:t>flex-basis</a:t>
+            </a:r>
+            <a:r>
+              <a:rPr lang="pt-BR" dirty="0"/>
+              <a:t> define o tamanho inicial de um item flexível antes de qualquer distribuição de espaço extra pelo </a:t>
+            </a:r>
+            <a:r>
+              <a:rPr lang="pt-BR" dirty="0" err="1"/>
+              <a:t>flex-grow</a:t>
+            </a:r>
+            <a:r>
+              <a:rPr lang="pt-BR" dirty="0"/>
+              <a:t> ou </a:t>
+            </a:r>
+            <a:r>
+              <a:rPr lang="pt-BR" dirty="0" err="1"/>
+              <a:t>flex-shrink</a:t>
+            </a:r>
+            <a:r>
+              <a:rPr lang="pt-BR" dirty="0"/>
+              <a:t>. Ele pode ser definido em pixels (</a:t>
+            </a:r>
+            <a:r>
+              <a:rPr lang="pt-BR" dirty="0" err="1"/>
+              <a:t>px</a:t>
+            </a:r>
+            <a:r>
+              <a:rPr lang="pt-BR" dirty="0"/>
+              <a:t>), porcentagem (%), auto, entre outros.</a:t>
+            </a:r>
+          </a:p>
+        </p:txBody>
+      </p:sp>
+      <p:sp>
+        <p:nvSpPr>
+          <p:cNvPr id="6" name="Retângulo: Cantos Arredondados 5">
+            <a:extLst>
+              <a:ext uri="{FF2B5EF4-FFF2-40B4-BE49-F238E27FC236}">
+                <a16:creationId xmlns:a16="http://schemas.microsoft.com/office/drawing/2014/main" id="{30E19BD2-8C89-46E2-950C-35D9B15E4278}"/>
+              </a:ext>
+            </a:extLst>
+          </p:cNvPr>
+          <p:cNvSpPr/>
+          <p:nvPr/>
+        </p:nvSpPr>
+        <p:spPr>
+          <a:xfrm>
+            <a:off x="6357615" y="4286838"/>
+            <a:ext cx="5242040" cy="1080000"/>
+          </a:xfrm>
+          <a:prstGeom prst="roundRect">
+            <a:avLst>
+              <a:gd name="adj" fmla="val 8805"/>
+            </a:avLst>
+          </a:prstGeom>
+          <a:solidFill>
+            <a:schemeClr val="bg1"/>
+          </a:solidFill>
+          <a:ln w="19050">
+            <a:solidFill>
+              <a:schemeClr val="tx1">
+                <a:lumMod val="95000"/>
+                <a:lumOff val="5000"/>
+              </a:schemeClr>
+            </a:solidFill>
+          </a:ln>
+        </p:spPr>
+        <p:style>
+          <a:lnRef idx="2">
+            <a:schemeClr val="accent1">
+              <a:shade val="50000"/>
+            </a:schemeClr>
+          </a:lnRef>
+          <a:fillRef idx="1">
+            <a:schemeClr val="accent1"/>
+          </a:fillRef>
+          <a:effectRef idx="0">
+            <a:schemeClr val="accent1"/>
+          </a:effectRef>
+          <a:fontRef idx="minor">
+            <a:schemeClr val="lt1"/>
+          </a:fontRef>
+        </p:style>
+        <p:txBody>
+          <a:bodyPr rtlCol="0" anchor="ctr"/>
+          <a:lstStyle/>
+          <a:p>
+            <a:pPr algn="ctr"/>
+            <a:endParaRPr lang="pt-BR"/>
+          </a:p>
+        </p:txBody>
+      </p:sp>
+      <p:sp>
+        <p:nvSpPr>
+          <p:cNvPr id="7" name="Retângulo: Cantos Arredondados 6">
+            <a:extLst>
+              <a:ext uri="{FF2B5EF4-FFF2-40B4-BE49-F238E27FC236}">
+                <a16:creationId xmlns:a16="http://schemas.microsoft.com/office/drawing/2014/main" id="{1C193C3C-446D-43EC-AECA-2EE7006BA1E3}"/>
+              </a:ext>
+            </a:extLst>
+          </p:cNvPr>
+          <p:cNvSpPr/>
+          <p:nvPr/>
+        </p:nvSpPr>
+        <p:spPr>
+          <a:xfrm>
+            <a:off x="6842028" y="4421838"/>
+            <a:ext cx="1080000" cy="810000"/>
+          </a:xfrm>
+          <a:prstGeom prst="roundRect">
+            <a:avLst>
+              <a:gd name="adj" fmla="val 8805"/>
+            </a:avLst>
+          </a:prstGeom>
+          <a:solidFill>
+            <a:srgbClr val="043073"/>
+          </a:solidFill>
+          <a:ln w="19050">
+            <a:solidFill>
+              <a:schemeClr val="tx1">
+                <a:lumMod val="95000"/>
+                <a:lumOff val="5000"/>
+              </a:schemeClr>
+            </a:solidFill>
+          </a:ln>
+        </p:spPr>
+        <p:style>
+          <a:lnRef idx="2">
+            <a:schemeClr val="accent1">
+              <a:shade val="50000"/>
+            </a:schemeClr>
+          </a:lnRef>
+          <a:fillRef idx="1">
+            <a:schemeClr val="accent1"/>
+          </a:fillRef>
+          <a:effectRef idx="0">
+            <a:schemeClr val="accent1"/>
+          </a:effectRef>
+          <a:fontRef idx="minor">
+            <a:schemeClr val="lt1"/>
+          </a:fontRef>
+        </p:style>
+        <p:txBody>
+          <a:bodyPr rtlCol="0" anchor="ctr"/>
+          <a:lstStyle/>
+          <a:p>
+            <a:pPr algn="ctr"/>
+            <a:r>
+              <a:rPr lang="pt-BR" dirty="0"/>
+              <a:t>1</a:t>
+            </a:r>
+          </a:p>
+        </p:txBody>
+      </p:sp>
+      <p:sp>
+        <p:nvSpPr>
+          <p:cNvPr id="8" name="Retângulo: Cantos Arredondados 7">
+            <a:extLst>
+              <a:ext uri="{FF2B5EF4-FFF2-40B4-BE49-F238E27FC236}">
+                <a16:creationId xmlns:a16="http://schemas.microsoft.com/office/drawing/2014/main" id="{53AD1BC7-0880-4F1C-B834-892633DD3687}"/>
+              </a:ext>
+            </a:extLst>
+          </p:cNvPr>
+          <p:cNvSpPr/>
+          <p:nvPr/>
+        </p:nvSpPr>
+        <p:spPr>
+          <a:xfrm>
+            <a:off x="8422911" y="4421838"/>
+            <a:ext cx="1080000" cy="810000"/>
+          </a:xfrm>
+          <a:prstGeom prst="roundRect">
+            <a:avLst>
+              <a:gd name="adj" fmla="val 8805"/>
+            </a:avLst>
+          </a:prstGeom>
+          <a:solidFill>
+            <a:srgbClr val="043073"/>
+          </a:solidFill>
+          <a:ln w="19050">
+            <a:solidFill>
+              <a:schemeClr val="tx1">
+                <a:lumMod val="95000"/>
+                <a:lumOff val="5000"/>
+              </a:schemeClr>
+            </a:solidFill>
+          </a:ln>
+        </p:spPr>
+        <p:style>
+          <a:lnRef idx="2">
+            <a:schemeClr val="accent1">
+              <a:shade val="50000"/>
+            </a:schemeClr>
+          </a:lnRef>
+          <a:fillRef idx="1">
+            <a:schemeClr val="accent1"/>
+          </a:fillRef>
+          <a:effectRef idx="0">
+            <a:schemeClr val="accent1"/>
+          </a:effectRef>
+          <a:fontRef idx="minor">
+            <a:schemeClr val="lt1"/>
+          </a:fontRef>
+        </p:style>
+        <p:txBody>
+          <a:bodyPr rtlCol="0" anchor="ctr"/>
+          <a:lstStyle/>
+          <a:p>
+            <a:pPr algn="ctr"/>
+            <a:r>
+              <a:rPr lang="pt-BR" dirty="0"/>
+              <a:t>22222</a:t>
+            </a:r>
+          </a:p>
+        </p:txBody>
+      </p:sp>
+      <p:sp>
+        <p:nvSpPr>
+          <p:cNvPr id="9" name="Retângulo: Cantos Arredondados 8">
+            <a:extLst>
+              <a:ext uri="{FF2B5EF4-FFF2-40B4-BE49-F238E27FC236}">
+                <a16:creationId xmlns:a16="http://schemas.microsoft.com/office/drawing/2014/main" id="{788462D3-329E-4F50-BF13-13D19DEB255A}"/>
+              </a:ext>
+            </a:extLst>
+          </p:cNvPr>
+          <p:cNvSpPr/>
+          <p:nvPr/>
+        </p:nvSpPr>
+        <p:spPr>
+          <a:xfrm>
+            <a:off x="10003794" y="4421838"/>
+            <a:ext cx="1080000" cy="810000"/>
+          </a:xfrm>
+          <a:prstGeom prst="roundRect">
+            <a:avLst>
+              <a:gd name="adj" fmla="val 8805"/>
+            </a:avLst>
+          </a:prstGeom>
+          <a:solidFill>
+            <a:srgbClr val="043073"/>
+          </a:solidFill>
+          <a:ln w="19050">
+            <a:solidFill>
+              <a:schemeClr val="tx1">
+                <a:lumMod val="95000"/>
+                <a:lumOff val="5000"/>
+              </a:schemeClr>
+            </a:solidFill>
+          </a:ln>
+        </p:spPr>
+        <p:style>
+          <a:lnRef idx="2">
+            <a:schemeClr val="accent1">
+              <a:shade val="50000"/>
+            </a:schemeClr>
+          </a:lnRef>
+          <a:fillRef idx="1">
+            <a:schemeClr val="accent1"/>
+          </a:fillRef>
+          <a:effectRef idx="0">
+            <a:schemeClr val="accent1"/>
+          </a:effectRef>
+          <a:fontRef idx="minor">
+            <a:schemeClr val="lt1"/>
+          </a:fontRef>
+        </p:style>
+        <p:txBody>
+          <a:bodyPr rtlCol="0" anchor="ctr"/>
+          <a:lstStyle/>
+          <a:p>
+            <a:pPr algn="ctr"/>
+            <a:r>
+              <a:rPr lang="pt-BR" dirty="0"/>
+              <a:t>3</a:t>
+            </a:r>
+          </a:p>
+        </p:txBody>
+      </p:sp>
+      <p:sp>
+        <p:nvSpPr>
+          <p:cNvPr id="12" name="CaixaDeTexto 11">
+            <a:extLst>
+              <a:ext uri="{FF2B5EF4-FFF2-40B4-BE49-F238E27FC236}">
+                <a16:creationId xmlns:a16="http://schemas.microsoft.com/office/drawing/2014/main" id="{CCAFFE00-6904-4F40-A85A-09A0ABC52ABF}"/>
+              </a:ext>
+            </a:extLst>
+          </p:cNvPr>
+          <p:cNvSpPr txBox="1"/>
+          <p:nvPr/>
+        </p:nvSpPr>
+        <p:spPr>
+          <a:xfrm>
+            <a:off x="8030898" y="3850006"/>
+            <a:ext cx="1895474" cy="369332"/>
+          </a:xfrm>
+          <a:prstGeom prst="rect">
+            <a:avLst/>
+          </a:prstGeom>
+          <a:noFill/>
+        </p:spPr>
+        <p:txBody>
+          <a:bodyPr wrap="square" rtlCol="0">
+            <a:spAutoFit/>
+          </a:bodyPr>
+          <a:lstStyle/>
+          <a:p>
+            <a:pPr algn="ctr"/>
+            <a:r>
+              <a:rPr lang="pt-BR" dirty="0" err="1">
+                <a:latin typeface="Times New Roman" panose="02020603050405020304" pitchFamily="18" charset="0"/>
+                <a:cs typeface="Times New Roman" panose="02020603050405020304" pitchFamily="18" charset="0"/>
+              </a:rPr>
+              <a:t>flex-basis</a:t>
+            </a:r>
+            <a:r>
+              <a:rPr lang="pt-BR" dirty="0">
+                <a:latin typeface="Times New Roman" panose="02020603050405020304" pitchFamily="18" charset="0"/>
+                <a:cs typeface="Times New Roman" panose="02020603050405020304" pitchFamily="18" charset="0"/>
+              </a:rPr>
+              <a:t>: 200px</a:t>
+            </a:r>
+          </a:p>
+        </p:txBody>
+      </p:sp>
+      <p:sp>
+        <p:nvSpPr>
+          <p:cNvPr id="13" name="CaixaDeTexto 12">
+            <a:extLst>
+              <a:ext uri="{FF2B5EF4-FFF2-40B4-BE49-F238E27FC236}">
+                <a16:creationId xmlns:a16="http://schemas.microsoft.com/office/drawing/2014/main" id="{AEA5E8FD-370D-4A30-A0A8-2E5D2ED5F06A}"/>
+              </a:ext>
+            </a:extLst>
+          </p:cNvPr>
+          <p:cNvSpPr txBox="1"/>
+          <p:nvPr/>
+        </p:nvSpPr>
+        <p:spPr>
+          <a:xfrm>
+            <a:off x="7829803" y="5434338"/>
+            <a:ext cx="2297663" cy="584775"/>
+          </a:xfrm>
+          <a:prstGeom prst="rect">
+            <a:avLst/>
+          </a:prstGeom>
+          <a:noFill/>
+        </p:spPr>
+        <p:txBody>
+          <a:bodyPr wrap="square" rtlCol="0">
+            <a:spAutoFit/>
+          </a:bodyPr>
+          <a:lstStyle/>
+          <a:p>
+            <a:pPr algn="ctr"/>
+            <a:r>
+              <a:rPr lang="pt-BR" sz="1600" dirty="0">
+                <a:latin typeface="Times New Roman" panose="02020603050405020304" pitchFamily="18" charset="0"/>
+                <a:cs typeface="Times New Roman" panose="02020603050405020304" pitchFamily="18" charset="0"/>
+              </a:rPr>
+              <a:t>Padroniza de acordo com o valor estabelecido</a:t>
+            </a:r>
+          </a:p>
+        </p:txBody>
+      </p:sp>
+      <p:grpSp>
+        <p:nvGrpSpPr>
+          <p:cNvPr id="24" name="Agrupar 23">
+            <a:extLst>
+              <a:ext uri="{FF2B5EF4-FFF2-40B4-BE49-F238E27FC236}">
+                <a16:creationId xmlns:a16="http://schemas.microsoft.com/office/drawing/2014/main" id="{39B9D842-ADF1-4CFF-ADC6-A6A912DD0A2B}"/>
+              </a:ext>
+            </a:extLst>
+          </p:cNvPr>
+          <p:cNvGrpSpPr/>
+          <p:nvPr/>
+        </p:nvGrpSpPr>
+        <p:grpSpPr>
+          <a:xfrm>
+            <a:off x="592346" y="3850006"/>
+            <a:ext cx="5242040" cy="2153574"/>
+            <a:chOff x="592347" y="3266286"/>
+            <a:chExt cx="5242040" cy="2153574"/>
+          </a:xfrm>
+        </p:grpSpPr>
+        <p:sp>
+          <p:nvSpPr>
+            <p:cNvPr id="14" name="Retângulo: Cantos Arredondados 13">
+              <a:extLst>
+                <a:ext uri="{FF2B5EF4-FFF2-40B4-BE49-F238E27FC236}">
+                  <a16:creationId xmlns:a16="http://schemas.microsoft.com/office/drawing/2014/main" id="{A61FE161-107F-4CC3-A44A-DBFF6B0F34D5}"/>
+                </a:ext>
+              </a:extLst>
+            </p:cNvPr>
+            <p:cNvSpPr/>
+            <p:nvPr/>
+          </p:nvSpPr>
+          <p:spPr>
+            <a:xfrm>
+              <a:off x="592347" y="3703118"/>
+              <a:ext cx="5242040" cy="1080000"/>
+            </a:xfrm>
+            <a:prstGeom prst="roundRect">
+              <a:avLst>
+                <a:gd name="adj" fmla="val 8805"/>
+              </a:avLst>
+            </a:prstGeom>
+            <a:solidFill>
+              <a:schemeClr val="bg1"/>
+            </a:solidFill>
+            <a:ln w="19050">
+              <a:solidFill>
+                <a:schemeClr val="tx1">
+                  <a:lumMod val="95000"/>
+                  <a:lumOff val="5000"/>
+                </a:schemeClr>
+              </a:solidFill>
+            </a:ln>
+          </p:spPr>
+          <p:style>
+            <a:lnRef idx="2">
+              <a:schemeClr val="accent1">
+                <a:shade val="50000"/>
+              </a:schemeClr>
+            </a:lnRef>
+            <a:fillRef idx="1">
+              <a:schemeClr val="accent1"/>
+            </a:fillRef>
+            <a:effectRef idx="0">
+              <a:schemeClr val="accent1"/>
+            </a:effectRef>
+            <a:fontRef idx="minor">
+              <a:schemeClr val="lt1"/>
+            </a:fontRef>
+          </p:style>
+          <p:txBody>
+            <a:bodyPr rtlCol="0" anchor="ctr"/>
+            <a:lstStyle/>
+            <a:p>
+              <a:pPr algn="ctr"/>
+              <a:endParaRPr lang="pt-BR" dirty="0"/>
+            </a:p>
+          </p:txBody>
+        </p:sp>
+        <p:sp>
+          <p:nvSpPr>
+            <p:cNvPr id="15" name="Retângulo: Cantos Arredondados 14">
+              <a:extLst>
+                <a:ext uri="{FF2B5EF4-FFF2-40B4-BE49-F238E27FC236}">
+                  <a16:creationId xmlns:a16="http://schemas.microsoft.com/office/drawing/2014/main" id="{8AB615AA-C8F3-4C5A-9A8E-CA9D45144D73}"/>
+                </a:ext>
+              </a:extLst>
+            </p:cNvPr>
+            <p:cNvSpPr/>
+            <p:nvPr/>
+          </p:nvSpPr>
+          <p:spPr>
+            <a:xfrm>
+              <a:off x="826919" y="3838118"/>
+              <a:ext cx="1212929" cy="810000"/>
+            </a:xfrm>
+            <a:prstGeom prst="roundRect">
+              <a:avLst>
+                <a:gd name="adj" fmla="val 8805"/>
+              </a:avLst>
+            </a:prstGeom>
+            <a:solidFill>
+              <a:srgbClr val="043073"/>
+            </a:solidFill>
+            <a:ln w="19050">
+              <a:solidFill>
+                <a:schemeClr val="tx1">
+                  <a:lumMod val="95000"/>
+                  <a:lumOff val="5000"/>
+                </a:schemeClr>
+              </a:solidFill>
+            </a:ln>
+          </p:spPr>
+          <p:style>
+            <a:lnRef idx="2">
+              <a:schemeClr val="accent1">
+                <a:shade val="50000"/>
+              </a:schemeClr>
+            </a:lnRef>
+            <a:fillRef idx="1">
+              <a:schemeClr val="accent1"/>
+            </a:fillRef>
+            <a:effectRef idx="0">
+              <a:schemeClr val="accent1"/>
+            </a:effectRef>
+            <a:fontRef idx="minor">
+              <a:schemeClr val="lt1"/>
+            </a:fontRef>
+          </p:style>
+          <p:txBody>
+            <a:bodyPr rtlCol="0" anchor="ctr"/>
+            <a:lstStyle/>
+            <a:p>
+              <a:pPr algn="ctr"/>
+              <a:r>
+                <a:rPr lang="pt-BR" dirty="0"/>
+                <a:t>1</a:t>
+              </a:r>
+            </a:p>
+          </p:txBody>
+        </p:sp>
+        <p:sp>
+          <p:nvSpPr>
+            <p:cNvPr id="16" name="Retângulo: Cantos Arredondados 15">
+              <a:extLst>
+                <a:ext uri="{FF2B5EF4-FFF2-40B4-BE49-F238E27FC236}">
+                  <a16:creationId xmlns:a16="http://schemas.microsoft.com/office/drawing/2014/main" id="{973F08C7-629B-480C-B244-F3830C22AC5E}"/>
+                </a:ext>
+              </a:extLst>
+            </p:cNvPr>
+            <p:cNvSpPr/>
+            <p:nvPr/>
+          </p:nvSpPr>
+          <p:spPr>
+            <a:xfrm>
+              <a:off x="2274420" y="3838118"/>
+              <a:ext cx="1895474" cy="810000"/>
+            </a:xfrm>
+            <a:prstGeom prst="roundRect">
+              <a:avLst>
+                <a:gd name="adj" fmla="val 8805"/>
+              </a:avLst>
+            </a:prstGeom>
+            <a:solidFill>
+              <a:srgbClr val="043073"/>
+            </a:solidFill>
+            <a:ln w="19050">
+              <a:solidFill>
+                <a:schemeClr val="tx1">
+                  <a:lumMod val="95000"/>
+                  <a:lumOff val="5000"/>
+                </a:schemeClr>
+              </a:solidFill>
+            </a:ln>
+          </p:spPr>
+          <p:style>
+            <a:lnRef idx="2">
+              <a:schemeClr val="accent1">
+                <a:shade val="50000"/>
+              </a:schemeClr>
+            </a:lnRef>
+            <a:fillRef idx="1">
+              <a:schemeClr val="accent1"/>
+            </a:fillRef>
+            <a:effectRef idx="0">
+              <a:schemeClr val="accent1"/>
+            </a:effectRef>
+            <a:fontRef idx="minor">
+              <a:schemeClr val="lt1"/>
+            </a:fontRef>
+          </p:style>
+          <p:txBody>
+            <a:bodyPr rtlCol="0" anchor="ctr"/>
+            <a:lstStyle/>
+            <a:p>
+              <a:pPr algn="ctr"/>
+              <a:r>
+                <a:rPr lang="pt-BR" dirty="0"/>
+                <a:t>22222</a:t>
+              </a:r>
+            </a:p>
+          </p:txBody>
+        </p:sp>
+        <p:sp>
+          <p:nvSpPr>
+            <p:cNvPr id="17" name="Retângulo: Cantos Arredondados 16">
+              <a:extLst>
+                <a:ext uri="{FF2B5EF4-FFF2-40B4-BE49-F238E27FC236}">
+                  <a16:creationId xmlns:a16="http://schemas.microsoft.com/office/drawing/2014/main" id="{D16A3E2D-F069-49D6-912C-587AC11B053F}"/>
+                </a:ext>
+              </a:extLst>
+            </p:cNvPr>
+            <p:cNvSpPr/>
+            <p:nvPr/>
+          </p:nvSpPr>
+          <p:spPr>
+            <a:xfrm>
+              <a:off x="4404466" y="3838118"/>
+              <a:ext cx="1212929" cy="810000"/>
+            </a:xfrm>
+            <a:prstGeom prst="roundRect">
+              <a:avLst>
+                <a:gd name="adj" fmla="val 8805"/>
+              </a:avLst>
+            </a:prstGeom>
+            <a:solidFill>
+              <a:srgbClr val="043073"/>
+            </a:solidFill>
+            <a:ln w="19050">
+              <a:solidFill>
+                <a:schemeClr val="tx1">
+                  <a:lumMod val="95000"/>
+                  <a:lumOff val="5000"/>
+                </a:schemeClr>
+              </a:solidFill>
+            </a:ln>
+          </p:spPr>
+          <p:style>
+            <a:lnRef idx="2">
+              <a:schemeClr val="accent1">
+                <a:shade val="50000"/>
+              </a:schemeClr>
+            </a:lnRef>
+            <a:fillRef idx="1">
+              <a:schemeClr val="accent1"/>
+            </a:fillRef>
+            <a:effectRef idx="0">
+              <a:schemeClr val="accent1"/>
+            </a:effectRef>
+            <a:fontRef idx="minor">
+              <a:schemeClr val="lt1"/>
+            </a:fontRef>
+          </p:style>
+          <p:txBody>
+            <a:bodyPr rtlCol="0" anchor="ctr"/>
+            <a:lstStyle/>
+            <a:p>
+              <a:pPr algn="ctr"/>
+              <a:r>
+                <a:rPr lang="pt-BR" dirty="0"/>
+                <a:t>3</a:t>
+              </a:r>
+            </a:p>
+          </p:txBody>
+        </p:sp>
+        <p:sp>
+          <p:nvSpPr>
+            <p:cNvPr id="18" name="CaixaDeTexto 17">
+              <a:extLst>
+                <a:ext uri="{FF2B5EF4-FFF2-40B4-BE49-F238E27FC236}">
+                  <a16:creationId xmlns:a16="http://schemas.microsoft.com/office/drawing/2014/main" id="{87F0827A-EBA8-4CCB-A5CE-4B80F84B571B}"/>
+                </a:ext>
+              </a:extLst>
+            </p:cNvPr>
+            <p:cNvSpPr txBox="1"/>
+            <p:nvPr/>
+          </p:nvSpPr>
+          <p:spPr>
+            <a:xfrm>
+              <a:off x="2265630" y="3266286"/>
+              <a:ext cx="1895474" cy="369332"/>
+            </a:xfrm>
+            <a:prstGeom prst="rect">
+              <a:avLst/>
+            </a:prstGeom>
+            <a:noFill/>
+          </p:spPr>
+          <p:txBody>
+            <a:bodyPr wrap="square" rtlCol="0">
+              <a:spAutoFit/>
+            </a:bodyPr>
+            <a:lstStyle/>
+            <a:p>
+              <a:pPr algn="ctr"/>
+              <a:r>
+                <a:rPr lang="pt-BR" dirty="0" err="1">
+                  <a:latin typeface="Times New Roman" panose="02020603050405020304" pitchFamily="18" charset="0"/>
+                  <a:cs typeface="Times New Roman" panose="02020603050405020304" pitchFamily="18" charset="0"/>
+                </a:rPr>
+                <a:t>flex-basis</a:t>
+              </a:r>
+              <a:r>
+                <a:rPr lang="pt-BR" dirty="0">
+                  <a:latin typeface="Times New Roman" panose="02020603050405020304" pitchFamily="18" charset="0"/>
+                  <a:cs typeface="Times New Roman" panose="02020603050405020304" pitchFamily="18" charset="0"/>
+                </a:rPr>
+                <a:t>: auto</a:t>
+              </a:r>
+            </a:p>
+          </p:txBody>
+        </p:sp>
+        <p:sp>
+          <p:nvSpPr>
+            <p:cNvPr id="19" name="CaixaDeTexto 18">
+              <a:extLst>
+                <a:ext uri="{FF2B5EF4-FFF2-40B4-BE49-F238E27FC236}">
+                  <a16:creationId xmlns:a16="http://schemas.microsoft.com/office/drawing/2014/main" id="{A750390A-0F7E-4F7A-83D4-E404844EB58E}"/>
+                </a:ext>
+              </a:extLst>
+            </p:cNvPr>
+            <p:cNvSpPr txBox="1"/>
+            <p:nvPr/>
+          </p:nvSpPr>
+          <p:spPr>
+            <a:xfrm>
+              <a:off x="2265630" y="4835085"/>
+              <a:ext cx="1895474" cy="584775"/>
+            </a:xfrm>
+            <a:prstGeom prst="rect">
+              <a:avLst/>
+            </a:prstGeom>
+            <a:noFill/>
+          </p:spPr>
+          <p:txBody>
+            <a:bodyPr wrap="square" rtlCol="0">
+              <a:spAutoFit/>
+            </a:bodyPr>
+            <a:lstStyle/>
+            <a:p>
+              <a:pPr algn="ctr"/>
+              <a:r>
+                <a:rPr lang="pt-BR" sz="1600" dirty="0">
+                  <a:latin typeface="Times New Roman" panose="02020603050405020304" pitchFamily="18" charset="0"/>
+                  <a:cs typeface="Times New Roman" panose="02020603050405020304" pitchFamily="18" charset="0"/>
+                </a:rPr>
+                <a:t>Padroniza de acordo do tamanho do texto</a:t>
+              </a:r>
             </a:p>
           </p:txBody>
         </p:sp>
@@ -12333,7 +18940,1223 @@
     </p:spTree>
     <p:extLst>
       <p:ext uri="{BB962C8B-B14F-4D97-AF65-F5344CB8AC3E}">
-        <p14:creationId xmlns:p14="http://schemas.microsoft.com/office/powerpoint/2010/main" val="1078860903"/>
+        <p14:creationId xmlns:p14="http://schemas.microsoft.com/office/powerpoint/2010/main" val="328127625"/>
+      </p:ext>
+    </p:extLst>
+  </p:cSld>
+  <p:clrMapOvr>
+    <a:masterClrMapping/>
+  </p:clrMapOvr>
+</p:sld>
+</file>
+
+<file path=ppt/slides/slide26.xml><?xml version="1.0" encoding="utf-8"?>
+<p:sld xmlns:a="http://schemas.openxmlformats.org/drawingml/2006/main" xmlns:r="http://schemas.openxmlformats.org/officeDocument/2006/relationships" xmlns:p="http://schemas.openxmlformats.org/presentationml/2006/main">
+  <p:cSld>
+    <p:spTree>
+      <p:nvGrpSpPr>
+        <p:cNvPr id="1" name=""/>
+        <p:cNvGrpSpPr/>
+        <p:nvPr/>
+      </p:nvGrpSpPr>
+      <p:grpSpPr>
+        <a:xfrm>
+          <a:off x="0" y="0"/>
+          <a:ext cx="0" cy="0"/>
+          <a:chOff x="0" y="0"/>
+          <a:chExt cx="0" cy="0"/>
+        </a:xfrm>
+      </p:grpSpPr>
+      <p:sp>
+        <p:nvSpPr>
+          <p:cNvPr id="2" name="Título 1">
+            <a:extLst>
+              <a:ext uri="{FF2B5EF4-FFF2-40B4-BE49-F238E27FC236}">
+                <a16:creationId xmlns:a16="http://schemas.microsoft.com/office/drawing/2014/main" id="{B64F32BF-98FA-4084-8468-2C9369DEBF3E}"/>
+              </a:ext>
+            </a:extLst>
+          </p:cNvPr>
+          <p:cNvSpPr>
+            <a:spLocks noGrp="1"/>
+          </p:cNvSpPr>
+          <p:nvPr>
+            <p:ph type="title"/>
+          </p:nvPr>
+        </p:nvSpPr>
+        <p:spPr/>
+        <p:txBody>
+          <a:bodyPr/>
+          <a:lstStyle/>
+          <a:p>
+            <a:r>
+              <a:rPr lang="pt-BR" dirty="0"/>
+              <a:t>Flex-</a:t>
+            </a:r>
+            <a:r>
+              <a:rPr lang="pt-BR" dirty="0" err="1"/>
+              <a:t>grow</a:t>
+            </a:r>
+            <a:endParaRPr lang="pt-BR" dirty="0"/>
+          </a:p>
+        </p:txBody>
+      </p:sp>
+      <p:sp>
+        <p:nvSpPr>
+          <p:cNvPr id="3" name="Espaço Reservado para Conteúdo 2">
+            <a:extLst>
+              <a:ext uri="{FF2B5EF4-FFF2-40B4-BE49-F238E27FC236}">
+                <a16:creationId xmlns:a16="http://schemas.microsoft.com/office/drawing/2014/main" id="{616759BA-2E35-4B6D-BC59-B417C2A25EFA}"/>
+              </a:ext>
+            </a:extLst>
+          </p:cNvPr>
+          <p:cNvSpPr>
+            <a:spLocks noGrp="1"/>
+          </p:cNvSpPr>
+          <p:nvPr>
+            <p:ph idx="1"/>
+          </p:nvPr>
+        </p:nvSpPr>
+        <p:spPr>
+          <a:xfrm>
+            <a:off x="592347" y="1844674"/>
+            <a:ext cx="11007306" cy="2843439"/>
+          </a:xfrm>
+        </p:spPr>
+        <p:txBody>
+          <a:bodyPr/>
+          <a:lstStyle/>
+          <a:p>
+            <a:pPr>
+              <a:spcBef>
+                <a:spcPts val="0"/>
+              </a:spcBef>
+            </a:pPr>
+            <a:r>
+              <a:rPr lang="pt-BR" dirty="0"/>
+              <a:t>O </a:t>
+            </a:r>
+            <a:r>
+              <a:rPr lang="pt-BR" dirty="0" err="1"/>
+              <a:t>flex-grow</a:t>
+            </a:r>
+            <a:r>
+              <a:rPr lang="pt-BR" dirty="0"/>
+              <a:t> define o quanto um item pode crescer dentro de um container flexível, ocupando o espaço disponível.</a:t>
+            </a:r>
+          </a:p>
+          <a:p>
+            <a:pPr>
+              <a:spcBef>
+                <a:spcPts val="0"/>
+              </a:spcBef>
+            </a:pPr>
+            <a:r>
+              <a:rPr lang="pt-BR" dirty="0"/>
+              <a:t>Como funciona:</a:t>
+            </a:r>
+          </a:p>
+          <a:p>
+            <a:pPr marL="1028700" lvl="1" indent="-342900"/>
+            <a:r>
+              <a:rPr lang="pt-BR" dirty="0"/>
+              <a:t>O valor padrão é 0, o que significa que o item não cresce.</a:t>
+            </a:r>
+          </a:p>
+          <a:p>
+            <a:pPr marL="1028700" lvl="1" indent="-342900"/>
+            <a:r>
+              <a:rPr lang="pt-BR" dirty="0"/>
+              <a:t>Um valor maior que faz com que o item ocupe mais espaço relativo em comparação com outros itens no mesmo container.</a:t>
+            </a:r>
+          </a:p>
+        </p:txBody>
+      </p:sp>
+      <p:sp>
+        <p:nvSpPr>
+          <p:cNvPr id="4" name="Retângulo 3">
+            <a:extLst>
+              <a:ext uri="{FF2B5EF4-FFF2-40B4-BE49-F238E27FC236}">
+                <a16:creationId xmlns:a16="http://schemas.microsoft.com/office/drawing/2014/main" id="{E28DF10E-D88C-47DF-8DE5-813A47ACBB72}"/>
+              </a:ext>
+            </a:extLst>
+          </p:cNvPr>
+          <p:cNvSpPr/>
+          <p:nvPr/>
+        </p:nvSpPr>
+        <p:spPr>
+          <a:xfrm>
+            <a:off x="4572000" y="4948394"/>
+            <a:ext cx="3048000" cy="1200329"/>
+          </a:xfrm>
+          <a:prstGeom prst="rect">
+            <a:avLst/>
+          </a:prstGeom>
+        </p:spPr>
+        <p:txBody>
+          <a:bodyPr wrap="square">
+            <a:spAutoFit/>
+          </a:bodyPr>
+          <a:lstStyle/>
+          <a:p>
+            <a:r>
+              <a:rPr lang="en-US" dirty="0">
+                <a:solidFill>
+                  <a:srgbClr val="800000"/>
+                </a:solidFill>
+                <a:latin typeface="Consolas" panose="020B0609020204030204" pitchFamily="49" charset="0"/>
+              </a:rPr>
+              <a:t>.item</a:t>
+            </a:r>
+            <a:r>
+              <a:rPr lang="en-US" dirty="0">
+                <a:solidFill>
+                  <a:srgbClr val="000000"/>
+                </a:solidFill>
+                <a:latin typeface="Consolas" panose="020B0609020204030204" pitchFamily="49" charset="0"/>
+              </a:rPr>
+              <a:t> {</a:t>
+            </a:r>
+          </a:p>
+          <a:p>
+            <a:r>
+              <a:rPr lang="en-US" dirty="0">
+                <a:solidFill>
+                  <a:srgbClr val="000000"/>
+                </a:solidFill>
+                <a:latin typeface="Consolas" panose="020B0609020204030204" pitchFamily="49" charset="0"/>
+              </a:rPr>
+              <a:t>    </a:t>
+            </a:r>
+            <a:r>
+              <a:rPr lang="en-US" dirty="0">
+                <a:solidFill>
+                  <a:srgbClr val="E50000"/>
+                </a:solidFill>
+                <a:latin typeface="Consolas" panose="020B0609020204030204" pitchFamily="49" charset="0"/>
+              </a:rPr>
+              <a:t>flex-basis</a:t>
+            </a:r>
+            <a:r>
+              <a:rPr lang="en-US" dirty="0">
+                <a:solidFill>
+                  <a:srgbClr val="000000"/>
+                </a:solidFill>
+                <a:latin typeface="Consolas" panose="020B0609020204030204" pitchFamily="49" charset="0"/>
+              </a:rPr>
+              <a:t>: </a:t>
+            </a:r>
+            <a:r>
+              <a:rPr lang="en-US" dirty="0">
+                <a:solidFill>
+                  <a:srgbClr val="098658"/>
+                </a:solidFill>
+                <a:latin typeface="Consolas" panose="020B0609020204030204" pitchFamily="49" charset="0"/>
+              </a:rPr>
+              <a:t>200px</a:t>
+            </a:r>
+            <a:r>
+              <a:rPr lang="en-US" dirty="0">
+                <a:solidFill>
+                  <a:srgbClr val="000000"/>
+                </a:solidFill>
+                <a:latin typeface="Consolas" panose="020B0609020204030204" pitchFamily="49" charset="0"/>
+              </a:rPr>
+              <a:t>;</a:t>
+            </a:r>
+          </a:p>
+          <a:p>
+            <a:r>
+              <a:rPr lang="en-US" dirty="0">
+                <a:solidFill>
+                  <a:srgbClr val="000000"/>
+                </a:solidFill>
+                <a:latin typeface="Consolas" panose="020B0609020204030204" pitchFamily="49" charset="0"/>
+              </a:rPr>
+              <a:t>    </a:t>
+            </a:r>
+            <a:r>
+              <a:rPr lang="en-US" dirty="0">
+                <a:solidFill>
+                  <a:srgbClr val="E50000"/>
+                </a:solidFill>
+                <a:latin typeface="Consolas" panose="020B0609020204030204" pitchFamily="49" charset="0"/>
+              </a:rPr>
+              <a:t>flex-grow</a:t>
+            </a:r>
+            <a:r>
+              <a:rPr lang="en-US" dirty="0">
+                <a:solidFill>
+                  <a:srgbClr val="000000"/>
+                </a:solidFill>
+                <a:latin typeface="Consolas" panose="020B0609020204030204" pitchFamily="49" charset="0"/>
+              </a:rPr>
+              <a:t>: </a:t>
+            </a:r>
+            <a:r>
+              <a:rPr lang="en-US" dirty="0">
+                <a:solidFill>
+                  <a:srgbClr val="098658"/>
+                </a:solidFill>
+                <a:latin typeface="Consolas" panose="020B0609020204030204" pitchFamily="49" charset="0"/>
+              </a:rPr>
+              <a:t>1</a:t>
+            </a:r>
+            <a:r>
+              <a:rPr lang="en-US" dirty="0">
+                <a:solidFill>
+                  <a:srgbClr val="000000"/>
+                </a:solidFill>
+                <a:latin typeface="Consolas" panose="020B0609020204030204" pitchFamily="49" charset="0"/>
+              </a:rPr>
+              <a:t>;</a:t>
+            </a:r>
+          </a:p>
+          <a:p>
+            <a:r>
+              <a:rPr lang="en-US" dirty="0">
+                <a:solidFill>
+                  <a:srgbClr val="000000"/>
+                </a:solidFill>
+                <a:latin typeface="Consolas" panose="020B0609020204030204" pitchFamily="49" charset="0"/>
+              </a:rPr>
+              <a:t>}</a:t>
+            </a:r>
+            <a:endParaRPr lang="en-US" b="0" dirty="0">
+              <a:solidFill>
+                <a:srgbClr val="000000"/>
+              </a:solidFill>
+              <a:effectLst/>
+              <a:latin typeface="Consolas" panose="020B0609020204030204" pitchFamily="49" charset="0"/>
+            </a:endParaRPr>
+          </a:p>
+        </p:txBody>
+      </p:sp>
+    </p:spTree>
+    <p:extLst>
+      <p:ext uri="{BB962C8B-B14F-4D97-AF65-F5344CB8AC3E}">
+        <p14:creationId xmlns:p14="http://schemas.microsoft.com/office/powerpoint/2010/main" val="3446588195"/>
+      </p:ext>
+    </p:extLst>
+  </p:cSld>
+  <p:clrMapOvr>
+    <a:masterClrMapping/>
+  </p:clrMapOvr>
+</p:sld>
+</file>
+
+<file path=ppt/slides/slide27.xml><?xml version="1.0" encoding="utf-8"?>
+<p:sld xmlns:a="http://schemas.openxmlformats.org/drawingml/2006/main" xmlns:r="http://schemas.openxmlformats.org/officeDocument/2006/relationships" xmlns:p="http://schemas.openxmlformats.org/presentationml/2006/main">
+  <p:cSld>
+    <p:spTree>
+      <p:nvGrpSpPr>
+        <p:cNvPr id="1" name=""/>
+        <p:cNvGrpSpPr/>
+        <p:nvPr/>
+      </p:nvGrpSpPr>
+      <p:grpSpPr>
+        <a:xfrm>
+          <a:off x="0" y="0"/>
+          <a:ext cx="0" cy="0"/>
+          <a:chOff x="0" y="0"/>
+          <a:chExt cx="0" cy="0"/>
+        </a:xfrm>
+      </p:grpSpPr>
+      <p:sp>
+        <p:nvSpPr>
+          <p:cNvPr id="2" name="Título 1">
+            <a:extLst>
+              <a:ext uri="{FF2B5EF4-FFF2-40B4-BE49-F238E27FC236}">
+                <a16:creationId xmlns:a16="http://schemas.microsoft.com/office/drawing/2014/main" id="{B64F32BF-98FA-4084-8468-2C9369DEBF3E}"/>
+              </a:ext>
+            </a:extLst>
+          </p:cNvPr>
+          <p:cNvSpPr>
+            <a:spLocks noGrp="1"/>
+          </p:cNvSpPr>
+          <p:nvPr>
+            <p:ph type="title"/>
+          </p:nvPr>
+        </p:nvSpPr>
+        <p:spPr/>
+        <p:txBody>
+          <a:bodyPr/>
+          <a:lstStyle/>
+          <a:p>
+            <a:r>
+              <a:rPr lang="pt-BR" dirty="0"/>
+              <a:t>Flex-</a:t>
+            </a:r>
+            <a:r>
+              <a:rPr lang="pt-BR" dirty="0" err="1"/>
+              <a:t>shrink</a:t>
+            </a:r>
+            <a:endParaRPr lang="pt-BR" dirty="0"/>
+          </a:p>
+        </p:txBody>
+      </p:sp>
+      <p:sp>
+        <p:nvSpPr>
+          <p:cNvPr id="3" name="Espaço Reservado para Conteúdo 2">
+            <a:extLst>
+              <a:ext uri="{FF2B5EF4-FFF2-40B4-BE49-F238E27FC236}">
+                <a16:creationId xmlns:a16="http://schemas.microsoft.com/office/drawing/2014/main" id="{616759BA-2E35-4B6D-BC59-B417C2A25EFA}"/>
+              </a:ext>
+            </a:extLst>
+          </p:cNvPr>
+          <p:cNvSpPr>
+            <a:spLocks noGrp="1"/>
+          </p:cNvSpPr>
+          <p:nvPr>
+            <p:ph idx="1"/>
+          </p:nvPr>
+        </p:nvSpPr>
+        <p:spPr>
+          <a:xfrm>
+            <a:off x="592347" y="1844674"/>
+            <a:ext cx="11007306" cy="2843439"/>
+          </a:xfrm>
+        </p:spPr>
+        <p:txBody>
+          <a:bodyPr/>
+          <a:lstStyle/>
+          <a:p>
+            <a:pPr>
+              <a:spcBef>
+                <a:spcPts val="0"/>
+              </a:spcBef>
+            </a:pPr>
+            <a:r>
+              <a:rPr lang="pt-BR" dirty="0"/>
+              <a:t>O </a:t>
+            </a:r>
+            <a:r>
+              <a:rPr lang="pt-BR" dirty="0" err="1"/>
+              <a:t>flex-shrink</a:t>
+            </a:r>
+            <a:r>
+              <a:rPr lang="pt-BR" dirty="0"/>
+              <a:t> define o quanto um item pode encolher dentro de um container flexível quando o espaço disponível é reduzido.</a:t>
+            </a:r>
+          </a:p>
+          <a:p>
+            <a:pPr>
+              <a:spcBef>
+                <a:spcPts val="0"/>
+              </a:spcBef>
+            </a:pPr>
+            <a:r>
+              <a:rPr lang="pt-BR" dirty="0"/>
+              <a:t>Como funciona:</a:t>
+            </a:r>
+          </a:p>
+          <a:p>
+            <a:pPr marL="1028700" lvl="1" indent="-342900"/>
+            <a:r>
+              <a:rPr lang="pt-BR" dirty="0"/>
+              <a:t>O valor padrão é 1, o que significa que os itens podem encolher caso o container fique menor.</a:t>
+            </a:r>
+          </a:p>
+          <a:p>
+            <a:pPr marL="1028700" lvl="1" indent="-342900"/>
+            <a:r>
+              <a:rPr lang="pt-BR" dirty="0"/>
+              <a:t>Se um item tiver </a:t>
+            </a:r>
+            <a:r>
+              <a:rPr lang="pt-BR" dirty="0" err="1"/>
+              <a:t>flex-shrink</a:t>
+            </a:r>
+            <a:r>
+              <a:rPr lang="pt-BR" dirty="0"/>
+              <a:t>: 0, ele não encolherá e manterá seu tamanho original.</a:t>
+            </a:r>
+          </a:p>
+          <a:p>
+            <a:pPr marL="1028700" lvl="1" indent="-342900"/>
+            <a:r>
+              <a:rPr lang="pt-BR" dirty="0"/>
+              <a:t>Quanto maior o valor, mais o item encolherá em relação aos outros.</a:t>
+            </a:r>
+          </a:p>
+        </p:txBody>
+      </p:sp>
+      <p:sp>
+        <p:nvSpPr>
+          <p:cNvPr id="6" name="Retângulo 5">
+            <a:extLst>
+              <a:ext uri="{FF2B5EF4-FFF2-40B4-BE49-F238E27FC236}">
+                <a16:creationId xmlns:a16="http://schemas.microsoft.com/office/drawing/2014/main" id="{3ED4540F-B0CC-4F12-AFFF-BCDB2DCE3999}"/>
+              </a:ext>
+            </a:extLst>
+          </p:cNvPr>
+          <p:cNvSpPr/>
+          <p:nvPr/>
+        </p:nvSpPr>
+        <p:spPr>
+          <a:xfrm>
+            <a:off x="4412343" y="4991936"/>
+            <a:ext cx="3367314" cy="1200329"/>
+          </a:xfrm>
+          <a:prstGeom prst="rect">
+            <a:avLst/>
+          </a:prstGeom>
+        </p:spPr>
+        <p:txBody>
+          <a:bodyPr wrap="square">
+            <a:spAutoFit/>
+          </a:bodyPr>
+          <a:lstStyle/>
+          <a:p>
+            <a:r>
+              <a:rPr lang="en-US" dirty="0">
+                <a:solidFill>
+                  <a:srgbClr val="800000"/>
+                </a:solidFill>
+                <a:latin typeface="Consolas" panose="020B0609020204030204" pitchFamily="49" charset="0"/>
+              </a:rPr>
+              <a:t>.item</a:t>
+            </a:r>
+            <a:r>
+              <a:rPr lang="en-US" dirty="0">
+                <a:solidFill>
+                  <a:srgbClr val="000000"/>
+                </a:solidFill>
+                <a:latin typeface="Consolas" panose="020B0609020204030204" pitchFamily="49" charset="0"/>
+              </a:rPr>
+              <a:t> {</a:t>
+            </a:r>
+          </a:p>
+          <a:p>
+            <a:r>
+              <a:rPr lang="en-US" dirty="0">
+                <a:solidFill>
+                  <a:srgbClr val="000000"/>
+                </a:solidFill>
+                <a:latin typeface="Consolas" panose="020B0609020204030204" pitchFamily="49" charset="0"/>
+              </a:rPr>
+              <a:t>    </a:t>
+            </a:r>
+            <a:r>
+              <a:rPr lang="en-US" dirty="0">
+                <a:solidFill>
+                  <a:srgbClr val="E50000"/>
+                </a:solidFill>
+                <a:latin typeface="Consolas" panose="020B0609020204030204" pitchFamily="49" charset="0"/>
+              </a:rPr>
+              <a:t>flex-basis</a:t>
+            </a:r>
+            <a:r>
+              <a:rPr lang="en-US" dirty="0">
+                <a:solidFill>
+                  <a:srgbClr val="000000"/>
+                </a:solidFill>
+                <a:latin typeface="Consolas" panose="020B0609020204030204" pitchFamily="49" charset="0"/>
+              </a:rPr>
+              <a:t>: </a:t>
+            </a:r>
+            <a:r>
+              <a:rPr lang="en-US" dirty="0">
+                <a:solidFill>
+                  <a:srgbClr val="098658"/>
+                </a:solidFill>
+                <a:latin typeface="Consolas" panose="020B0609020204030204" pitchFamily="49" charset="0"/>
+              </a:rPr>
+              <a:t>200px</a:t>
+            </a:r>
+            <a:r>
+              <a:rPr lang="en-US" dirty="0">
+                <a:solidFill>
+                  <a:srgbClr val="000000"/>
+                </a:solidFill>
+                <a:latin typeface="Consolas" panose="020B0609020204030204" pitchFamily="49" charset="0"/>
+              </a:rPr>
+              <a:t>;</a:t>
+            </a:r>
+          </a:p>
+          <a:p>
+            <a:r>
+              <a:rPr lang="en-US" dirty="0">
+                <a:solidFill>
+                  <a:srgbClr val="000000"/>
+                </a:solidFill>
+                <a:latin typeface="Consolas" panose="020B0609020204030204" pitchFamily="49" charset="0"/>
+              </a:rPr>
+              <a:t>    </a:t>
+            </a:r>
+            <a:r>
+              <a:rPr lang="en-US" dirty="0">
+                <a:solidFill>
+                  <a:srgbClr val="E50000"/>
+                </a:solidFill>
+                <a:latin typeface="Consolas" panose="020B0609020204030204" pitchFamily="49" charset="0"/>
+              </a:rPr>
+              <a:t>flex-shrink</a:t>
+            </a:r>
+            <a:r>
+              <a:rPr lang="en-US" dirty="0">
+                <a:solidFill>
+                  <a:srgbClr val="000000"/>
+                </a:solidFill>
+                <a:latin typeface="Consolas" panose="020B0609020204030204" pitchFamily="49" charset="0"/>
+              </a:rPr>
+              <a:t>: </a:t>
+            </a:r>
+            <a:r>
+              <a:rPr lang="en-US" dirty="0">
+                <a:solidFill>
+                  <a:srgbClr val="098658"/>
+                </a:solidFill>
+                <a:latin typeface="Consolas" panose="020B0609020204030204" pitchFamily="49" charset="0"/>
+              </a:rPr>
+              <a:t>0</a:t>
+            </a:r>
+            <a:r>
+              <a:rPr lang="en-US" dirty="0">
+                <a:solidFill>
+                  <a:srgbClr val="000000"/>
+                </a:solidFill>
+                <a:latin typeface="Consolas" panose="020B0609020204030204" pitchFamily="49" charset="0"/>
+              </a:rPr>
+              <a:t>; </a:t>
+            </a:r>
+            <a:endParaRPr lang="en-US" dirty="0">
+              <a:solidFill>
+                <a:srgbClr val="098658"/>
+              </a:solidFill>
+              <a:latin typeface="Consolas" panose="020B0609020204030204" pitchFamily="49" charset="0"/>
+            </a:endParaRPr>
+          </a:p>
+          <a:p>
+            <a:r>
+              <a:rPr lang="en-US" dirty="0">
+                <a:solidFill>
+                  <a:srgbClr val="000000"/>
+                </a:solidFill>
+                <a:latin typeface="Consolas" panose="020B0609020204030204" pitchFamily="49" charset="0"/>
+              </a:rPr>
+              <a:t>}</a:t>
+            </a:r>
+            <a:endParaRPr lang="en-US" b="0" dirty="0">
+              <a:solidFill>
+                <a:srgbClr val="000000"/>
+              </a:solidFill>
+              <a:effectLst/>
+              <a:latin typeface="Consolas" panose="020B0609020204030204" pitchFamily="49" charset="0"/>
+            </a:endParaRPr>
+          </a:p>
+        </p:txBody>
+      </p:sp>
+    </p:spTree>
+    <p:extLst>
+      <p:ext uri="{BB962C8B-B14F-4D97-AF65-F5344CB8AC3E}">
+        <p14:creationId xmlns:p14="http://schemas.microsoft.com/office/powerpoint/2010/main" val="778258421"/>
+      </p:ext>
+    </p:extLst>
+  </p:cSld>
+  <p:clrMapOvr>
+    <a:masterClrMapping/>
+  </p:clrMapOvr>
+</p:sld>
+</file>
+
+<file path=ppt/slides/slide28.xml><?xml version="1.0" encoding="utf-8"?>
+<p:sld xmlns:a="http://schemas.openxmlformats.org/drawingml/2006/main" xmlns:r="http://schemas.openxmlformats.org/officeDocument/2006/relationships" xmlns:p="http://schemas.openxmlformats.org/presentationml/2006/main">
+  <p:cSld>
+    <p:spTree>
+      <p:nvGrpSpPr>
+        <p:cNvPr id="1" name=""/>
+        <p:cNvGrpSpPr/>
+        <p:nvPr/>
+      </p:nvGrpSpPr>
+      <p:grpSpPr>
+        <a:xfrm>
+          <a:off x="0" y="0"/>
+          <a:ext cx="0" cy="0"/>
+          <a:chOff x="0" y="0"/>
+          <a:chExt cx="0" cy="0"/>
+        </a:xfrm>
+      </p:grpSpPr>
+      <p:sp>
+        <p:nvSpPr>
+          <p:cNvPr id="2" name="Título 1">
+            <a:extLst>
+              <a:ext uri="{FF2B5EF4-FFF2-40B4-BE49-F238E27FC236}">
+                <a16:creationId xmlns:a16="http://schemas.microsoft.com/office/drawing/2014/main" id="{69635E36-0770-4DB4-A2B0-6DF4478A77B9}"/>
+              </a:ext>
+            </a:extLst>
+          </p:cNvPr>
+          <p:cNvSpPr>
+            <a:spLocks noGrp="1"/>
+          </p:cNvSpPr>
+          <p:nvPr>
+            <p:ph type="title"/>
+          </p:nvPr>
+        </p:nvSpPr>
+        <p:spPr/>
+        <p:txBody>
+          <a:bodyPr/>
+          <a:lstStyle/>
+          <a:p>
+            <a:r>
+              <a:rPr lang="pt-BR" dirty="0"/>
+              <a:t>Flex</a:t>
+            </a:r>
+          </a:p>
+        </p:txBody>
+      </p:sp>
+      <p:sp>
+        <p:nvSpPr>
+          <p:cNvPr id="3" name="Espaço Reservado para Conteúdo 2">
+            <a:extLst>
+              <a:ext uri="{FF2B5EF4-FFF2-40B4-BE49-F238E27FC236}">
+                <a16:creationId xmlns:a16="http://schemas.microsoft.com/office/drawing/2014/main" id="{F87EB4FB-56D0-4E2D-8175-9AA7C2FEAACB}"/>
+              </a:ext>
+            </a:extLst>
+          </p:cNvPr>
+          <p:cNvSpPr>
+            <a:spLocks noGrp="1"/>
+          </p:cNvSpPr>
+          <p:nvPr>
+            <p:ph idx="1"/>
+          </p:nvPr>
+        </p:nvSpPr>
+        <p:spPr>
+          <a:xfrm>
+            <a:off x="592347" y="1844675"/>
+            <a:ext cx="11007306" cy="1275896"/>
+          </a:xfrm>
+        </p:spPr>
+        <p:txBody>
+          <a:bodyPr/>
+          <a:lstStyle/>
+          <a:p>
+            <a:r>
+              <a:rPr lang="pt-BR" dirty="0"/>
+              <a:t>O </a:t>
+            </a:r>
+            <a:r>
+              <a:rPr lang="pt-BR" dirty="0" err="1"/>
+              <a:t>flex</a:t>
+            </a:r>
+            <a:r>
+              <a:rPr lang="pt-BR" dirty="0"/>
+              <a:t> é uma propriedade abreviada que combina três propriedades individuais usadas para definir o comportamento dos itens dentro de um container flexível:</a:t>
+            </a:r>
+          </a:p>
+        </p:txBody>
+      </p:sp>
+      <p:sp>
+        <p:nvSpPr>
+          <p:cNvPr id="5" name="Retângulo 4">
+            <a:extLst>
+              <a:ext uri="{FF2B5EF4-FFF2-40B4-BE49-F238E27FC236}">
+                <a16:creationId xmlns:a16="http://schemas.microsoft.com/office/drawing/2014/main" id="{AEB61AB3-0334-4A65-87C1-9F59B64647D1}"/>
+              </a:ext>
+            </a:extLst>
+          </p:cNvPr>
+          <p:cNvSpPr/>
+          <p:nvPr/>
+        </p:nvSpPr>
+        <p:spPr>
+          <a:xfrm>
+            <a:off x="592347" y="3698769"/>
+            <a:ext cx="6096000" cy="923330"/>
+          </a:xfrm>
+          <a:prstGeom prst="rect">
+            <a:avLst/>
+          </a:prstGeom>
+        </p:spPr>
+        <p:txBody>
+          <a:bodyPr>
+            <a:spAutoFit/>
+          </a:bodyPr>
+          <a:lstStyle/>
+          <a:p>
+            <a:r>
+              <a:rPr lang="en-US" dirty="0">
+                <a:solidFill>
+                  <a:srgbClr val="800000"/>
+                </a:solidFill>
+                <a:latin typeface="Consolas" panose="020B0609020204030204" pitchFamily="49" charset="0"/>
+              </a:rPr>
+              <a:t>.item</a:t>
+            </a:r>
+            <a:r>
+              <a:rPr lang="en-US" dirty="0">
+                <a:solidFill>
+                  <a:srgbClr val="000000"/>
+                </a:solidFill>
+                <a:latin typeface="Consolas" panose="020B0609020204030204" pitchFamily="49" charset="0"/>
+              </a:rPr>
+              <a:t> {</a:t>
+            </a:r>
+          </a:p>
+          <a:p>
+            <a:r>
+              <a:rPr lang="en-US" dirty="0">
+                <a:solidFill>
+                  <a:srgbClr val="000000"/>
+                </a:solidFill>
+                <a:latin typeface="Consolas" panose="020B0609020204030204" pitchFamily="49" charset="0"/>
+              </a:rPr>
+              <a:t>    </a:t>
+            </a:r>
+            <a:r>
+              <a:rPr lang="en-US" dirty="0">
+                <a:solidFill>
+                  <a:srgbClr val="E50000"/>
+                </a:solidFill>
+                <a:latin typeface="Consolas" panose="020B0609020204030204" pitchFamily="49" charset="0"/>
+              </a:rPr>
+              <a:t>flex</a:t>
+            </a:r>
+            <a:r>
+              <a:rPr lang="en-US" dirty="0">
+                <a:solidFill>
+                  <a:srgbClr val="000000"/>
+                </a:solidFill>
+                <a:latin typeface="Consolas" panose="020B0609020204030204" pitchFamily="49" charset="0"/>
+              </a:rPr>
+              <a:t>: flex-grow flex-shrink flex-basis;</a:t>
+            </a:r>
+          </a:p>
+          <a:p>
+            <a:r>
+              <a:rPr lang="en-US" dirty="0">
+                <a:solidFill>
+                  <a:srgbClr val="000000"/>
+                </a:solidFill>
+                <a:latin typeface="Consolas" panose="020B0609020204030204" pitchFamily="49" charset="0"/>
+              </a:rPr>
+              <a:t>}</a:t>
+            </a:r>
+            <a:endParaRPr lang="en-US" b="0" dirty="0">
+              <a:solidFill>
+                <a:srgbClr val="000000"/>
+              </a:solidFill>
+              <a:effectLst/>
+              <a:latin typeface="Consolas" panose="020B0609020204030204" pitchFamily="49" charset="0"/>
+            </a:endParaRPr>
+          </a:p>
+        </p:txBody>
+      </p:sp>
+      <p:sp>
+        <p:nvSpPr>
+          <p:cNvPr id="6" name="Retângulo 5">
+            <a:extLst>
+              <a:ext uri="{FF2B5EF4-FFF2-40B4-BE49-F238E27FC236}">
+                <a16:creationId xmlns:a16="http://schemas.microsoft.com/office/drawing/2014/main" id="{A4B48E4F-39FB-412E-9ED7-4326B74F0283}"/>
+              </a:ext>
+            </a:extLst>
+          </p:cNvPr>
+          <p:cNvSpPr/>
+          <p:nvPr/>
+        </p:nvSpPr>
+        <p:spPr>
+          <a:xfrm>
+            <a:off x="592347" y="5200297"/>
+            <a:ext cx="6096000" cy="923330"/>
+          </a:xfrm>
+          <a:prstGeom prst="rect">
+            <a:avLst/>
+          </a:prstGeom>
+        </p:spPr>
+        <p:txBody>
+          <a:bodyPr>
+            <a:spAutoFit/>
+          </a:bodyPr>
+          <a:lstStyle/>
+          <a:p>
+            <a:r>
+              <a:rPr lang="pt-BR" dirty="0">
+                <a:solidFill>
+                  <a:srgbClr val="800000"/>
+                </a:solidFill>
+                <a:latin typeface="Consolas" panose="020B0609020204030204" pitchFamily="49" charset="0"/>
+              </a:rPr>
+              <a:t>.item</a:t>
+            </a:r>
+            <a:r>
+              <a:rPr lang="pt-BR" dirty="0">
+                <a:solidFill>
+                  <a:srgbClr val="000000"/>
+                </a:solidFill>
+                <a:latin typeface="Consolas" panose="020B0609020204030204" pitchFamily="49" charset="0"/>
+              </a:rPr>
+              <a:t> {</a:t>
+            </a:r>
+          </a:p>
+          <a:p>
+            <a:r>
+              <a:rPr lang="pt-BR" dirty="0">
+                <a:solidFill>
+                  <a:srgbClr val="000000"/>
+                </a:solidFill>
+                <a:latin typeface="Consolas" panose="020B0609020204030204" pitchFamily="49" charset="0"/>
+              </a:rPr>
+              <a:t>    </a:t>
+            </a:r>
+            <a:r>
+              <a:rPr lang="pt-BR" dirty="0" err="1">
+                <a:solidFill>
+                  <a:srgbClr val="E50000"/>
+                </a:solidFill>
+                <a:latin typeface="Consolas" panose="020B0609020204030204" pitchFamily="49" charset="0"/>
+              </a:rPr>
+              <a:t>flex</a:t>
+            </a:r>
+            <a:r>
+              <a:rPr lang="pt-BR" dirty="0">
+                <a:solidFill>
+                  <a:srgbClr val="000000"/>
+                </a:solidFill>
+                <a:latin typeface="Consolas" panose="020B0609020204030204" pitchFamily="49" charset="0"/>
+              </a:rPr>
+              <a:t>: </a:t>
+            </a:r>
+            <a:r>
+              <a:rPr lang="pt-BR" dirty="0">
+                <a:solidFill>
+                  <a:srgbClr val="098658"/>
+                </a:solidFill>
+                <a:latin typeface="Consolas" panose="020B0609020204030204" pitchFamily="49" charset="0"/>
+              </a:rPr>
+              <a:t>1</a:t>
+            </a:r>
+            <a:r>
+              <a:rPr lang="pt-BR" dirty="0">
+                <a:solidFill>
+                  <a:srgbClr val="000000"/>
+                </a:solidFill>
+                <a:latin typeface="Consolas" panose="020B0609020204030204" pitchFamily="49" charset="0"/>
+              </a:rPr>
+              <a:t> </a:t>
+            </a:r>
+            <a:r>
+              <a:rPr lang="pt-BR" dirty="0">
+                <a:solidFill>
+                  <a:srgbClr val="098658"/>
+                </a:solidFill>
+                <a:latin typeface="Consolas" panose="020B0609020204030204" pitchFamily="49" charset="0"/>
+              </a:rPr>
+              <a:t>1</a:t>
+            </a:r>
+            <a:r>
+              <a:rPr lang="pt-BR" dirty="0">
+                <a:solidFill>
+                  <a:srgbClr val="000000"/>
+                </a:solidFill>
+                <a:latin typeface="Consolas" panose="020B0609020204030204" pitchFamily="49" charset="0"/>
+              </a:rPr>
+              <a:t> </a:t>
+            </a:r>
+            <a:r>
+              <a:rPr lang="pt-BR" dirty="0">
+                <a:solidFill>
+                  <a:srgbClr val="098658"/>
+                </a:solidFill>
+                <a:latin typeface="Consolas" panose="020B0609020204030204" pitchFamily="49" charset="0"/>
+              </a:rPr>
+              <a:t>200px</a:t>
+            </a:r>
+            <a:r>
+              <a:rPr lang="pt-BR" dirty="0">
+                <a:solidFill>
+                  <a:srgbClr val="000000"/>
+                </a:solidFill>
+                <a:latin typeface="Consolas" panose="020B0609020204030204" pitchFamily="49" charset="0"/>
+              </a:rPr>
+              <a:t>;</a:t>
+            </a:r>
+          </a:p>
+          <a:p>
+            <a:r>
+              <a:rPr lang="pt-BR" dirty="0">
+                <a:solidFill>
+                  <a:srgbClr val="000000"/>
+                </a:solidFill>
+                <a:latin typeface="Consolas" panose="020B0609020204030204" pitchFamily="49" charset="0"/>
+              </a:rPr>
+              <a:t>}</a:t>
+            </a:r>
+            <a:endParaRPr lang="pt-BR" b="0" dirty="0">
+              <a:solidFill>
+                <a:srgbClr val="000000"/>
+              </a:solidFill>
+              <a:effectLst/>
+              <a:latin typeface="Consolas" panose="020B0609020204030204" pitchFamily="49" charset="0"/>
+            </a:endParaRPr>
+          </a:p>
+        </p:txBody>
+      </p:sp>
+      <p:sp>
+        <p:nvSpPr>
+          <p:cNvPr id="7" name="CaixaDeTexto 6">
+            <a:extLst>
+              <a:ext uri="{FF2B5EF4-FFF2-40B4-BE49-F238E27FC236}">
+                <a16:creationId xmlns:a16="http://schemas.microsoft.com/office/drawing/2014/main" id="{315FB35A-6033-4615-8A6E-7CC20AF2770A}"/>
+              </a:ext>
+            </a:extLst>
+          </p:cNvPr>
+          <p:cNvSpPr txBox="1"/>
+          <p:nvPr/>
+        </p:nvSpPr>
+        <p:spPr>
+          <a:xfrm>
+            <a:off x="592347" y="3225004"/>
+            <a:ext cx="1123158" cy="369332"/>
+          </a:xfrm>
+          <a:prstGeom prst="rect">
+            <a:avLst/>
+          </a:prstGeom>
+          <a:noFill/>
+        </p:spPr>
+        <p:txBody>
+          <a:bodyPr wrap="square" rtlCol="0">
+            <a:spAutoFit/>
+          </a:bodyPr>
+          <a:lstStyle/>
+          <a:p>
+            <a:r>
+              <a:rPr lang="pt-BR" dirty="0">
+                <a:latin typeface="Times New Roman" panose="02020603050405020304" pitchFamily="18" charset="0"/>
+                <a:cs typeface="Times New Roman" panose="02020603050405020304" pitchFamily="18" charset="0"/>
+              </a:rPr>
+              <a:t>Sintaxe:</a:t>
+            </a:r>
+          </a:p>
+        </p:txBody>
+      </p:sp>
+      <p:sp>
+        <p:nvSpPr>
+          <p:cNvPr id="8" name="CaixaDeTexto 7">
+            <a:extLst>
+              <a:ext uri="{FF2B5EF4-FFF2-40B4-BE49-F238E27FC236}">
+                <a16:creationId xmlns:a16="http://schemas.microsoft.com/office/drawing/2014/main" id="{1A32EFD0-E646-491D-8398-2699FC3C4D50}"/>
+              </a:ext>
+            </a:extLst>
+          </p:cNvPr>
+          <p:cNvSpPr txBox="1"/>
+          <p:nvPr/>
+        </p:nvSpPr>
+        <p:spPr>
+          <a:xfrm>
+            <a:off x="592347" y="4726532"/>
+            <a:ext cx="1123158" cy="369332"/>
+          </a:xfrm>
+          <a:prstGeom prst="rect">
+            <a:avLst/>
+          </a:prstGeom>
+          <a:noFill/>
+        </p:spPr>
+        <p:txBody>
+          <a:bodyPr wrap="square" rtlCol="0">
+            <a:spAutoFit/>
+          </a:bodyPr>
+          <a:lstStyle/>
+          <a:p>
+            <a:r>
+              <a:rPr lang="pt-BR" dirty="0">
+                <a:latin typeface="Times New Roman" panose="02020603050405020304" pitchFamily="18" charset="0"/>
+                <a:cs typeface="Times New Roman" panose="02020603050405020304" pitchFamily="18" charset="0"/>
+              </a:rPr>
+              <a:t>Exemplo:</a:t>
+            </a:r>
+          </a:p>
+        </p:txBody>
+      </p:sp>
+    </p:spTree>
+    <p:extLst>
+      <p:ext uri="{BB962C8B-B14F-4D97-AF65-F5344CB8AC3E}">
+        <p14:creationId xmlns:p14="http://schemas.microsoft.com/office/powerpoint/2010/main" val="774871667"/>
+      </p:ext>
+    </p:extLst>
+  </p:cSld>
+  <p:clrMapOvr>
+    <a:masterClrMapping/>
+  </p:clrMapOvr>
+</p:sld>
+</file>
+
+<file path=ppt/slides/slide29.xml><?xml version="1.0" encoding="utf-8"?>
+<p:sld xmlns:a="http://schemas.openxmlformats.org/drawingml/2006/main" xmlns:r="http://schemas.openxmlformats.org/officeDocument/2006/relationships" xmlns:p="http://schemas.openxmlformats.org/presentationml/2006/main">
+  <p:cSld>
+    <p:spTree>
+      <p:nvGrpSpPr>
+        <p:cNvPr id="1" name=""/>
+        <p:cNvGrpSpPr/>
+        <p:nvPr/>
+      </p:nvGrpSpPr>
+      <p:grpSpPr>
+        <a:xfrm>
+          <a:off x="0" y="0"/>
+          <a:ext cx="0" cy="0"/>
+          <a:chOff x="0" y="0"/>
+          <a:chExt cx="0" cy="0"/>
+        </a:xfrm>
+      </p:grpSpPr>
+      <p:sp>
+        <p:nvSpPr>
+          <p:cNvPr id="2" name="Título 1">
+            <a:extLst>
+              <a:ext uri="{FF2B5EF4-FFF2-40B4-BE49-F238E27FC236}">
+                <a16:creationId xmlns:a16="http://schemas.microsoft.com/office/drawing/2014/main" id="{F201CCA1-6C48-4F46-B21A-DB9FC589B55E}"/>
+              </a:ext>
+            </a:extLst>
+          </p:cNvPr>
+          <p:cNvSpPr>
+            <a:spLocks noGrp="1"/>
+          </p:cNvSpPr>
+          <p:nvPr>
+            <p:ph type="title"/>
+          </p:nvPr>
+        </p:nvSpPr>
+        <p:spPr/>
+        <p:txBody>
+          <a:bodyPr/>
+          <a:lstStyle/>
+          <a:p>
+            <a:r>
+              <a:rPr lang="pt-BR" dirty="0"/>
+              <a:t>Projeto Página de </a:t>
+            </a:r>
+            <a:r>
+              <a:rPr lang="pt-BR"/>
+              <a:t>vendas Simples</a:t>
+            </a:r>
+            <a:endParaRPr lang="pt-BR" dirty="0"/>
+          </a:p>
+        </p:txBody>
+      </p:sp>
+      <p:sp>
+        <p:nvSpPr>
+          <p:cNvPr id="3" name="Espaço Reservado para Conteúdo 2">
+            <a:extLst>
+              <a:ext uri="{FF2B5EF4-FFF2-40B4-BE49-F238E27FC236}">
+                <a16:creationId xmlns:a16="http://schemas.microsoft.com/office/drawing/2014/main" id="{C2217C4D-49B3-4584-BA98-0FC1CB79ABA0}"/>
+              </a:ext>
+            </a:extLst>
+          </p:cNvPr>
+          <p:cNvSpPr>
+            <a:spLocks noGrp="1"/>
+          </p:cNvSpPr>
+          <p:nvPr>
+            <p:ph idx="1"/>
+          </p:nvPr>
+        </p:nvSpPr>
+        <p:spPr/>
+        <p:txBody>
+          <a:bodyPr/>
+          <a:lstStyle/>
+          <a:p>
+            <a:pPr>
+              <a:spcBef>
+                <a:spcPts val="0"/>
+              </a:spcBef>
+            </a:pPr>
+            <a:r>
+              <a:rPr lang="pt-BR" sz="1800" dirty="0"/>
+              <a:t>Este projeto apresenta uma página web básica para um site de vendas, estruturada com HTML, CSS e </a:t>
+            </a:r>
+            <a:r>
+              <a:rPr lang="pt-BR" sz="1800" dirty="0" err="1"/>
+              <a:t>JavaScript</a:t>
+            </a:r>
+            <a:r>
+              <a:rPr lang="pt-BR" sz="1800" dirty="0"/>
+              <a:t>. O objetivo é exibir uma lista de produtos organizados em </a:t>
+            </a:r>
+            <a:r>
+              <a:rPr lang="pt-BR" sz="1800" dirty="0" err="1"/>
+              <a:t>cards</a:t>
+            </a:r>
+            <a:r>
+              <a:rPr lang="pt-BR" sz="1800" dirty="0"/>
+              <a:t>, permitindo que os usuários visualizem informações como nome, preço e frete.</a:t>
+            </a:r>
+          </a:p>
+          <a:p>
+            <a:pPr>
+              <a:spcBef>
+                <a:spcPts val="0"/>
+              </a:spcBef>
+            </a:pPr>
+            <a:endParaRPr lang="pt-BR" sz="1800" dirty="0"/>
+          </a:p>
+          <a:p>
+            <a:pPr>
+              <a:spcBef>
+                <a:spcPts val="0"/>
+              </a:spcBef>
+            </a:pPr>
+            <a:r>
+              <a:rPr lang="pt-BR" sz="1800" dirty="0"/>
+              <a:t>A estrutura principal do código é dividida em três partes:</a:t>
+            </a:r>
+          </a:p>
+          <a:p>
+            <a:pPr marL="1028700" lvl="1" indent="-342900">
+              <a:spcBef>
+                <a:spcPts val="0"/>
+              </a:spcBef>
+            </a:pPr>
+            <a:r>
+              <a:rPr lang="pt-BR" dirty="0"/>
+              <a:t>Cabeçalho (Header): Contém o nome da loja, um campo de pesquisa para encontrar produtos e uma barra de navegação com links para diferentes páginas do site.</a:t>
+            </a:r>
+          </a:p>
+          <a:p>
+            <a:pPr marL="1028700" lvl="1" indent="-342900">
+              <a:spcBef>
+                <a:spcPts val="0"/>
+              </a:spcBef>
+            </a:pPr>
+            <a:r>
+              <a:rPr lang="pt-BR" dirty="0"/>
+              <a:t>Corpo (</a:t>
+            </a:r>
+            <a:r>
+              <a:rPr lang="pt-BR" dirty="0" err="1"/>
+              <a:t>Main</a:t>
+            </a:r>
+            <a:r>
+              <a:rPr lang="pt-BR" dirty="0"/>
+              <a:t>): Exibe os produtos dentro de uma seção chamada container, onde cada item é representado por um card. Cada </a:t>
+            </a:r>
+            <a:r>
+              <a:rPr lang="pt-BR" dirty="0" err="1"/>
+              <a:t>card</a:t>
+            </a:r>
+            <a:r>
+              <a:rPr lang="pt-BR" dirty="0"/>
+              <a:t> contém uma imagem do produto, uma breve descrição, o preço e informações sobre o frete.</a:t>
+            </a:r>
+          </a:p>
+          <a:p>
+            <a:pPr marL="1028700" lvl="1" indent="-342900">
+              <a:spcBef>
+                <a:spcPts val="0"/>
+              </a:spcBef>
+            </a:pPr>
+            <a:r>
+              <a:rPr lang="pt-BR" dirty="0"/>
+              <a:t>Rodapé (</a:t>
+            </a:r>
+            <a:r>
+              <a:rPr lang="pt-BR" dirty="0" err="1"/>
+              <a:t>Footer</a:t>
+            </a:r>
+            <a:r>
+              <a:rPr lang="pt-BR" dirty="0"/>
+              <a:t>): Inclui uma mensagem de copyright para indicar a autoria do site.</a:t>
+            </a:r>
+          </a:p>
+        </p:txBody>
+      </p:sp>
+    </p:spTree>
+    <p:extLst>
+      <p:ext uri="{BB962C8B-B14F-4D97-AF65-F5344CB8AC3E}">
+        <p14:creationId xmlns:p14="http://schemas.microsoft.com/office/powerpoint/2010/main" val="1736325408"/>
       </p:ext>
     </p:extLst>
   </p:cSld>
@@ -13274,322 +21097,301 @@
           </a:p>
         </p:txBody>
       </p:sp>
-      <p:grpSp>
-        <p:nvGrpSpPr>
-          <p:cNvPr id="4" name="Agrupar 3">
-            <a:extLst>
-              <a:ext uri="{FF2B5EF4-FFF2-40B4-BE49-F238E27FC236}">
-                <a16:creationId xmlns:a16="http://schemas.microsoft.com/office/drawing/2014/main" id="{3EDDBA17-D444-4545-8C42-E4DDA9A24745}"/>
-              </a:ext>
-            </a:extLst>
-          </p:cNvPr>
-          <p:cNvGrpSpPr/>
+      <p:sp>
+        <p:nvSpPr>
+          <p:cNvPr id="5" name="Retângulo: Cantos Arredondados 4">
+            <a:extLst>
+              <a:ext uri="{FF2B5EF4-FFF2-40B4-BE49-F238E27FC236}">
+                <a16:creationId xmlns:a16="http://schemas.microsoft.com/office/drawing/2014/main" id="{6F102702-86D7-4E96-A0DD-A87B2B9FD480}"/>
+              </a:ext>
+            </a:extLst>
+          </p:cNvPr>
+          <p:cNvSpPr/>
           <p:nvPr/>
-        </p:nvGrpSpPr>
-        <p:grpSpPr>
+        </p:nvSpPr>
+        <p:spPr>
           <a:xfrm>
             <a:off x="2967038" y="4516345"/>
             <a:ext cx="6286162" cy="1440000"/>
-            <a:chOff x="2967038" y="4516345"/>
-            <a:chExt cx="6286162" cy="1440000"/>
           </a:xfrm>
-        </p:grpSpPr>
-        <p:sp>
-          <p:nvSpPr>
-            <p:cNvPr id="5" name="Retângulo: Cantos Arredondados 4">
-              <a:extLst>
-                <a:ext uri="{FF2B5EF4-FFF2-40B4-BE49-F238E27FC236}">
-                  <a16:creationId xmlns:a16="http://schemas.microsoft.com/office/drawing/2014/main" id="{6F102702-86D7-4E96-A0DD-A87B2B9FD480}"/>
-                </a:ext>
-              </a:extLst>
-            </p:cNvPr>
-            <p:cNvSpPr/>
-            <p:nvPr/>
-          </p:nvSpPr>
-          <p:spPr>
-            <a:xfrm>
-              <a:off x="2967038" y="4516345"/>
-              <a:ext cx="6286162" cy="1440000"/>
-            </a:xfrm>
-            <a:prstGeom prst="roundRect">
-              <a:avLst>
-                <a:gd name="adj" fmla="val 8805"/>
-              </a:avLst>
-            </a:prstGeom>
+          <a:prstGeom prst="roundRect">
+            <a:avLst>
+              <a:gd name="adj" fmla="val 8805"/>
+            </a:avLst>
+          </a:prstGeom>
+          <a:solidFill>
+            <a:srgbClr val="FFE7E7"/>
+          </a:solidFill>
+          <a:ln w="19050">
             <a:solidFill>
-              <a:schemeClr val="bg1"/>
+              <a:schemeClr val="tx1">
+                <a:lumMod val="95000"/>
+                <a:lumOff val="5000"/>
+              </a:schemeClr>
             </a:solidFill>
-            <a:ln w="19050">
-              <a:solidFill>
-                <a:schemeClr val="tx1">
-                  <a:lumMod val="95000"/>
-                  <a:lumOff val="5000"/>
-                </a:schemeClr>
-              </a:solidFill>
-            </a:ln>
-          </p:spPr>
-          <p:style>
-            <a:lnRef idx="2">
-              <a:schemeClr val="accent1">
-                <a:shade val="50000"/>
+          </a:ln>
+        </p:spPr>
+        <p:style>
+          <a:lnRef idx="2">
+            <a:schemeClr val="accent1">
+              <a:shade val="50000"/>
+            </a:schemeClr>
+          </a:lnRef>
+          <a:fillRef idx="1">
+            <a:schemeClr val="accent1"/>
+          </a:fillRef>
+          <a:effectRef idx="0">
+            <a:schemeClr val="accent1"/>
+          </a:effectRef>
+          <a:fontRef idx="minor">
+            <a:schemeClr val="lt1"/>
+          </a:fontRef>
+        </p:style>
+        <p:txBody>
+          <a:bodyPr rtlCol="0" anchor="ctr"/>
+          <a:lstStyle/>
+          <a:p>
+            <a:pPr algn="ctr"/>
+            <a:endParaRPr lang="pt-BR"/>
+          </a:p>
+        </p:txBody>
+      </p:sp>
+      <p:sp>
+        <p:nvSpPr>
+          <p:cNvPr id="6" name="Retângulo: Cantos Arredondados 5">
+            <a:extLst>
+              <a:ext uri="{FF2B5EF4-FFF2-40B4-BE49-F238E27FC236}">
+                <a16:creationId xmlns:a16="http://schemas.microsoft.com/office/drawing/2014/main" id="{C4D18652-A649-407D-A8F6-97FCA6D15568}"/>
+              </a:ext>
+            </a:extLst>
+          </p:cNvPr>
+          <p:cNvSpPr/>
+          <p:nvPr/>
+        </p:nvSpPr>
+        <p:spPr>
+          <a:xfrm>
+            <a:off x="3363683" y="4696345"/>
+            <a:ext cx="1080000" cy="1080000"/>
+          </a:xfrm>
+          <a:prstGeom prst="roundRect">
+            <a:avLst>
+              <a:gd name="adj" fmla="val 8805"/>
+            </a:avLst>
+          </a:prstGeom>
+          <a:solidFill>
+            <a:srgbClr val="043073"/>
+          </a:solidFill>
+          <a:ln w="19050">
+            <a:solidFill>
+              <a:schemeClr val="tx1">
+                <a:lumMod val="95000"/>
+                <a:lumOff val="5000"/>
               </a:schemeClr>
-            </a:lnRef>
-            <a:fillRef idx="1">
-              <a:schemeClr val="accent1"/>
-            </a:fillRef>
-            <a:effectRef idx="0">
-              <a:schemeClr val="accent1"/>
-            </a:effectRef>
-            <a:fontRef idx="minor">
-              <a:schemeClr val="lt1"/>
-            </a:fontRef>
-          </p:style>
-          <p:txBody>
-            <a:bodyPr rtlCol="0" anchor="ctr"/>
-            <a:lstStyle/>
-            <a:p>
-              <a:pPr algn="ctr"/>
-              <a:endParaRPr lang="pt-BR"/>
-            </a:p>
-          </p:txBody>
-        </p:sp>
-        <p:sp>
-          <p:nvSpPr>
-            <p:cNvPr id="6" name="Retângulo: Cantos Arredondados 5">
-              <a:extLst>
-                <a:ext uri="{FF2B5EF4-FFF2-40B4-BE49-F238E27FC236}">
-                  <a16:creationId xmlns:a16="http://schemas.microsoft.com/office/drawing/2014/main" id="{C4D18652-A649-407D-A8F6-97FCA6D15568}"/>
-                </a:ext>
-              </a:extLst>
-            </p:cNvPr>
-            <p:cNvSpPr/>
-            <p:nvPr/>
-          </p:nvSpPr>
-          <p:spPr>
-            <a:xfrm>
-              <a:off x="3363683" y="4696345"/>
-              <a:ext cx="1080000" cy="1080000"/>
-            </a:xfrm>
-            <a:prstGeom prst="roundRect">
-              <a:avLst>
-                <a:gd name="adj" fmla="val 8805"/>
-              </a:avLst>
-            </a:prstGeom>
+            </a:solidFill>
+          </a:ln>
+        </p:spPr>
+        <p:style>
+          <a:lnRef idx="2">
+            <a:schemeClr val="accent1">
+              <a:shade val="50000"/>
+            </a:schemeClr>
+          </a:lnRef>
+          <a:fillRef idx="1">
+            <a:schemeClr val="accent1"/>
+          </a:fillRef>
+          <a:effectRef idx="0">
+            <a:schemeClr val="accent1"/>
+          </a:effectRef>
+          <a:fontRef idx="minor">
+            <a:schemeClr val="lt1"/>
+          </a:fontRef>
+        </p:style>
+        <p:txBody>
+          <a:bodyPr rtlCol="0" anchor="ctr"/>
+          <a:lstStyle/>
+          <a:p>
+            <a:pPr algn="ctr"/>
+            <a:endParaRPr lang="pt-BR"/>
+          </a:p>
+        </p:txBody>
+      </p:sp>
+      <p:sp>
+        <p:nvSpPr>
+          <p:cNvPr id="7" name="Retângulo: Cantos Arredondados 6">
+            <a:extLst>
+              <a:ext uri="{FF2B5EF4-FFF2-40B4-BE49-F238E27FC236}">
+                <a16:creationId xmlns:a16="http://schemas.microsoft.com/office/drawing/2014/main" id="{C65F4171-79B8-4412-A273-A9157D61108D}"/>
+              </a:ext>
+            </a:extLst>
+          </p:cNvPr>
+          <p:cNvSpPr/>
+          <p:nvPr/>
+        </p:nvSpPr>
+        <p:spPr>
+          <a:xfrm>
+            <a:off x="4830322" y="4696345"/>
+            <a:ext cx="1080000" cy="1080000"/>
+          </a:xfrm>
+          <a:prstGeom prst="roundRect">
+            <a:avLst>
+              <a:gd name="adj" fmla="val 8805"/>
+            </a:avLst>
+          </a:prstGeom>
+          <a:solidFill>
+            <a:srgbClr val="043073"/>
+          </a:solidFill>
+          <a:ln w="19050">
             <a:solidFill>
-              <a:srgbClr val="043073"/>
+              <a:schemeClr val="tx1">
+                <a:lumMod val="95000"/>
+                <a:lumOff val="5000"/>
+              </a:schemeClr>
             </a:solidFill>
-            <a:ln w="19050">
-              <a:solidFill>
-                <a:schemeClr val="tx1">
-                  <a:lumMod val="95000"/>
-                  <a:lumOff val="5000"/>
-                </a:schemeClr>
-              </a:solidFill>
-            </a:ln>
-          </p:spPr>
-          <p:style>
-            <a:lnRef idx="2">
-              <a:schemeClr val="accent1">
-                <a:shade val="50000"/>
+          </a:ln>
+        </p:spPr>
+        <p:style>
+          <a:lnRef idx="2">
+            <a:schemeClr val="accent1">
+              <a:shade val="50000"/>
+            </a:schemeClr>
+          </a:lnRef>
+          <a:fillRef idx="1">
+            <a:schemeClr val="accent1"/>
+          </a:fillRef>
+          <a:effectRef idx="0">
+            <a:schemeClr val="accent1"/>
+          </a:effectRef>
+          <a:fontRef idx="minor">
+            <a:schemeClr val="lt1"/>
+          </a:fontRef>
+        </p:style>
+        <p:txBody>
+          <a:bodyPr rtlCol="0" anchor="ctr"/>
+          <a:lstStyle/>
+          <a:p>
+            <a:pPr algn="ctr"/>
+            <a:endParaRPr lang="pt-BR"/>
+          </a:p>
+        </p:txBody>
+      </p:sp>
+      <p:sp>
+        <p:nvSpPr>
+          <p:cNvPr id="8" name="Retângulo: Cantos Arredondados 7">
+            <a:extLst>
+              <a:ext uri="{FF2B5EF4-FFF2-40B4-BE49-F238E27FC236}">
+                <a16:creationId xmlns:a16="http://schemas.microsoft.com/office/drawing/2014/main" id="{53AA35DD-B640-425D-922D-66C5BC4B99BF}"/>
+              </a:ext>
+            </a:extLst>
+          </p:cNvPr>
+          <p:cNvSpPr/>
+          <p:nvPr/>
+        </p:nvSpPr>
+        <p:spPr>
+          <a:xfrm>
+            <a:off x="6308442" y="4696345"/>
+            <a:ext cx="1080000" cy="1080000"/>
+          </a:xfrm>
+          <a:prstGeom prst="roundRect">
+            <a:avLst>
+              <a:gd name="adj" fmla="val 8805"/>
+            </a:avLst>
+          </a:prstGeom>
+          <a:solidFill>
+            <a:srgbClr val="043073"/>
+          </a:solidFill>
+          <a:ln w="19050">
+            <a:solidFill>
+              <a:schemeClr val="tx1">
+                <a:lumMod val="95000"/>
+                <a:lumOff val="5000"/>
               </a:schemeClr>
-            </a:lnRef>
-            <a:fillRef idx="1">
-              <a:schemeClr val="accent1"/>
-            </a:fillRef>
-            <a:effectRef idx="0">
-              <a:schemeClr val="accent1"/>
-            </a:effectRef>
-            <a:fontRef idx="minor">
-              <a:schemeClr val="lt1"/>
-            </a:fontRef>
-          </p:style>
-          <p:txBody>
-            <a:bodyPr rtlCol="0" anchor="ctr"/>
-            <a:lstStyle/>
-            <a:p>
-              <a:pPr algn="ctr"/>
-              <a:endParaRPr lang="pt-BR"/>
-            </a:p>
-          </p:txBody>
-        </p:sp>
-        <p:sp>
-          <p:nvSpPr>
-            <p:cNvPr id="7" name="Retângulo: Cantos Arredondados 6">
-              <a:extLst>
-                <a:ext uri="{FF2B5EF4-FFF2-40B4-BE49-F238E27FC236}">
-                  <a16:creationId xmlns:a16="http://schemas.microsoft.com/office/drawing/2014/main" id="{C65F4171-79B8-4412-A273-A9157D61108D}"/>
-                </a:ext>
-              </a:extLst>
-            </p:cNvPr>
-            <p:cNvSpPr/>
-            <p:nvPr/>
-          </p:nvSpPr>
-          <p:spPr>
-            <a:xfrm>
-              <a:off x="4830322" y="4696345"/>
-              <a:ext cx="1080000" cy="1080000"/>
-            </a:xfrm>
-            <a:prstGeom prst="roundRect">
-              <a:avLst>
-                <a:gd name="adj" fmla="val 8805"/>
-              </a:avLst>
-            </a:prstGeom>
+            </a:solidFill>
+          </a:ln>
+        </p:spPr>
+        <p:style>
+          <a:lnRef idx="2">
+            <a:schemeClr val="accent1">
+              <a:shade val="50000"/>
+            </a:schemeClr>
+          </a:lnRef>
+          <a:fillRef idx="1">
+            <a:schemeClr val="accent1"/>
+          </a:fillRef>
+          <a:effectRef idx="0">
+            <a:schemeClr val="accent1"/>
+          </a:effectRef>
+          <a:fontRef idx="minor">
+            <a:schemeClr val="lt1"/>
+          </a:fontRef>
+        </p:style>
+        <p:txBody>
+          <a:bodyPr rtlCol="0" anchor="ctr"/>
+          <a:lstStyle/>
+          <a:p>
+            <a:pPr algn="ctr"/>
+            <a:endParaRPr lang="pt-BR"/>
+          </a:p>
+        </p:txBody>
+      </p:sp>
+      <p:sp>
+        <p:nvSpPr>
+          <p:cNvPr id="9" name="Retângulo: Cantos Arredondados 8">
+            <a:extLst>
+              <a:ext uri="{FF2B5EF4-FFF2-40B4-BE49-F238E27FC236}">
+                <a16:creationId xmlns:a16="http://schemas.microsoft.com/office/drawing/2014/main" id="{B4B592B0-BDE2-4DFC-B65F-652F058DFA6B}"/>
+              </a:ext>
+            </a:extLst>
+          </p:cNvPr>
+          <p:cNvSpPr/>
+          <p:nvPr/>
+        </p:nvSpPr>
+        <p:spPr>
+          <a:xfrm>
+            <a:off x="7780821" y="4696345"/>
+            <a:ext cx="1080000" cy="1080000"/>
+          </a:xfrm>
+          <a:prstGeom prst="roundRect">
+            <a:avLst>
+              <a:gd name="adj" fmla="val 8805"/>
+            </a:avLst>
+          </a:prstGeom>
+          <a:solidFill>
+            <a:srgbClr val="043073"/>
+          </a:solidFill>
+          <a:ln w="19050">
             <a:solidFill>
-              <a:srgbClr val="043073"/>
+              <a:schemeClr val="tx1">
+                <a:lumMod val="95000"/>
+                <a:lumOff val="5000"/>
+              </a:schemeClr>
             </a:solidFill>
-            <a:ln w="19050">
-              <a:solidFill>
-                <a:schemeClr val="tx1">
-                  <a:lumMod val="95000"/>
-                  <a:lumOff val="5000"/>
-                </a:schemeClr>
-              </a:solidFill>
-            </a:ln>
-          </p:spPr>
-          <p:style>
-            <a:lnRef idx="2">
-              <a:schemeClr val="accent1">
-                <a:shade val="50000"/>
-              </a:schemeClr>
-            </a:lnRef>
-            <a:fillRef idx="1">
-              <a:schemeClr val="accent1"/>
-            </a:fillRef>
-            <a:effectRef idx="0">
-              <a:schemeClr val="accent1"/>
-            </a:effectRef>
-            <a:fontRef idx="minor">
-              <a:schemeClr val="lt1"/>
-            </a:fontRef>
-          </p:style>
-          <p:txBody>
-            <a:bodyPr rtlCol="0" anchor="ctr"/>
-            <a:lstStyle/>
-            <a:p>
-              <a:pPr algn="ctr"/>
-              <a:endParaRPr lang="pt-BR"/>
-            </a:p>
-          </p:txBody>
-        </p:sp>
-        <p:sp>
-          <p:nvSpPr>
-            <p:cNvPr id="8" name="Retângulo: Cantos Arredondados 7">
-              <a:extLst>
-                <a:ext uri="{FF2B5EF4-FFF2-40B4-BE49-F238E27FC236}">
-                  <a16:creationId xmlns:a16="http://schemas.microsoft.com/office/drawing/2014/main" id="{53AA35DD-B640-425D-922D-66C5BC4B99BF}"/>
-                </a:ext>
-              </a:extLst>
-            </p:cNvPr>
-            <p:cNvSpPr/>
-            <p:nvPr/>
-          </p:nvSpPr>
-          <p:spPr>
-            <a:xfrm>
-              <a:off x="6308442" y="4696345"/>
-              <a:ext cx="1080000" cy="1080000"/>
-            </a:xfrm>
-            <a:prstGeom prst="roundRect">
-              <a:avLst>
-                <a:gd name="adj" fmla="val 8805"/>
-              </a:avLst>
-            </a:prstGeom>
-            <a:solidFill>
-              <a:srgbClr val="043073"/>
-            </a:solidFill>
-            <a:ln w="19050">
-              <a:solidFill>
-                <a:schemeClr val="tx1">
-                  <a:lumMod val="95000"/>
-                  <a:lumOff val="5000"/>
-                </a:schemeClr>
-              </a:solidFill>
-            </a:ln>
-          </p:spPr>
-          <p:style>
-            <a:lnRef idx="2">
-              <a:schemeClr val="accent1">
-                <a:shade val="50000"/>
-              </a:schemeClr>
-            </a:lnRef>
-            <a:fillRef idx="1">
-              <a:schemeClr val="accent1"/>
-            </a:fillRef>
-            <a:effectRef idx="0">
-              <a:schemeClr val="accent1"/>
-            </a:effectRef>
-            <a:fontRef idx="minor">
-              <a:schemeClr val="lt1"/>
-            </a:fontRef>
-          </p:style>
-          <p:txBody>
-            <a:bodyPr rtlCol="0" anchor="ctr"/>
-            <a:lstStyle/>
-            <a:p>
-              <a:pPr algn="ctr"/>
-              <a:endParaRPr lang="pt-BR"/>
-            </a:p>
-          </p:txBody>
-        </p:sp>
-        <p:sp>
-          <p:nvSpPr>
-            <p:cNvPr id="9" name="Retângulo: Cantos Arredondados 8">
-              <a:extLst>
-                <a:ext uri="{FF2B5EF4-FFF2-40B4-BE49-F238E27FC236}">
-                  <a16:creationId xmlns:a16="http://schemas.microsoft.com/office/drawing/2014/main" id="{B4B592B0-BDE2-4DFC-B65F-652F058DFA6B}"/>
-                </a:ext>
-              </a:extLst>
-            </p:cNvPr>
-            <p:cNvSpPr/>
-            <p:nvPr/>
-          </p:nvSpPr>
-          <p:spPr>
-            <a:xfrm>
-              <a:off x="7780821" y="4696345"/>
-              <a:ext cx="1080000" cy="1080000"/>
-            </a:xfrm>
-            <a:prstGeom prst="roundRect">
-              <a:avLst>
-                <a:gd name="adj" fmla="val 8805"/>
-              </a:avLst>
-            </a:prstGeom>
-            <a:solidFill>
-              <a:srgbClr val="043073"/>
-            </a:solidFill>
-            <a:ln w="19050">
-              <a:solidFill>
-                <a:schemeClr val="tx1">
-                  <a:lumMod val="95000"/>
-                  <a:lumOff val="5000"/>
-                </a:schemeClr>
-              </a:solidFill>
-            </a:ln>
-          </p:spPr>
-          <p:style>
-            <a:lnRef idx="2">
-              <a:schemeClr val="accent1">
-                <a:shade val="50000"/>
-              </a:schemeClr>
-            </a:lnRef>
-            <a:fillRef idx="1">
-              <a:schemeClr val="accent1"/>
-            </a:fillRef>
-            <a:effectRef idx="0">
-              <a:schemeClr val="accent1"/>
-            </a:effectRef>
-            <a:fontRef idx="minor">
-              <a:schemeClr val="lt1"/>
-            </a:fontRef>
-          </p:style>
-          <p:txBody>
-            <a:bodyPr rtlCol="0" anchor="ctr"/>
-            <a:lstStyle/>
-            <a:p>
-              <a:pPr algn="ctr"/>
-              <a:endParaRPr lang="pt-BR"/>
-            </a:p>
-          </p:txBody>
-        </p:sp>
-      </p:grpSp>
+          </a:ln>
+        </p:spPr>
+        <p:style>
+          <a:lnRef idx="2">
+            <a:schemeClr val="accent1">
+              <a:shade val="50000"/>
+            </a:schemeClr>
+          </a:lnRef>
+          <a:fillRef idx="1">
+            <a:schemeClr val="accent1"/>
+          </a:fillRef>
+          <a:effectRef idx="0">
+            <a:schemeClr val="accent1"/>
+          </a:effectRef>
+          <a:fontRef idx="minor">
+            <a:schemeClr val="lt1"/>
+          </a:fontRef>
+        </p:style>
+        <p:txBody>
+          <a:bodyPr rtlCol="0" anchor="ctr"/>
+          <a:lstStyle/>
+          <a:p>
+            <a:pPr algn="ctr"/>
+            <a:endParaRPr lang="pt-BR"/>
+          </a:p>
+        </p:txBody>
+      </p:sp>
       <p:cxnSp>
         <p:nvCxnSpPr>
           <p:cNvPr id="10" name="Conector de Seta Reta 9">
@@ -15485,6 +23287,639 @@
           <a:p>
             <a:r>
               <a:rPr lang="pt-BR" dirty="0"/>
+              <a:t>Sintaxe Flex-Direction (</a:t>
+            </a:r>
+            <a:r>
+              <a:rPr lang="pt-BR" dirty="0" err="1"/>
+              <a:t>column</a:t>
+            </a:r>
+            <a:r>
+              <a:rPr lang="pt-BR" dirty="0"/>
+              <a:t>)</a:t>
+            </a:r>
+          </a:p>
+        </p:txBody>
+      </p:sp>
+      <p:sp>
+        <p:nvSpPr>
+          <p:cNvPr id="3" name="Espaço Reservado para Conteúdo 2">
+            <a:extLst>
+              <a:ext uri="{FF2B5EF4-FFF2-40B4-BE49-F238E27FC236}">
+                <a16:creationId xmlns:a16="http://schemas.microsoft.com/office/drawing/2014/main" id="{B8A970D1-F5AF-49EF-8F83-F2FA8AD011AD}"/>
+              </a:ext>
+            </a:extLst>
+          </p:cNvPr>
+          <p:cNvSpPr>
+            <a:spLocks noGrp="1"/>
+          </p:cNvSpPr>
+          <p:nvPr>
+            <p:ph idx="1"/>
+          </p:nvPr>
+        </p:nvSpPr>
+        <p:spPr>
+          <a:xfrm>
+            <a:off x="592347" y="1844675"/>
+            <a:ext cx="11007306" cy="1584325"/>
+          </a:xfrm>
+        </p:spPr>
+        <p:txBody>
+          <a:bodyPr/>
+          <a:lstStyle/>
+          <a:p>
+            <a:r>
+              <a:rPr lang="pt-BR" dirty="0"/>
+              <a:t>O </a:t>
+            </a:r>
+            <a:r>
+              <a:rPr lang="pt-BR" dirty="0" err="1"/>
+              <a:t>flex-direction</a:t>
+            </a:r>
+            <a:r>
+              <a:rPr lang="pt-BR" dirty="0"/>
+              <a:t> é uma propriedade do </a:t>
+            </a:r>
+            <a:r>
+              <a:rPr lang="pt-BR" dirty="0" err="1"/>
+              <a:t>Flexbox</a:t>
+            </a:r>
+            <a:r>
+              <a:rPr lang="pt-BR" dirty="0"/>
+              <a:t> que define a direção principal dos itens dentro de um contêiner flexível. Ele determina se os itens serão organizados em linha (horizontalmente) ou em coluna (verticalmente).</a:t>
+            </a:r>
+          </a:p>
+        </p:txBody>
+      </p:sp>
+      <p:sp>
+        <p:nvSpPr>
+          <p:cNvPr id="16" name="CaixaDeTexto 15">
+            <a:extLst>
+              <a:ext uri="{FF2B5EF4-FFF2-40B4-BE49-F238E27FC236}">
+                <a16:creationId xmlns:a16="http://schemas.microsoft.com/office/drawing/2014/main" id="{AA3FC499-5B5B-43D6-A746-DAF1A1010236}"/>
+              </a:ext>
+            </a:extLst>
+          </p:cNvPr>
+          <p:cNvSpPr txBox="1"/>
+          <p:nvPr/>
+        </p:nvSpPr>
+        <p:spPr>
+          <a:xfrm>
+            <a:off x="592347" y="3601350"/>
+            <a:ext cx="1323975" cy="369332"/>
+          </a:xfrm>
+          <a:prstGeom prst="rect">
+            <a:avLst/>
+          </a:prstGeom>
+          <a:noFill/>
+        </p:spPr>
+        <p:txBody>
+          <a:bodyPr wrap="square" rtlCol="0">
+            <a:spAutoFit/>
+          </a:bodyPr>
+          <a:lstStyle/>
+          <a:p>
+            <a:r>
+              <a:rPr lang="pt-BR" dirty="0">
+                <a:latin typeface="Times New Roman" panose="02020603050405020304" pitchFamily="18" charset="0"/>
+                <a:cs typeface="Times New Roman" panose="02020603050405020304" pitchFamily="18" charset="0"/>
+              </a:rPr>
+              <a:t>Sintaxe:</a:t>
+            </a:r>
+          </a:p>
+        </p:txBody>
+      </p:sp>
+      <p:sp>
+        <p:nvSpPr>
+          <p:cNvPr id="18" name="CaixaDeTexto 17">
+            <a:extLst>
+              <a:ext uri="{FF2B5EF4-FFF2-40B4-BE49-F238E27FC236}">
+                <a16:creationId xmlns:a16="http://schemas.microsoft.com/office/drawing/2014/main" id="{79F1B678-B334-4FAD-97E1-B0CA878F66DC}"/>
+              </a:ext>
+            </a:extLst>
+          </p:cNvPr>
+          <p:cNvSpPr txBox="1"/>
+          <p:nvPr/>
+        </p:nvSpPr>
+        <p:spPr>
+          <a:xfrm>
+            <a:off x="6347640" y="3601350"/>
+            <a:ext cx="2808779" cy="369332"/>
+          </a:xfrm>
+          <a:prstGeom prst="rect">
+            <a:avLst/>
+          </a:prstGeom>
+          <a:noFill/>
+        </p:spPr>
+        <p:txBody>
+          <a:bodyPr wrap="square" rtlCol="0">
+            <a:spAutoFit/>
+          </a:bodyPr>
+          <a:lstStyle/>
+          <a:p>
+            <a:r>
+              <a:rPr lang="pt-BR" dirty="0">
+                <a:latin typeface="Times New Roman" panose="02020603050405020304" pitchFamily="18" charset="0"/>
+                <a:cs typeface="Times New Roman" panose="02020603050405020304" pitchFamily="18" charset="0"/>
+              </a:rPr>
+              <a:t>Opções de Flex-</a:t>
+            </a:r>
+            <a:r>
+              <a:rPr lang="pt-BR" dirty="0" err="1">
+                <a:latin typeface="Times New Roman" panose="02020603050405020304" pitchFamily="18" charset="0"/>
+                <a:cs typeface="Times New Roman" panose="02020603050405020304" pitchFamily="18" charset="0"/>
+              </a:rPr>
+              <a:t>direction</a:t>
+            </a:r>
+            <a:endParaRPr lang="pt-BR" dirty="0">
+              <a:latin typeface="Times New Roman" panose="02020603050405020304" pitchFamily="18" charset="0"/>
+              <a:cs typeface="Times New Roman" panose="02020603050405020304" pitchFamily="18" charset="0"/>
+            </a:endParaRPr>
+          </a:p>
+        </p:txBody>
+      </p:sp>
+      <p:sp>
+        <p:nvSpPr>
+          <p:cNvPr id="4" name="Retângulo 3">
+            <a:extLst>
+              <a:ext uri="{FF2B5EF4-FFF2-40B4-BE49-F238E27FC236}">
+                <a16:creationId xmlns:a16="http://schemas.microsoft.com/office/drawing/2014/main" id="{588A30DC-9945-41A9-9539-D5ECEC95BBD0}"/>
+              </a:ext>
+            </a:extLst>
+          </p:cNvPr>
+          <p:cNvSpPr/>
+          <p:nvPr/>
+        </p:nvSpPr>
+        <p:spPr>
+          <a:xfrm>
+            <a:off x="592347" y="4143032"/>
+            <a:ext cx="3953527" cy="1631216"/>
+          </a:xfrm>
+          <a:prstGeom prst="rect">
+            <a:avLst/>
+          </a:prstGeom>
+        </p:spPr>
+        <p:txBody>
+          <a:bodyPr wrap="square">
+            <a:spAutoFit/>
+          </a:bodyPr>
+          <a:lstStyle/>
+          <a:p>
+            <a:r>
+              <a:rPr lang="en-US" dirty="0">
+                <a:solidFill>
+                  <a:srgbClr val="800000"/>
+                </a:solidFill>
+                <a:latin typeface="Consolas" panose="020B0609020204030204" pitchFamily="49" charset="0"/>
+              </a:rPr>
+              <a:t>.container</a:t>
+            </a:r>
+            <a:r>
+              <a:rPr lang="en-US" dirty="0">
+                <a:solidFill>
+                  <a:srgbClr val="000000"/>
+                </a:solidFill>
+                <a:latin typeface="Consolas" panose="020B0609020204030204" pitchFamily="49" charset="0"/>
+              </a:rPr>
+              <a:t> {</a:t>
+            </a:r>
+          </a:p>
+          <a:p>
+            <a:pPr indent="457200">
+              <a:spcBef>
+                <a:spcPts val="150"/>
+              </a:spcBef>
+              <a:spcAft>
+                <a:spcPts val="150"/>
+              </a:spcAft>
+            </a:pPr>
+            <a:r>
+              <a:rPr lang="en-US" dirty="0">
+                <a:solidFill>
+                  <a:srgbClr val="E50000"/>
+                </a:solidFill>
+                <a:latin typeface="Consolas" panose="020B0609020204030204" pitchFamily="49" charset="0"/>
+              </a:rPr>
+              <a:t>border</a:t>
+            </a:r>
+            <a:r>
+              <a:rPr lang="en-US" dirty="0">
+                <a:solidFill>
+                  <a:srgbClr val="000000"/>
+                </a:solidFill>
+                <a:latin typeface="Consolas" panose="020B0609020204030204" pitchFamily="49" charset="0"/>
+              </a:rPr>
+              <a:t>: </a:t>
+            </a:r>
+            <a:r>
+              <a:rPr lang="en-US" dirty="0">
+                <a:solidFill>
+                  <a:srgbClr val="098658"/>
+                </a:solidFill>
+                <a:latin typeface="Consolas" panose="020B0609020204030204" pitchFamily="49" charset="0"/>
+              </a:rPr>
+              <a:t>0.5px</a:t>
+            </a:r>
+            <a:r>
+              <a:rPr lang="en-US" dirty="0">
+                <a:solidFill>
+                  <a:srgbClr val="000000"/>
+                </a:solidFill>
+                <a:latin typeface="Consolas" panose="020B0609020204030204" pitchFamily="49" charset="0"/>
+              </a:rPr>
+              <a:t> </a:t>
+            </a:r>
+            <a:r>
+              <a:rPr lang="en-US" dirty="0">
+                <a:solidFill>
+                  <a:srgbClr val="0451A5"/>
+                </a:solidFill>
+                <a:latin typeface="Consolas" panose="020B0609020204030204" pitchFamily="49" charset="0"/>
+              </a:rPr>
+              <a:t>solid</a:t>
+            </a:r>
+            <a:r>
+              <a:rPr lang="en-US" dirty="0">
+                <a:solidFill>
+                  <a:srgbClr val="000000"/>
+                </a:solidFill>
+                <a:latin typeface="Consolas" panose="020B0609020204030204" pitchFamily="49" charset="0"/>
+              </a:rPr>
+              <a:t> </a:t>
+            </a:r>
+            <a:r>
+              <a:rPr lang="en-US" dirty="0">
+                <a:solidFill>
+                  <a:srgbClr val="0451A5"/>
+                </a:solidFill>
+                <a:latin typeface="Consolas" panose="020B0609020204030204" pitchFamily="49" charset="0"/>
+              </a:rPr>
+              <a:t>black</a:t>
+            </a:r>
+            <a:r>
+              <a:rPr lang="en-US" dirty="0">
+                <a:solidFill>
+                  <a:srgbClr val="000000"/>
+                </a:solidFill>
+                <a:latin typeface="Consolas" panose="020B0609020204030204" pitchFamily="49" charset="0"/>
+              </a:rPr>
+              <a:t>;</a:t>
+            </a:r>
+          </a:p>
+          <a:p>
+            <a:pPr indent="457200">
+              <a:spcBef>
+                <a:spcPts val="150"/>
+              </a:spcBef>
+              <a:spcAft>
+                <a:spcPts val="150"/>
+              </a:spcAft>
+            </a:pPr>
+            <a:r>
+              <a:rPr lang="en-US" dirty="0">
+                <a:solidFill>
+                  <a:srgbClr val="E50000"/>
+                </a:solidFill>
+                <a:latin typeface="Consolas" panose="020B0609020204030204" pitchFamily="49" charset="0"/>
+              </a:rPr>
+              <a:t>display</a:t>
+            </a:r>
+            <a:r>
+              <a:rPr lang="en-US" dirty="0">
+                <a:solidFill>
+                  <a:srgbClr val="000000"/>
+                </a:solidFill>
+                <a:latin typeface="Consolas" panose="020B0609020204030204" pitchFamily="49" charset="0"/>
+              </a:rPr>
+              <a:t>: </a:t>
+            </a:r>
+            <a:r>
+              <a:rPr lang="en-US" dirty="0">
+                <a:solidFill>
+                  <a:srgbClr val="0451A5"/>
+                </a:solidFill>
+                <a:latin typeface="Consolas" panose="020B0609020204030204" pitchFamily="49" charset="0"/>
+              </a:rPr>
+              <a:t>flex</a:t>
+            </a:r>
+            <a:r>
+              <a:rPr lang="en-US" dirty="0">
+                <a:solidFill>
+                  <a:srgbClr val="000000"/>
+                </a:solidFill>
+                <a:latin typeface="Consolas" panose="020B0609020204030204" pitchFamily="49" charset="0"/>
+              </a:rPr>
+              <a:t>;</a:t>
+            </a:r>
+          </a:p>
+          <a:p>
+            <a:pPr indent="457200">
+              <a:spcBef>
+                <a:spcPts val="150"/>
+              </a:spcBef>
+              <a:spcAft>
+                <a:spcPts val="150"/>
+              </a:spcAft>
+            </a:pPr>
+            <a:r>
+              <a:rPr lang="en-US" dirty="0">
+                <a:solidFill>
+                  <a:srgbClr val="E50000"/>
+                </a:solidFill>
+                <a:latin typeface="Consolas" panose="020B0609020204030204" pitchFamily="49" charset="0"/>
+              </a:rPr>
+              <a:t>flex-direction</a:t>
+            </a:r>
+            <a:r>
+              <a:rPr lang="en-US" dirty="0">
+                <a:solidFill>
+                  <a:srgbClr val="000000"/>
+                </a:solidFill>
+                <a:latin typeface="Consolas" panose="020B0609020204030204" pitchFamily="49" charset="0"/>
+              </a:rPr>
+              <a:t>: </a:t>
+            </a:r>
+            <a:r>
+              <a:rPr lang="en-US" dirty="0">
+                <a:solidFill>
+                  <a:srgbClr val="0451A5"/>
+                </a:solidFill>
+                <a:latin typeface="Consolas" panose="020B0609020204030204" pitchFamily="49" charset="0"/>
+              </a:rPr>
+              <a:t>row</a:t>
+            </a:r>
+            <a:r>
+              <a:rPr lang="en-US" dirty="0">
+                <a:solidFill>
+                  <a:srgbClr val="000000"/>
+                </a:solidFill>
+                <a:latin typeface="Consolas" panose="020B0609020204030204" pitchFamily="49" charset="0"/>
+              </a:rPr>
+              <a:t>;</a:t>
+            </a:r>
+          </a:p>
+          <a:p>
+            <a:r>
+              <a:rPr lang="en-US" dirty="0">
+                <a:solidFill>
+                  <a:srgbClr val="000000"/>
+                </a:solidFill>
+                <a:latin typeface="Consolas" panose="020B0609020204030204" pitchFamily="49" charset="0"/>
+              </a:rPr>
+              <a:t>}</a:t>
+            </a:r>
+            <a:endParaRPr lang="en-US" b="0" dirty="0">
+              <a:solidFill>
+                <a:srgbClr val="000000"/>
+              </a:solidFill>
+              <a:effectLst/>
+              <a:latin typeface="Consolas" panose="020B0609020204030204" pitchFamily="49" charset="0"/>
+            </a:endParaRPr>
+          </a:p>
+        </p:txBody>
+      </p:sp>
+      <p:sp>
+        <p:nvSpPr>
+          <p:cNvPr id="9" name="Retângulo 8">
+            <a:extLst>
+              <a:ext uri="{FF2B5EF4-FFF2-40B4-BE49-F238E27FC236}">
+                <a16:creationId xmlns:a16="http://schemas.microsoft.com/office/drawing/2014/main" id="{B42A27D7-0615-4625-8939-612EB2716F18}"/>
+              </a:ext>
+            </a:extLst>
+          </p:cNvPr>
+          <p:cNvSpPr/>
+          <p:nvPr/>
+        </p:nvSpPr>
+        <p:spPr>
+          <a:xfrm>
+            <a:off x="6347640" y="4143032"/>
+            <a:ext cx="4307032" cy="1025922"/>
+          </a:xfrm>
+          <a:prstGeom prst="rect">
+            <a:avLst/>
+          </a:prstGeom>
+        </p:spPr>
+        <p:txBody>
+          <a:bodyPr wrap="square">
+            <a:spAutoFit/>
+          </a:bodyPr>
+          <a:lstStyle/>
+          <a:p>
+            <a:pPr>
+              <a:spcBef>
+                <a:spcPts val="150"/>
+              </a:spcBef>
+              <a:spcAft>
+                <a:spcPts val="150"/>
+              </a:spcAft>
+            </a:pPr>
+            <a:r>
+              <a:rPr lang="pt-BR" dirty="0" err="1">
+                <a:solidFill>
+                  <a:srgbClr val="E50000"/>
+                </a:solidFill>
+                <a:latin typeface="Consolas" panose="020B0609020204030204" pitchFamily="49" charset="0"/>
+              </a:rPr>
+              <a:t>flex-direction</a:t>
+            </a:r>
+            <a:r>
+              <a:rPr lang="pt-BR" dirty="0">
+                <a:solidFill>
+                  <a:srgbClr val="000000"/>
+                </a:solidFill>
+                <a:latin typeface="Consolas" panose="020B0609020204030204" pitchFamily="49" charset="0"/>
+              </a:rPr>
+              <a:t>: </a:t>
+            </a:r>
+            <a:r>
+              <a:rPr lang="pt-BR" dirty="0" err="1">
+                <a:solidFill>
+                  <a:srgbClr val="0451A5"/>
+                </a:solidFill>
+                <a:latin typeface="Consolas" panose="020B0609020204030204" pitchFamily="49" charset="0"/>
+              </a:rPr>
+              <a:t>row</a:t>
+            </a:r>
+            <a:r>
+              <a:rPr lang="pt-BR" dirty="0">
+                <a:solidFill>
+                  <a:srgbClr val="0451A5"/>
+                </a:solidFill>
+                <a:latin typeface="Consolas" panose="020B0609020204030204" pitchFamily="49" charset="0"/>
+              </a:rPr>
+              <a:t>-reverse</a:t>
+            </a:r>
+            <a:r>
+              <a:rPr lang="pt-BR" dirty="0">
+                <a:solidFill>
+                  <a:srgbClr val="000000"/>
+                </a:solidFill>
+                <a:latin typeface="Consolas" panose="020B0609020204030204" pitchFamily="49" charset="0"/>
+              </a:rPr>
+              <a:t>;</a:t>
+            </a:r>
+          </a:p>
+          <a:p>
+            <a:pPr>
+              <a:spcBef>
+                <a:spcPts val="150"/>
+              </a:spcBef>
+              <a:spcAft>
+                <a:spcPts val="150"/>
+              </a:spcAft>
+            </a:pPr>
+            <a:r>
+              <a:rPr lang="pt-BR" dirty="0" err="1">
+                <a:solidFill>
+                  <a:srgbClr val="E50000"/>
+                </a:solidFill>
+                <a:latin typeface="Consolas" panose="020B0609020204030204" pitchFamily="49" charset="0"/>
+              </a:rPr>
+              <a:t>flex-direction</a:t>
+            </a:r>
+            <a:r>
+              <a:rPr lang="pt-BR" dirty="0">
+                <a:solidFill>
+                  <a:srgbClr val="000000"/>
+                </a:solidFill>
+                <a:latin typeface="Consolas" panose="020B0609020204030204" pitchFamily="49" charset="0"/>
+              </a:rPr>
+              <a:t>: </a:t>
+            </a:r>
+            <a:r>
+              <a:rPr lang="pt-BR" dirty="0" err="1">
+                <a:solidFill>
+                  <a:srgbClr val="0451A5"/>
+                </a:solidFill>
+                <a:latin typeface="Consolas" panose="020B0609020204030204" pitchFamily="49" charset="0"/>
+              </a:rPr>
+              <a:t>column</a:t>
+            </a:r>
+            <a:r>
+              <a:rPr lang="pt-BR" dirty="0">
+                <a:solidFill>
+                  <a:srgbClr val="000000"/>
+                </a:solidFill>
+                <a:latin typeface="Consolas" panose="020B0609020204030204" pitchFamily="49" charset="0"/>
+              </a:rPr>
+              <a:t>;</a:t>
+            </a:r>
+          </a:p>
+          <a:p>
+            <a:pPr>
+              <a:spcBef>
+                <a:spcPts val="150"/>
+              </a:spcBef>
+              <a:spcAft>
+                <a:spcPts val="150"/>
+              </a:spcAft>
+            </a:pPr>
+            <a:r>
+              <a:rPr lang="pt-BR" dirty="0" err="1">
+                <a:solidFill>
+                  <a:srgbClr val="E50000"/>
+                </a:solidFill>
+                <a:latin typeface="Consolas" panose="020B0609020204030204" pitchFamily="49" charset="0"/>
+              </a:rPr>
+              <a:t>flex-direction</a:t>
+            </a:r>
+            <a:r>
+              <a:rPr lang="pt-BR" dirty="0">
+                <a:solidFill>
+                  <a:srgbClr val="000000"/>
+                </a:solidFill>
+                <a:latin typeface="Consolas" panose="020B0609020204030204" pitchFamily="49" charset="0"/>
+              </a:rPr>
+              <a:t>: </a:t>
+            </a:r>
+            <a:r>
+              <a:rPr lang="pt-BR" dirty="0" err="1">
+                <a:solidFill>
+                  <a:srgbClr val="0451A5"/>
+                </a:solidFill>
+                <a:latin typeface="Consolas" panose="020B0609020204030204" pitchFamily="49" charset="0"/>
+              </a:rPr>
+              <a:t>column</a:t>
+            </a:r>
+            <a:r>
+              <a:rPr lang="pt-BR" dirty="0">
+                <a:solidFill>
+                  <a:srgbClr val="0451A5"/>
+                </a:solidFill>
+                <a:latin typeface="Consolas" panose="020B0609020204030204" pitchFamily="49" charset="0"/>
+              </a:rPr>
+              <a:t>-reverse</a:t>
+            </a:r>
+            <a:r>
+              <a:rPr lang="pt-BR" dirty="0">
+                <a:solidFill>
+                  <a:srgbClr val="000000"/>
+                </a:solidFill>
+                <a:latin typeface="Consolas" panose="020B0609020204030204" pitchFamily="49" charset="0"/>
+              </a:rPr>
+              <a:t>;</a:t>
+            </a:r>
+            <a:endParaRPr lang="pt-BR" b="0" dirty="0">
+              <a:solidFill>
+                <a:srgbClr val="000000"/>
+              </a:solidFill>
+              <a:effectLst/>
+              <a:latin typeface="Consolas" panose="020B0609020204030204" pitchFamily="49" charset="0"/>
+            </a:endParaRPr>
+          </a:p>
+        </p:txBody>
+      </p:sp>
+    </p:spTree>
+    <p:extLst>
+      <p:ext uri="{BB962C8B-B14F-4D97-AF65-F5344CB8AC3E}">
+        <p14:creationId xmlns:p14="http://schemas.microsoft.com/office/powerpoint/2010/main" val="3670525559"/>
+      </p:ext>
+    </p:extLst>
+  </p:cSld>
+  <p:clrMapOvr>
+    <a:masterClrMapping/>
+  </p:clrMapOvr>
+</p:sld>
+</file>
+
+<file path=ppt/slides/slide8.xml><?xml version="1.0" encoding="utf-8"?>
+<p:sld xmlns:a="http://schemas.openxmlformats.org/drawingml/2006/main" xmlns:r="http://schemas.openxmlformats.org/officeDocument/2006/relationships" xmlns:p="http://schemas.openxmlformats.org/presentationml/2006/main">
+  <p:cSld>
+    <p:spTree>
+      <p:nvGrpSpPr>
+        <p:cNvPr id="1" name=""/>
+        <p:cNvGrpSpPr/>
+        <p:nvPr/>
+      </p:nvGrpSpPr>
+      <p:grpSpPr>
+        <a:xfrm>
+          <a:off x="0" y="0"/>
+          <a:ext cx="0" cy="0"/>
+          <a:chOff x="0" y="0"/>
+          <a:chExt cx="0" cy="0"/>
+        </a:xfrm>
+      </p:grpSpPr>
+      <p:sp>
+        <p:nvSpPr>
+          <p:cNvPr id="2" name="Título 1">
+            <a:extLst>
+              <a:ext uri="{FF2B5EF4-FFF2-40B4-BE49-F238E27FC236}">
+                <a16:creationId xmlns:a16="http://schemas.microsoft.com/office/drawing/2014/main" id="{CF1C60B9-2EC4-47BF-B582-B5ABBE035D64}"/>
+              </a:ext>
+            </a:extLst>
+          </p:cNvPr>
+          <p:cNvSpPr>
+            <a:spLocks noGrp="1"/>
+          </p:cNvSpPr>
+          <p:nvPr>
+            <p:ph type="title"/>
+          </p:nvPr>
+        </p:nvSpPr>
+        <p:spPr/>
+        <p:txBody>
+          <a:bodyPr/>
+          <a:lstStyle/>
+          <a:p>
+            <a:r>
+              <a:rPr lang="pt-BR" dirty="0"/>
               <a:t>Eixos (</a:t>
             </a:r>
             <a:r>
@@ -16051,7 +24486,7 @@
 </p:sld>
 </file>
 
-<file path=ppt/slides/slide8.xml><?xml version="1.0" encoding="utf-8"?>
+<file path=ppt/slides/slide9.xml><?xml version="1.0" encoding="utf-8"?>
 <p:sld xmlns:a="http://schemas.openxmlformats.org/drawingml/2006/main" xmlns:r="http://schemas.openxmlformats.org/officeDocument/2006/relationships" xmlns:p="http://schemas.openxmlformats.org/presentationml/2006/main">
   <p:cSld>
     <p:spTree>
@@ -17967,189 +26402,6 @@
     <p:extLst>
       <p:ext uri="{BB962C8B-B14F-4D97-AF65-F5344CB8AC3E}">
         <p14:creationId xmlns:p14="http://schemas.microsoft.com/office/powerpoint/2010/main" val="2019588059"/>
-      </p:ext>
-    </p:extLst>
-  </p:cSld>
-  <p:clrMapOvr>
-    <a:masterClrMapping/>
-  </p:clrMapOvr>
-</p:sld>
-</file>
-
-<file path=ppt/slides/slide9.xml><?xml version="1.0" encoding="utf-8"?>
-<p:sld xmlns:a="http://schemas.openxmlformats.org/drawingml/2006/main" xmlns:r="http://schemas.openxmlformats.org/officeDocument/2006/relationships" xmlns:p="http://schemas.openxmlformats.org/presentationml/2006/main">
-  <p:cSld>
-    <p:spTree>
-      <p:nvGrpSpPr>
-        <p:cNvPr id="1" name=""/>
-        <p:cNvGrpSpPr/>
-        <p:nvPr/>
-      </p:nvGrpSpPr>
-      <p:grpSpPr>
-        <a:xfrm>
-          <a:off x="0" y="0"/>
-          <a:ext cx="0" cy="0"/>
-          <a:chOff x="0" y="0"/>
-          <a:chExt cx="0" cy="0"/>
-        </a:xfrm>
-      </p:grpSpPr>
-      <p:sp>
-        <p:nvSpPr>
-          <p:cNvPr id="2" name="Título 1">
-            <a:extLst>
-              <a:ext uri="{FF2B5EF4-FFF2-40B4-BE49-F238E27FC236}">
-                <a16:creationId xmlns:a16="http://schemas.microsoft.com/office/drawing/2014/main" id="{CF1C60B9-2EC4-47BF-B582-B5ABBE035D64}"/>
-              </a:ext>
-            </a:extLst>
-          </p:cNvPr>
-          <p:cNvSpPr>
-            <a:spLocks noGrp="1"/>
-          </p:cNvSpPr>
-          <p:nvPr>
-            <p:ph type="title"/>
-          </p:nvPr>
-        </p:nvSpPr>
-        <p:spPr/>
-        <p:txBody>
-          <a:bodyPr/>
-          <a:lstStyle/>
-          <a:p>
-            <a:r>
-              <a:rPr lang="pt-BR" dirty="0"/>
-              <a:t>Eixos (</a:t>
-            </a:r>
-            <a:r>
-              <a:rPr lang="pt-BR" dirty="0" err="1"/>
-              <a:t>Axis</a:t>
-            </a:r>
-            <a:r>
-              <a:rPr lang="pt-BR" dirty="0"/>
-              <a:t>) em cada direção</a:t>
-            </a:r>
-          </a:p>
-        </p:txBody>
-      </p:sp>
-      <p:pic>
-        <p:nvPicPr>
-          <p:cNvPr id="3" name="Imagem 2">
-            <a:extLst>
-              <a:ext uri="{FF2B5EF4-FFF2-40B4-BE49-F238E27FC236}">
-                <a16:creationId xmlns:a16="http://schemas.microsoft.com/office/drawing/2014/main" id="{D8063282-2273-410F-A94D-BC1B5059BBF6}"/>
-              </a:ext>
-            </a:extLst>
-          </p:cNvPr>
-          <p:cNvPicPr>
-            <a:picLocks noChangeAspect="1"/>
-          </p:cNvPicPr>
-          <p:nvPr/>
-        </p:nvPicPr>
-        <p:blipFill>
-          <a:blip r:embed="rId2"/>
-          <a:stretch>
-            <a:fillRect/>
-          </a:stretch>
-        </p:blipFill>
-        <p:spPr>
-          <a:xfrm>
-            <a:off x="1092494" y="3903191"/>
-            <a:ext cx="10007012" cy="2041616"/>
-          </a:xfrm>
-          <a:prstGeom prst="rect">
-            <a:avLst/>
-          </a:prstGeom>
-        </p:spPr>
-      </p:pic>
-      <p:sp>
-        <p:nvSpPr>
-          <p:cNvPr id="53" name="Espaço Reservado para Conteúdo 2">
-            <a:extLst>
-              <a:ext uri="{FF2B5EF4-FFF2-40B4-BE49-F238E27FC236}">
-                <a16:creationId xmlns:a16="http://schemas.microsoft.com/office/drawing/2014/main" id="{8D01EDAF-5FC2-488B-BEED-38E7DB56DD31}"/>
-              </a:ext>
-            </a:extLst>
-          </p:cNvPr>
-          <p:cNvSpPr>
-            <a:spLocks noGrp="1"/>
-          </p:cNvSpPr>
-          <p:nvPr>
-            <p:ph idx="1"/>
-          </p:nvPr>
-        </p:nvSpPr>
-        <p:spPr>
-          <a:xfrm>
-            <a:off x="592347" y="1844675"/>
-            <a:ext cx="11007306" cy="1516834"/>
-          </a:xfrm>
-        </p:spPr>
-        <p:txBody>
-          <a:bodyPr/>
-          <a:lstStyle/>
-          <a:p>
-            <a:r>
-              <a:rPr lang="pt-BR" dirty="0"/>
-              <a:t>No </a:t>
-            </a:r>
-            <a:r>
-              <a:rPr lang="pt-BR" dirty="0" err="1"/>
-              <a:t>Flexbox</a:t>
-            </a:r>
-            <a:r>
-              <a:rPr lang="pt-BR" dirty="0"/>
-              <a:t>, os elementos são organizados em dois eixos principais:</a:t>
-            </a:r>
-          </a:p>
-          <a:p>
-            <a:pPr marL="1028700" lvl="1" indent="-342900"/>
-            <a:r>
-              <a:rPr lang="pt-BR" dirty="0"/>
-              <a:t>Eixo Principal (</a:t>
-            </a:r>
-            <a:r>
-              <a:rPr lang="pt-BR" dirty="0" err="1"/>
-              <a:t>Main</a:t>
-            </a:r>
-            <a:r>
-              <a:rPr lang="pt-BR" dirty="0"/>
-              <a:t> </a:t>
-            </a:r>
-            <a:r>
-              <a:rPr lang="pt-BR" dirty="0" err="1"/>
-              <a:t>Axis</a:t>
-            </a:r>
-            <a:r>
-              <a:rPr lang="pt-BR" dirty="0"/>
-              <a:t>): definido pelo </a:t>
-            </a:r>
-            <a:r>
-              <a:rPr lang="pt-BR" dirty="0" err="1"/>
-              <a:t>flex-direction</a:t>
-            </a:r>
-            <a:r>
-              <a:rPr lang="pt-BR" dirty="0"/>
-              <a:t>, determina como os itens serão distribuídos.</a:t>
-            </a:r>
-          </a:p>
-          <a:p>
-            <a:pPr marL="1028700" lvl="1" indent="-342900"/>
-            <a:r>
-              <a:rPr lang="pt-BR" dirty="0"/>
-              <a:t>Eixo Secundário (Cross </a:t>
-            </a:r>
-            <a:r>
-              <a:rPr lang="pt-BR" dirty="0" err="1"/>
-              <a:t>Axis</a:t>
-            </a:r>
-            <a:r>
-              <a:rPr lang="pt-BR" dirty="0"/>
-              <a:t>): é sempre perpendicular ao eixo principal e controla o alinhamento dos itens.</a:t>
-            </a:r>
-          </a:p>
-        </p:txBody>
-      </p:sp>
-    </p:spTree>
-    <p:extLst>
-      <p:ext uri="{BB962C8B-B14F-4D97-AF65-F5344CB8AC3E}">
-        <p14:creationId xmlns:p14="http://schemas.microsoft.com/office/powerpoint/2010/main" val="554284135"/>
       </p:ext>
     </p:extLst>
   </p:cSld>
